--- a/Telecom_Churn_Presentation.pptx
+++ b/Telecom_Churn_Presentation.pptx
@@ -17,11 +17,20 @@
     <p:sldId id="267" r:id="rId11"/>
     <p:sldId id="268" r:id="rId12"/>
     <p:sldId id="271" r:id="rId13"/>
-    <p:sldId id="262" r:id="rId14"/>
-    <p:sldId id="269" r:id="rId15"/>
-    <p:sldId id="270" r:id="rId16"/>
-    <p:sldId id="263" r:id="rId17"/>
-    <p:sldId id="272" r:id="rId18"/>
+    <p:sldId id="273" r:id="rId14"/>
+    <p:sldId id="274" r:id="rId15"/>
+    <p:sldId id="275" r:id="rId16"/>
+    <p:sldId id="276" r:id="rId17"/>
+    <p:sldId id="277" r:id="rId18"/>
+    <p:sldId id="278" r:id="rId19"/>
+    <p:sldId id="279" r:id="rId20"/>
+    <p:sldId id="280" r:id="rId21"/>
+    <p:sldId id="281" r:id="rId22"/>
+    <p:sldId id="262" r:id="rId23"/>
+    <p:sldId id="269" r:id="rId24"/>
+    <p:sldId id="270" r:id="rId25"/>
+    <p:sldId id="263" r:id="rId26"/>
+    <p:sldId id="272" r:id="rId27"/>
   </p:sldIdLst>
   <p:sldSz cx="9144000" cy="6858000" type="screen4x3"/>
   <p:notesSz cx="6858000" cy="9144000"/>
@@ -26633,7 +26642,7 @@
           <a:p>
             <a:fld id="{5BCAD085-E8A6-8845-BD4E-CB4CCA059FC4}" type="datetimeFigureOut">
               <a:rPr lang="en-US" smtClean="0"/>
-              <a:t>7/22/2025</a:t>
+              <a:t>7/24/2025</a:t>
             </a:fld>
             <a:endParaRPr lang="en-US"/>
           </a:p>
@@ -26801,7 +26810,7 @@
           <a:p>
             <a:fld id="{5BCAD085-E8A6-8845-BD4E-CB4CCA059FC4}" type="datetimeFigureOut">
               <a:rPr lang="en-US" smtClean="0"/>
-              <a:t>7/22/2025</a:t>
+              <a:t>7/24/2025</a:t>
             </a:fld>
             <a:endParaRPr lang="en-US"/>
           </a:p>
@@ -26979,7 +26988,7 @@
           <a:p>
             <a:fld id="{5BCAD085-E8A6-8845-BD4E-CB4CCA059FC4}" type="datetimeFigureOut">
               <a:rPr lang="en-US" smtClean="0"/>
-              <a:t>7/22/2025</a:t>
+              <a:t>7/24/2025</a:t>
             </a:fld>
             <a:endParaRPr lang="en-US"/>
           </a:p>
@@ -27147,7 +27156,7 @@
           <a:p>
             <a:fld id="{5BCAD085-E8A6-8845-BD4E-CB4CCA059FC4}" type="datetimeFigureOut">
               <a:rPr lang="en-US" smtClean="0"/>
-              <a:t>7/22/2025</a:t>
+              <a:t>7/24/2025</a:t>
             </a:fld>
             <a:endParaRPr lang="en-US"/>
           </a:p>
@@ -27392,7 +27401,7 @@
           <a:p>
             <a:fld id="{5BCAD085-E8A6-8845-BD4E-CB4CCA059FC4}" type="datetimeFigureOut">
               <a:rPr lang="en-US" smtClean="0"/>
-              <a:t>7/22/2025</a:t>
+              <a:t>7/24/2025</a:t>
             </a:fld>
             <a:endParaRPr lang="en-US"/>
           </a:p>
@@ -27677,7 +27686,7 @@
           <a:p>
             <a:fld id="{5BCAD085-E8A6-8845-BD4E-CB4CCA059FC4}" type="datetimeFigureOut">
               <a:rPr lang="en-US" smtClean="0"/>
-              <a:t>7/22/2025</a:t>
+              <a:t>7/24/2025</a:t>
             </a:fld>
             <a:endParaRPr lang="en-US"/>
           </a:p>
@@ -28096,7 +28105,7 @@
           <a:p>
             <a:fld id="{5BCAD085-E8A6-8845-BD4E-CB4CCA059FC4}" type="datetimeFigureOut">
               <a:rPr lang="en-US" smtClean="0"/>
-              <a:t>7/22/2025</a:t>
+              <a:t>7/24/2025</a:t>
             </a:fld>
             <a:endParaRPr lang="en-US"/>
           </a:p>
@@ -28213,7 +28222,7 @@
           <a:p>
             <a:fld id="{5BCAD085-E8A6-8845-BD4E-CB4CCA059FC4}" type="datetimeFigureOut">
               <a:rPr lang="en-US" smtClean="0"/>
-              <a:t>7/22/2025</a:t>
+              <a:t>7/24/2025</a:t>
             </a:fld>
             <a:endParaRPr lang="en-US"/>
           </a:p>
@@ -28308,7 +28317,7 @@
           <a:p>
             <a:fld id="{5BCAD085-E8A6-8845-BD4E-CB4CCA059FC4}" type="datetimeFigureOut">
               <a:rPr lang="en-US" smtClean="0"/>
-              <a:t>7/22/2025</a:t>
+              <a:t>7/24/2025</a:t>
             </a:fld>
             <a:endParaRPr lang="en-US"/>
           </a:p>
@@ -28583,7 +28592,7 @@
           <a:p>
             <a:fld id="{5BCAD085-E8A6-8845-BD4E-CB4CCA059FC4}" type="datetimeFigureOut">
               <a:rPr lang="en-US" smtClean="0"/>
-              <a:t>7/22/2025</a:t>
+              <a:t>7/24/2025</a:t>
             </a:fld>
             <a:endParaRPr lang="en-US"/>
           </a:p>
@@ -28835,7 +28844,7 @@
           <a:p>
             <a:fld id="{5BCAD085-E8A6-8845-BD4E-CB4CCA059FC4}" type="datetimeFigureOut">
               <a:rPr lang="en-US" smtClean="0"/>
-              <a:t>7/22/2025</a:t>
+              <a:t>7/24/2025</a:t>
             </a:fld>
             <a:endParaRPr lang="en-US"/>
           </a:p>
@@ -29046,7 +29055,7 @@
           <a:p>
             <a:fld id="{5BCAD085-E8A6-8845-BD4E-CB4CCA059FC4}" type="datetimeFigureOut">
               <a:rPr lang="en-US" smtClean="0"/>
-              <a:t>7/22/2025</a:t>
+              <a:t>7/24/2025</a:t>
             </a:fld>
             <a:endParaRPr lang="en-US"/>
           </a:p>
@@ -31903,12 +31912,12 @@
           <a:chExt cx="0" cy="0"/>
         </a:xfrm>
       </p:grpSpPr>
-      <p:sp useBgFill="1">
+      <p:sp>
         <p:nvSpPr>
-          <p:cNvPr id="9" name="Rectangle 8">
+          <p:cNvPr id="15" name="Rectangle 14">
             <a:extLst>
               <a:ext uri="{FF2B5EF4-FFF2-40B4-BE49-F238E27FC236}">
-                <a16:creationId xmlns:a16="http://schemas.microsoft.com/office/drawing/2014/main" id="{BACC6370-2D7E-4714-9D71-7542949D7D5D}"/>
+                <a16:creationId xmlns:a16="http://schemas.microsoft.com/office/drawing/2014/main" id="{32BC26D8-82FB-445E-AA49-62A77D7C1EE0}"/>
               </a:ext>
               <a:ext uri="{C183D7F6-B498-43B3-948B-1728B52AA6E4}">
                 <adec:decorative xmlns:adec="http://schemas.microsoft.com/office/drawing/2017/decorative" val="1"/>
@@ -31934,467 +31943,8 @@
           <a:prstGeom prst="rect">
             <a:avLst/>
           </a:prstGeom>
-          <a:ln w="12700" cap="flat" cmpd="sng" algn="ctr">
-            <a:noFill/>
-            <a:prstDash val="solid"/>
-            <a:miter lim="800000"/>
-          </a:ln>
-          <a:effectLst/>
-          <a:extLst>
-            <a:ext uri="{91240B29-F687-4F45-9708-019B960494DF}">
-              <a14:hiddenLine xmlns:a14="http://schemas.microsoft.com/office/drawing/2010/main" w="12700" cap="flat" cmpd="sng" algn="ctr">
-                <a:solidFill>
-                  <a:schemeClr val="accent1">
-                    <a:shade val="50000"/>
-                  </a:schemeClr>
-                </a:solidFill>
-                <a:prstDash val="solid"/>
-                <a:miter lim="800000"/>
-              </a14:hiddenLine>
-            </a:ext>
-          </a:extLst>
-        </p:spPr>
-        <p:style>
-          <a:lnRef idx="2">
-            <a:schemeClr val="accent1">
-              <a:shade val="50000"/>
-            </a:schemeClr>
-          </a:lnRef>
-          <a:fillRef idx="1">
-            <a:schemeClr val="accent1"/>
-          </a:fillRef>
-          <a:effectRef idx="0">
-            <a:schemeClr val="accent1"/>
-          </a:effectRef>
-          <a:fontRef idx="minor">
-            <a:schemeClr val="lt1"/>
-          </a:fontRef>
-        </p:style>
-        <p:txBody>
-          <a:bodyPr rtlCol="0" anchor="ctr"/>
-          <a:lstStyle/>
-          <a:p>
-            <a:pPr algn="ctr"/>
-            <a:endParaRPr lang="en-US"/>
-          </a:p>
-        </p:txBody>
-      </p:sp>
-      <p:sp>
-        <p:nvSpPr>
-          <p:cNvPr id="11" name="Rectangle 10">
-            <a:extLst>
-              <a:ext uri="{FF2B5EF4-FFF2-40B4-BE49-F238E27FC236}">
-                <a16:creationId xmlns:a16="http://schemas.microsoft.com/office/drawing/2014/main" id="{F68B3F68-107C-434F-AA38-110D5EA91B85}"/>
-              </a:ext>
-              <a:ext uri="{C183D7F6-B498-43B3-948B-1728B52AA6E4}">
-                <adec:decorative xmlns:adec="http://schemas.microsoft.com/office/drawing/2017/decorative" val="1"/>
-              </a:ext>
-            </a:extLst>
-          </p:cNvPr>
-          <p:cNvSpPr>
-            <a:spLocks noGrp="1" noRot="1" noChangeAspect="1" noMove="1" noResize="1" noEditPoints="1" noAdjustHandles="1" noChangeArrowheads="1" noChangeShapeType="1" noTextEdit="1"/>
-          </p:cNvSpPr>
-          <p:nvPr>
-            <p:extLst>
-              <p:ext uri="{386F3935-93C4-4BCD-93E2-E3B085C9AB24}">
-                <p16:designElem xmlns:p16="http://schemas.microsoft.com/office/powerpoint/2015/main" val="1"/>
-              </p:ext>
-            </p:extLst>
-          </p:nvPr>
-        </p:nvSpPr>
-        <p:spPr>
-          <a:xfrm flipH="1">
-            <a:off x="1" y="0"/>
-            <a:ext cx="9143999" cy="1575955"/>
-          </a:xfrm>
-          <a:prstGeom prst="rect">
-            <a:avLst/>
-          </a:prstGeom>
-          <a:gradFill>
-            <a:gsLst>
-              <a:gs pos="0">
-                <a:srgbClr val="000000">
-                  <a:alpha val="96000"/>
-                </a:srgbClr>
-              </a:gs>
-              <a:gs pos="100000">
-                <a:schemeClr val="accent1">
-                  <a:lumMod val="75000"/>
-                </a:schemeClr>
-              </a:gs>
-            </a:gsLst>
-            <a:lin ang="8400000" scaled="0"/>
-          </a:gradFill>
-          <a:ln>
-            <a:noFill/>
-          </a:ln>
-        </p:spPr>
-        <p:style>
-          <a:lnRef idx="2">
-            <a:schemeClr val="accent1">
-              <a:shade val="50000"/>
-            </a:schemeClr>
-          </a:lnRef>
-          <a:fillRef idx="1">
-            <a:schemeClr val="accent1"/>
-          </a:fillRef>
-          <a:effectRef idx="0">
-            <a:schemeClr val="accent1"/>
-          </a:effectRef>
-          <a:fontRef idx="minor">
-            <a:schemeClr val="lt1"/>
-          </a:fontRef>
-        </p:style>
-        <p:txBody>
-          <a:bodyPr rtlCol="0" anchor="ctr"/>
-          <a:lstStyle/>
-          <a:p>
-            <a:pPr algn="ctr"/>
-            <a:endParaRPr lang="en-US"/>
-          </a:p>
-        </p:txBody>
-      </p:sp>
-      <p:sp>
-        <p:nvSpPr>
-          <p:cNvPr id="13" name="Rectangle 12">
-            <a:extLst>
-              <a:ext uri="{FF2B5EF4-FFF2-40B4-BE49-F238E27FC236}">
-                <a16:creationId xmlns:a16="http://schemas.microsoft.com/office/drawing/2014/main" id="{AAD0DBB9-1A4B-4391-81D4-CB19F9AB918A}"/>
-              </a:ext>
-              <a:ext uri="{C183D7F6-B498-43B3-948B-1728B52AA6E4}">
-                <adec:decorative xmlns:adec="http://schemas.microsoft.com/office/drawing/2017/decorative" val="1"/>
-              </a:ext>
-            </a:extLst>
-          </p:cNvPr>
-          <p:cNvSpPr>
-            <a:spLocks noGrp="1" noRot="1" noChangeAspect="1" noMove="1" noResize="1" noEditPoints="1" noAdjustHandles="1" noChangeArrowheads="1" noChangeShapeType="1" noTextEdit="1"/>
-          </p:cNvSpPr>
-          <p:nvPr>
-            <p:extLst>
-              <p:ext uri="{386F3935-93C4-4BCD-93E2-E3B085C9AB24}">
-                <p16:designElem xmlns:p16="http://schemas.microsoft.com/office/powerpoint/2015/main" val="1"/>
-              </p:ext>
-            </p:extLst>
-          </p:nvPr>
-        </p:nvSpPr>
-        <p:spPr>
-          <a:xfrm rot="10800000" flipH="1">
-            <a:off x="6096642" y="0"/>
-            <a:ext cx="3047358" cy="1576412"/>
-          </a:xfrm>
-          <a:prstGeom prst="rect">
-            <a:avLst/>
-          </a:prstGeom>
-          <a:gradFill>
-            <a:gsLst>
-              <a:gs pos="19000">
-                <a:schemeClr val="accent1">
-                  <a:lumMod val="50000"/>
-                  <a:alpha val="68000"/>
-                </a:schemeClr>
-              </a:gs>
-              <a:gs pos="100000">
-                <a:schemeClr val="accent1">
-                  <a:alpha val="79000"/>
-                </a:schemeClr>
-              </a:gs>
-            </a:gsLst>
-            <a:lin ang="19200000" scaled="0"/>
-          </a:gradFill>
-          <a:ln>
-            <a:noFill/>
-          </a:ln>
-        </p:spPr>
-        <p:style>
-          <a:lnRef idx="2">
-            <a:schemeClr val="accent1">
-              <a:shade val="50000"/>
-            </a:schemeClr>
-          </a:lnRef>
-          <a:fillRef idx="1">
-            <a:schemeClr val="accent1"/>
-          </a:fillRef>
-          <a:effectRef idx="0">
-            <a:schemeClr val="accent1"/>
-          </a:effectRef>
-          <a:fontRef idx="minor">
-            <a:schemeClr val="lt1"/>
-          </a:fontRef>
-        </p:style>
-        <p:txBody>
-          <a:bodyPr rtlCol="0" anchor="ctr"/>
-          <a:lstStyle/>
-          <a:p>
-            <a:pPr algn="ctr"/>
-            <a:endParaRPr lang="en-US"/>
-          </a:p>
-        </p:txBody>
-      </p:sp>
-      <p:sp>
-        <p:nvSpPr>
-          <p:cNvPr id="15" name="Rectangle 14">
-            <a:extLst>
-              <a:ext uri="{FF2B5EF4-FFF2-40B4-BE49-F238E27FC236}">
-                <a16:creationId xmlns:a16="http://schemas.microsoft.com/office/drawing/2014/main" id="{063BBA22-50EA-4C4D-BE05-F1CE4E63AA56}"/>
-              </a:ext>
-              <a:ext uri="{C183D7F6-B498-43B3-948B-1728B52AA6E4}">
-                <adec:decorative xmlns:adec="http://schemas.microsoft.com/office/drawing/2017/decorative" val="1"/>
-              </a:ext>
-            </a:extLst>
-          </p:cNvPr>
-          <p:cNvSpPr>
-            <a:spLocks noGrp="1" noRot="1" noChangeAspect="1" noMove="1" noResize="1" noEditPoints="1" noAdjustHandles="1" noChangeArrowheads="1" noChangeShapeType="1" noTextEdit="1"/>
-          </p:cNvSpPr>
-          <p:nvPr>
-            <p:extLst>
-              <p:ext uri="{386F3935-93C4-4BCD-93E2-E3B085C9AB24}">
-                <p16:designElem xmlns:p16="http://schemas.microsoft.com/office/powerpoint/2015/main" val="1"/>
-              </p:ext>
-            </p:extLst>
-          </p:nvPr>
-        </p:nvSpPr>
-        <p:spPr>
-          <a:xfrm rot="5400000">
-            <a:off x="3783777" y="-3783778"/>
-            <a:ext cx="1576446" cy="9144002"/>
-          </a:xfrm>
-          <a:prstGeom prst="rect">
-            <a:avLst/>
-          </a:prstGeom>
-          <a:gradFill>
-            <a:gsLst>
-              <a:gs pos="23000">
-                <a:schemeClr val="accent1">
-                  <a:alpha val="0"/>
-                </a:schemeClr>
-              </a:gs>
-              <a:gs pos="99000">
-                <a:srgbClr val="000000">
-                  <a:alpha val="74000"/>
-                </a:srgbClr>
-              </a:gs>
-            </a:gsLst>
-            <a:lin ang="20400000" scaled="0"/>
-          </a:gradFill>
-          <a:ln>
-            <a:noFill/>
-          </a:ln>
-        </p:spPr>
-        <p:style>
-          <a:lnRef idx="2">
-            <a:schemeClr val="accent1">
-              <a:shade val="50000"/>
-            </a:schemeClr>
-          </a:lnRef>
-          <a:fillRef idx="1">
-            <a:schemeClr val="accent1"/>
-          </a:fillRef>
-          <a:effectRef idx="0">
-            <a:schemeClr val="accent1"/>
-          </a:effectRef>
-          <a:fontRef idx="minor">
-            <a:schemeClr val="lt1"/>
-          </a:fontRef>
-        </p:style>
-        <p:txBody>
-          <a:bodyPr rtlCol="0" anchor="ctr"/>
-          <a:lstStyle/>
-          <a:p>
-            <a:pPr algn="ctr"/>
-            <a:endParaRPr lang="en-US" dirty="0"/>
-          </a:p>
-        </p:txBody>
-      </p:sp>
-      <p:sp>
-        <p:nvSpPr>
-          <p:cNvPr id="2" name="Title 1"/>
-          <p:cNvSpPr>
-            <a:spLocks noGrp="1"/>
-          </p:cNvSpPr>
-          <p:nvPr>
-            <p:ph type="title"/>
-          </p:nvPr>
-        </p:nvSpPr>
-        <p:spPr>
-          <a:xfrm>
-            <a:off x="1028697" y="348865"/>
-            <a:ext cx="7533018" cy="877729"/>
-          </a:xfrm>
-        </p:spPr>
-        <p:txBody>
-          <a:bodyPr anchor="ctr">
-            <a:normAutofit/>
-          </a:bodyPr>
-          <a:lstStyle/>
-          <a:p>
-            <a:r>
-              <a:rPr lang="en-US" sz="3500">
-                <a:solidFill>
-                  <a:srgbClr val="FFFFFF"/>
-                </a:solidFill>
-              </a:rPr>
-              <a:t>Confusion Matrix &amp; Insights</a:t>
-            </a:r>
-          </a:p>
-        </p:txBody>
-      </p:sp>
-      <p:graphicFrame>
-        <p:nvGraphicFramePr>
-          <p:cNvPr id="5" name="Content Placeholder 2">
-            <a:extLst>
-              <a:ext uri="{FF2B5EF4-FFF2-40B4-BE49-F238E27FC236}">
-                <a16:creationId xmlns:a16="http://schemas.microsoft.com/office/drawing/2014/main" id="{C6119A2C-ED7F-F966-C9B7-7899C80A3E14}"/>
-              </a:ext>
-            </a:extLst>
-          </p:cNvPr>
-          <p:cNvGraphicFramePr>
-            <a:graphicFrameLocks noGrp="1"/>
-          </p:cNvGraphicFramePr>
-          <p:nvPr>
-            <p:ph idx="1"/>
-            <p:extLst>
-              <p:ext uri="{D42A27DB-BD31-4B8C-83A1-F6EECF244321}">
-                <p14:modId xmlns:p14="http://schemas.microsoft.com/office/powerpoint/2010/main" val="1269891072"/>
-              </p:ext>
-            </p:extLst>
-          </p:nvPr>
-        </p:nvGraphicFramePr>
-        <p:xfrm>
-          <a:off x="483042" y="2112579"/>
-          <a:ext cx="8195871" cy="4192805"/>
-        </p:xfrm>
-        <a:graphic>
-          <a:graphicData uri="http://schemas.openxmlformats.org/drawingml/2006/diagram">
-            <dgm:relIds xmlns:dgm="http://schemas.openxmlformats.org/drawingml/2006/diagram" xmlns:r="http://schemas.openxmlformats.org/officeDocument/2006/relationships" r:dm="rId2" r:lo="rId3" r:qs="rId4" r:cs="rId5"/>
-          </a:graphicData>
-        </a:graphic>
-      </p:graphicFrame>
-    </p:spTree>
-  </p:cSld>
-  <p:clrMapOvr>
-    <a:masterClrMapping/>
-  </p:clrMapOvr>
-</p:sld>
-</file>
-
-<file path=ppt/slides/slide14.xml><?xml version="1.0" encoding="utf-8"?>
-<p:sld xmlns:a="http://schemas.openxmlformats.org/drawingml/2006/main" xmlns:r="http://schemas.openxmlformats.org/officeDocument/2006/relationships" xmlns:p="http://schemas.openxmlformats.org/presentationml/2006/main">
-  <p:cSld>
-    <p:bg>
-      <p:bgPr>
-        <a:solidFill>
-          <a:schemeClr val="bg1"/>
-        </a:solidFill>
-        <a:effectLst/>
-      </p:bgPr>
-    </p:bg>
-    <p:spTree>
-      <p:nvGrpSpPr>
-        <p:cNvPr id="1" name=""/>
-        <p:cNvGrpSpPr/>
-        <p:nvPr/>
-      </p:nvGrpSpPr>
-      <p:grpSpPr>
-        <a:xfrm>
-          <a:off x="0" y="0"/>
-          <a:ext cx="0" cy="0"/>
-          <a:chOff x="0" y="0"/>
-          <a:chExt cx="0" cy="0"/>
-        </a:xfrm>
-      </p:grpSpPr>
-      <p:sp useBgFill="1">
-        <p:nvSpPr>
-          <p:cNvPr id="8" name="Rectangle 7">
-            <a:extLst>
-              <a:ext uri="{FF2B5EF4-FFF2-40B4-BE49-F238E27FC236}">
-                <a16:creationId xmlns:a16="http://schemas.microsoft.com/office/drawing/2014/main" id="{E92FEB64-6EEA-4759-B4A4-BD2C1E660BA8}"/>
-              </a:ext>
-              <a:ext uri="{C183D7F6-B498-43B3-948B-1728B52AA6E4}">
-                <adec:decorative xmlns:adec="http://schemas.microsoft.com/office/drawing/2017/decorative" val="1"/>
-              </a:ext>
-            </a:extLst>
-          </p:cNvPr>
-          <p:cNvSpPr>
-            <a:spLocks noGrp="1" noRot="1" noChangeAspect="1" noMove="1" noResize="1" noEditPoints="1" noAdjustHandles="1" noChangeArrowheads="1" noChangeShapeType="1" noTextEdit="1"/>
-          </p:cNvSpPr>
-          <p:nvPr>
-            <p:extLst>
-              <p:ext uri="{386F3935-93C4-4BCD-93E2-E3B085C9AB24}">
-                <p16:designElem xmlns:p16="http://schemas.microsoft.com/office/powerpoint/2015/main" val="1"/>
-              </p:ext>
-            </p:extLst>
-          </p:nvPr>
-        </p:nvSpPr>
-        <p:spPr>
-          <a:xfrm>
-            <a:off x="2286" y="0"/>
-            <a:ext cx="9141714" cy="6858000"/>
-          </a:xfrm>
-          <a:prstGeom prst="rect">
-            <a:avLst/>
-          </a:prstGeom>
-          <a:ln>
-            <a:noFill/>
-          </a:ln>
-        </p:spPr>
-        <p:style>
-          <a:lnRef idx="2">
-            <a:schemeClr val="accent1">
-              <a:shade val="50000"/>
-            </a:schemeClr>
-          </a:lnRef>
-          <a:fillRef idx="1">
-            <a:schemeClr val="accent1"/>
-          </a:fillRef>
-          <a:effectRef idx="0">
-            <a:schemeClr val="accent1"/>
-          </a:effectRef>
-          <a:fontRef idx="minor">
-            <a:schemeClr val="lt1"/>
-          </a:fontRef>
-        </p:style>
-        <p:txBody>
-          <a:bodyPr rtlCol="0" anchor="ctr"/>
-          <a:lstStyle/>
-          <a:p>
-            <a:pPr algn="ctr"/>
-            <a:endParaRPr lang="en-US"/>
-          </a:p>
-        </p:txBody>
-      </p:sp>
-      <p:sp>
-        <p:nvSpPr>
-          <p:cNvPr id="10" name="Oval 9">
-            <a:extLst>
-              <a:ext uri="{FF2B5EF4-FFF2-40B4-BE49-F238E27FC236}">
-                <a16:creationId xmlns:a16="http://schemas.microsoft.com/office/drawing/2014/main" id="{B10BB131-AC8E-4A8E-A5D1-36260F720C3B}"/>
-              </a:ext>
-              <a:ext uri="{C183D7F6-B498-43B3-948B-1728B52AA6E4}">
-                <adec:decorative xmlns:adec="http://schemas.microsoft.com/office/drawing/2017/decorative" val="1"/>
-              </a:ext>
-            </a:extLst>
-          </p:cNvPr>
-          <p:cNvSpPr>
-            <a:spLocks noGrp="1" noRot="1" noChangeAspect="1" noMove="1" noResize="1" noEditPoints="1" noAdjustHandles="1" noChangeArrowheads="1" noChangeShapeType="1" noTextEdit="1"/>
-          </p:cNvSpPr>
-          <p:nvPr>
-            <p:extLst>
-              <p:ext uri="{386F3935-93C4-4BCD-93E2-E3B085C9AB24}">
-                <p16:designElem xmlns:p16="http://schemas.microsoft.com/office/powerpoint/2015/main" val="1"/>
-              </p:ext>
-            </p:extLst>
-          </p:nvPr>
-        </p:nvSpPr>
-        <p:spPr>
-          <a:xfrm>
-            <a:off x="530544" y="847600"/>
-            <a:ext cx="3464954" cy="4619938"/>
-          </a:xfrm>
-          <a:prstGeom prst="ellipse">
-            <a:avLst/>
-          </a:prstGeom>
           <a:solidFill>
-            <a:schemeClr val="accent2"/>
+            <a:srgbClr val="3F374D"/>
           </a:solidFill>
           <a:ln>
             <a:noFill/>
@@ -32427,1349 +31977,10 @@
       </p:sp>
       <p:sp>
         <p:nvSpPr>
-          <p:cNvPr id="2" name="Title 1">
+          <p:cNvPr id="21" name="Rectangle 20">
             <a:extLst>
               <a:ext uri="{FF2B5EF4-FFF2-40B4-BE49-F238E27FC236}">
-                <a16:creationId xmlns:a16="http://schemas.microsoft.com/office/drawing/2014/main" id="{41257691-A7A0-F504-13E1-99975EF22C67}"/>
-              </a:ext>
-            </a:extLst>
-          </p:cNvPr>
-          <p:cNvSpPr>
-            <a:spLocks noGrp="1"/>
-          </p:cNvSpPr>
-          <p:nvPr>
-            <p:ph type="title"/>
-          </p:nvPr>
-        </p:nvSpPr>
-        <p:spPr>
-          <a:xfrm>
-            <a:off x="1041958" y="1233241"/>
-            <a:ext cx="2430380" cy="4064628"/>
-          </a:xfrm>
-        </p:spPr>
-        <p:txBody>
-          <a:bodyPr>
-            <a:normAutofit/>
-          </a:bodyPr>
-          <a:lstStyle/>
-          <a:p>
-            <a:r>
-              <a:rPr lang="en-US" sz="3700">
-                <a:solidFill>
-                  <a:srgbClr val="FFFFFF"/>
-                </a:solidFill>
-              </a:rPr>
-              <a:t>Conclusion</a:t>
-            </a:r>
-          </a:p>
-        </p:txBody>
-      </p:sp>
-      <p:sp>
-        <p:nvSpPr>
-          <p:cNvPr id="12" name="Freeform: Shape 11">
-            <a:extLst>
-              <a:ext uri="{FF2B5EF4-FFF2-40B4-BE49-F238E27FC236}">
-                <a16:creationId xmlns:a16="http://schemas.microsoft.com/office/drawing/2014/main" id="{14847E93-7DC1-4D4B-8829-B19AA7137C50}"/>
-              </a:ext>
-              <a:ext uri="{C183D7F6-B498-43B3-948B-1728B52AA6E4}">
-                <adec:decorative xmlns:adec="http://schemas.microsoft.com/office/drawing/2017/decorative" val="1"/>
-              </a:ext>
-            </a:extLst>
-          </p:cNvPr>
-          <p:cNvSpPr>
-            <a:spLocks noGrp="1" noRot="1" noChangeAspect="1" noMove="1" noResize="1" noEditPoints="1" noAdjustHandles="1" noChangeArrowheads="1" noChangeShapeType="1" noTextEdit="1"/>
-          </p:cNvSpPr>
-          <p:nvPr>
-            <p:extLst>
-              <p:ext uri="{386F3935-93C4-4BCD-93E2-E3B085C9AB24}">
-                <p16:designElem xmlns:p16="http://schemas.microsoft.com/office/powerpoint/2015/main" val="1"/>
-              </p:ext>
-            </p:extLst>
-          </p:nvPr>
-        </p:nvSpPr>
-        <p:spPr>
-          <a:xfrm flipH="1">
-            <a:off x="397896" y="0"/>
-            <a:ext cx="866357" cy="591009"/>
-          </a:xfrm>
-          <a:custGeom>
-            <a:avLst/>
-            <a:gdLst>
-              <a:gd name="connsiteX0" fmla="*/ 1355 w 1155142"/>
-              <a:gd name="connsiteY0" fmla="*/ 0 h 591009"/>
-              <a:gd name="connsiteX1" fmla="*/ 1153787 w 1155142"/>
-              <a:gd name="connsiteY1" fmla="*/ 0 h 591009"/>
-              <a:gd name="connsiteX2" fmla="*/ 1155142 w 1155142"/>
-              <a:gd name="connsiteY2" fmla="*/ 13438 h 591009"/>
-              <a:gd name="connsiteX3" fmla="*/ 577571 w 1155142"/>
-              <a:gd name="connsiteY3" fmla="*/ 591009 h 591009"/>
-              <a:gd name="connsiteX4" fmla="*/ 0 w 1155142"/>
-              <a:gd name="connsiteY4" fmla="*/ 13438 h 591009"/>
-            </a:gdLst>
-            <a:ahLst/>
-            <a:cxnLst>
-              <a:cxn ang="0">
-                <a:pos x="connsiteX0" y="connsiteY0"/>
-              </a:cxn>
-              <a:cxn ang="0">
-                <a:pos x="connsiteX1" y="connsiteY1"/>
-              </a:cxn>
-              <a:cxn ang="0">
-                <a:pos x="connsiteX2" y="connsiteY2"/>
-              </a:cxn>
-              <a:cxn ang="0">
-                <a:pos x="connsiteX3" y="connsiteY3"/>
-              </a:cxn>
-              <a:cxn ang="0">
-                <a:pos x="connsiteX4" y="connsiteY4"/>
-              </a:cxn>
-            </a:cxnLst>
-            <a:rect l="l" t="t" r="r" b="b"/>
-            <a:pathLst>
-              <a:path w="1155142" h="591009">
-                <a:moveTo>
-                  <a:pt x="1355" y="0"/>
-                </a:moveTo>
-                <a:lnTo>
-                  <a:pt x="1153787" y="0"/>
-                </a:lnTo>
-                <a:lnTo>
-                  <a:pt x="1155142" y="13438"/>
-                </a:lnTo>
-                <a:cubicBezTo>
-                  <a:pt x="1155142" y="332422"/>
-                  <a:pt x="896555" y="591009"/>
-                  <a:pt x="577571" y="591009"/>
-                </a:cubicBezTo>
-                <a:cubicBezTo>
-                  <a:pt x="258587" y="591009"/>
-                  <a:pt x="0" y="332422"/>
-                  <a:pt x="0" y="13438"/>
-                </a:cubicBezTo>
-                <a:close/>
-              </a:path>
-            </a:pathLst>
-          </a:custGeom>
-          <a:solidFill>
-            <a:schemeClr val="accent5"/>
-          </a:solidFill>
-          <a:ln>
-            <a:noFill/>
-          </a:ln>
-        </p:spPr>
-        <p:style>
-          <a:lnRef idx="2">
-            <a:schemeClr val="accent1">
-              <a:shade val="50000"/>
-            </a:schemeClr>
-          </a:lnRef>
-          <a:fillRef idx="1">
-            <a:schemeClr val="accent1"/>
-          </a:fillRef>
-          <a:effectRef idx="0">
-            <a:schemeClr val="accent1"/>
-          </a:effectRef>
-          <a:fontRef idx="minor">
-            <a:schemeClr val="lt1"/>
-          </a:fontRef>
-        </p:style>
-        <p:txBody>
-          <a:bodyPr wrap="square" rtlCol="0" anchor="ctr">
-            <a:noAutofit/>
-          </a:bodyPr>
-          <a:lstStyle/>
-          <a:p>
-            <a:pPr algn="ctr"/>
-            <a:endParaRPr lang="en-US"/>
-          </a:p>
-        </p:txBody>
-      </p:sp>
-      <p:sp>
-        <p:nvSpPr>
-          <p:cNvPr id="14" name="Freeform: Shape 13">
-            <a:extLst>
-              <a:ext uri="{FF2B5EF4-FFF2-40B4-BE49-F238E27FC236}">
-                <a16:creationId xmlns:a16="http://schemas.microsoft.com/office/drawing/2014/main" id="{5566D6E1-03A1-4D73-A4E0-35D74D568A04}"/>
-              </a:ext>
-              <a:ext uri="{C183D7F6-B498-43B3-948B-1728B52AA6E4}">
-                <adec:decorative xmlns:adec="http://schemas.microsoft.com/office/drawing/2017/decorative" val="1"/>
-              </a:ext>
-            </a:extLst>
-          </p:cNvPr>
-          <p:cNvSpPr>
-            <a:spLocks noGrp="1" noRot="1" noChangeAspect="1" noMove="1" noResize="1" noEditPoints="1" noAdjustHandles="1" noChangeArrowheads="1" noChangeShapeType="1" noTextEdit="1"/>
-          </p:cNvSpPr>
-          <p:nvPr>
-            <p:extLst>
-              <p:ext uri="{386F3935-93C4-4BCD-93E2-E3B085C9AB24}">
-                <p16:designElem xmlns:p16="http://schemas.microsoft.com/office/powerpoint/2015/main" val="1"/>
-              </p:ext>
-            </p:extLst>
-          </p:nvPr>
-        </p:nvSpPr>
-        <p:spPr>
-          <a:xfrm flipH="1">
-            <a:off x="2971133" y="-1"/>
-            <a:ext cx="1303051" cy="959536"/>
-          </a:xfrm>
-          <a:custGeom>
-            <a:avLst/>
-            <a:gdLst>
-              <a:gd name="connsiteX0" fmla="*/ 0 w 1737401"/>
-              <a:gd name="connsiteY0" fmla="*/ 0 h 959536"/>
-              <a:gd name="connsiteX1" fmla="*/ 123825 w 1737401"/>
-              <a:gd name="connsiteY1" fmla="*/ 0 h 959536"/>
-              <a:gd name="connsiteX2" fmla="*/ 123825 w 1737401"/>
-              <a:gd name="connsiteY2" fmla="*/ 790277 h 959536"/>
-              <a:gd name="connsiteX3" fmla="*/ 1490095 w 1737401"/>
-              <a:gd name="connsiteY3" fmla="*/ 0 h 959536"/>
-              <a:gd name="connsiteX4" fmla="*/ 1737401 w 1737401"/>
-              <a:gd name="connsiteY4" fmla="*/ 0 h 959536"/>
-              <a:gd name="connsiteX5" fmla="*/ 92869 w 1737401"/>
-              <a:gd name="connsiteY5" fmla="*/ 951249 h 959536"/>
-              <a:gd name="connsiteX6" fmla="*/ 61913 w 1737401"/>
-              <a:gd name="connsiteY6" fmla="*/ 959536 h 959536"/>
-              <a:gd name="connsiteX7" fmla="*/ 0 w 1737401"/>
-              <a:gd name="connsiteY7" fmla="*/ 897624 h 959536"/>
-            </a:gdLst>
-            <a:ahLst/>
-            <a:cxnLst>
-              <a:cxn ang="0">
-                <a:pos x="connsiteX0" y="connsiteY0"/>
-              </a:cxn>
-              <a:cxn ang="0">
-                <a:pos x="connsiteX1" y="connsiteY1"/>
-              </a:cxn>
-              <a:cxn ang="0">
-                <a:pos x="connsiteX2" y="connsiteY2"/>
-              </a:cxn>
-              <a:cxn ang="0">
-                <a:pos x="connsiteX3" y="connsiteY3"/>
-              </a:cxn>
-              <a:cxn ang="0">
-                <a:pos x="connsiteX4" y="connsiteY4"/>
-              </a:cxn>
-              <a:cxn ang="0">
-                <a:pos x="connsiteX5" y="connsiteY5"/>
-              </a:cxn>
-              <a:cxn ang="0">
-                <a:pos x="connsiteX6" y="connsiteY6"/>
-              </a:cxn>
-              <a:cxn ang="0">
-                <a:pos x="connsiteX7" y="connsiteY7"/>
-              </a:cxn>
-            </a:cxnLst>
-            <a:rect l="l" t="t" r="r" b="b"/>
-            <a:pathLst>
-              <a:path w="1737401" h="959536">
-                <a:moveTo>
-                  <a:pt x="0" y="0"/>
-                </a:moveTo>
-                <a:lnTo>
-                  <a:pt x="123825" y="0"/>
-                </a:lnTo>
-                <a:lnTo>
-                  <a:pt x="123825" y="790277"/>
-                </a:lnTo>
-                <a:lnTo>
-                  <a:pt x="1490095" y="0"/>
-                </a:lnTo>
-                <a:lnTo>
-                  <a:pt x="1737401" y="0"/>
-                </a:lnTo>
-                <a:lnTo>
-                  <a:pt x="92869" y="951249"/>
-                </a:lnTo>
-                <a:cubicBezTo>
-                  <a:pt x="83458" y="956688"/>
-                  <a:pt x="72780" y="959546"/>
-                  <a:pt x="61913" y="959536"/>
-                </a:cubicBezTo>
-                <a:cubicBezTo>
-                  <a:pt x="27719" y="959536"/>
-                  <a:pt x="0" y="931818"/>
-                  <a:pt x="0" y="897624"/>
-                </a:cubicBezTo>
-                <a:close/>
-              </a:path>
-            </a:pathLst>
-          </a:custGeom>
-          <a:solidFill>
-            <a:schemeClr val="accent6"/>
-          </a:solidFill>
-          <a:ln w="9525" cap="flat">
-            <a:noFill/>
-            <a:prstDash val="solid"/>
-            <a:miter/>
-          </a:ln>
-        </p:spPr>
-        <p:txBody>
-          <a:bodyPr rtlCol="0" anchor="ctr"/>
-          <a:lstStyle/>
-          <a:p>
-            <a:endParaRPr lang="en-US"/>
-          </a:p>
-        </p:txBody>
-      </p:sp>
-      <p:sp>
-        <p:nvSpPr>
-          <p:cNvPr id="16" name="Freeform: Shape 15">
-            <a:extLst>
-              <a:ext uri="{FF2B5EF4-FFF2-40B4-BE49-F238E27FC236}">
-                <a16:creationId xmlns:a16="http://schemas.microsoft.com/office/drawing/2014/main" id="{9F835A99-04AC-494A-A572-AFE8413CC938}"/>
-              </a:ext>
-              <a:ext uri="{C183D7F6-B498-43B3-948B-1728B52AA6E4}">
-                <adec:decorative xmlns:adec="http://schemas.microsoft.com/office/drawing/2017/decorative" val="1"/>
-              </a:ext>
-            </a:extLst>
-          </p:cNvPr>
-          <p:cNvSpPr>
-            <a:spLocks noGrp="1" noRot="1" noChangeAspect="1" noMove="1" noResize="1" noEditPoints="1" noAdjustHandles="1" noChangeArrowheads="1" noChangeShapeType="1" noTextEdit="1"/>
-          </p:cNvSpPr>
-          <p:nvPr>
-            <p:extLst>
-              <p:ext uri="{386F3935-93C4-4BCD-93E2-E3B085C9AB24}">
-                <p16:designElem xmlns:p16="http://schemas.microsoft.com/office/powerpoint/2015/main" val="1"/>
-              </p:ext>
-            </p:extLst>
-          </p:nvPr>
-        </p:nvSpPr>
-        <p:spPr>
-          <a:xfrm flipH="1">
-            <a:off x="0" y="2936831"/>
-            <a:ext cx="119805" cy="552996"/>
-          </a:xfrm>
-          <a:custGeom>
-            <a:avLst/>
-            <a:gdLst>
-              <a:gd name="connsiteX0" fmla="*/ 159741 w 159741"/>
-              <a:gd name="connsiteY0" fmla="*/ 0 h 552996"/>
-              <a:gd name="connsiteX1" fmla="*/ 159741 w 159741"/>
-              <a:gd name="connsiteY1" fmla="*/ 552996 h 552996"/>
-              <a:gd name="connsiteX2" fmla="*/ 141849 w 159741"/>
-              <a:gd name="connsiteY2" fmla="*/ 543285 h 552996"/>
-              <a:gd name="connsiteX3" fmla="*/ 0 w 159741"/>
-              <a:gd name="connsiteY3" fmla="*/ 276498 h 552996"/>
-              <a:gd name="connsiteX4" fmla="*/ 141849 w 159741"/>
-              <a:gd name="connsiteY4" fmla="*/ 9711 h 552996"/>
-            </a:gdLst>
-            <a:ahLst/>
-            <a:cxnLst>
-              <a:cxn ang="0">
-                <a:pos x="connsiteX0" y="connsiteY0"/>
-              </a:cxn>
-              <a:cxn ang="0">
-                <a:pos x="connsiteX1" y="connsiteY1"/>
-              </a:cxn>
-              <a:cxn ang="0">
-                <a:pos x="connsiteX2" y="connsiteY2"/>
-              </a:cxn>
-              <a:cxn ang="0">
-                <a:pos x="connsiteX3" y="connsiteY3"/>
-              </a:cxn>
-              <a:cxn ang="0">
-                <a:pos x="connsiteX4" y="connsiteY4"/>
-              </a:cxn>
-            </a:cxnLst>
-            <a:rect l="l" t="t" r="r" b="b"/>
-            <a:pathLst>
-              <a:path w="159741" h="552996">
-                <a:moveTo>
-                  <a:pt x="159741" y="0"/>
-                </a:moveTo>
-                <a:lnTo>
-                  <a:pt x="159741" y="552996"/>
-                </a:lnTo>
-                <a:lnTo>
-                  <a:pt x="141849" y="543285"/>
-                </a:lnTo>
-                <a:cubicBezTo>
-                  <a:pt x="56268" y="485467"/>
-                  <a:pt x="0" y="387554"/>
-                  <a:pt x="0" y="276498"/>
-                </a:cubicBezTo>
-                <a:cubicBezTo>
-                  <a:pt x="0" y="165443"/>
-                  <a:pt x="56268" y="67529"/>
-                  <a:pt x="141849" y="9711"/>
-                </a:cubicBezTo>
-                <a:close/>
-              </a:path>
-            </a:pathLst>
-          </a:custGeom>
-          <a:solidFill>
-            <a:schemeClr val="accent4"/>
-          </a:solidFill>
-          <a:ln w="127000">
-            <a:noFill/>
-          </a:ln>
-        </p:spPr>
-        <p:style>
-          <a:lnRef idx="2">
-            <a:schemeClr val="accent1">
-              <a:shade val="50000"/>
-            </a:schemeClr>
-          </a:lnRef>
-          <a:fillRef idx="1">
-            <a:schemeClr val="accent1"/>
-          </a:fillRef>
-          <a:effectRef idx="0">
-            <a:schemeClr val="accent1"/>
-          </a:effectRef>
-          <a:fontRef idx="minor">
-            <a:schemeClr val="lt1"/>
-          </a:fontRef>
-        </p:style>
-        <p:txBody>
-          <a:bodyPr wrap="square" rtlCol="0" anchor="ctr">
-            <a:noAutofit/>
-          </a:bodyPr>
-          <a:lstStyle/>
-          <a:p>
-            <a:pPr algn="ctr"/>
-            <a:endParaRPr lang="en-US"/>
-          </a:p>
-        </p:txBody>
-      </p:sp>
-      <p:sp>
-        <p:nvSpPr>
-          <p:cNvPr id="3" name="Content Placeholder 2">
-            <a:extLst>
-              <a:ext uri="{FF2B5EF4-FFF2-40B4-BE49-F238E27FC236}">
-                <a16:creationId xmlns:a16="http://schemas.microsoft.com/office/drawing/2014/main" id="{4B4EA615-9272-8BCC-CA4A-3268D7BA4C45}"/>
-              </a:ext>
-            </a:extLst>
-          </p:cNvPr>
-          <p:cNvSpPr>
-            <a:spLocks noGrp="1"/>
-          </p:cNvSpPr>
-          <p:nvPr>
-            <p:ph idx="1"/>
-          </p:nvPr>
-        </p:nvSpPr>
-        <p:spPr>
-          <a:xfrm>
-            <a:off x="4572000" y="820880"/>
-            <a:ext cx="3943349" cy="4889350"/>
-          </a:xfrm>
-        </p:spPr>
-        <p:txBody>
-          <a:bodyPr anchor="t">
-            <a:normAutofit/>
-          </a:bodyPr>
-          <a:lstStyle/>
-          <a:p>
-            <a:r>
-              <a:rPr lang="en-US" dirty="0"/>
-              <a:t>Final Model: Random Forest</a:t>
-            </a:r>
-          </a:p>
-          <a:p>
-            <a:r>
-              <a:rPr lang="en-US" dirty="0"/>
-              <a:t>High precision: fewer false positives</a:t>
-            </a:r>
-          </a:p>
-          <a:p>
-            <a:r>
-              <a:rPr lang="en-US" dirty="0"/>
-              <a:t>Supports proactive customer retention</a:t>
-            </a:r>
-          </a:p>
-        </p:txBody>
-      </p:sp>
-      <p:sp>
-        <p:nvSpPr>
-          <p:cNvPr id="18" name="Freeform: Shape 17">
-            <a:extLst>
-              <a:ext uri="{FF2B5EF4-FFF2-40B4-BE49-F238E27FC236}">
-                <a16:creationId xmlns:a16="http://schemas.microsoft.com/office/drawing/2014/main" id="{7B786209-1B0B-4CA9-9BDD-F7327066A84D}"/>
-              </a:ext>
-              <a:ext uri="{C183D7F6-B498-43B3-948B-1728B52AA6E4}">
-                <adec:decorative xmlns:adec="http://schemas.microsoft.com/office/drawing/2017/decorative" val="1"/>
-              </a:ext>
-            </a:extLst>
-          </p:cNvPr>
-          <p:cNvSpPr>
-            <a:spLocks noGrp="1" noRot="1" noChangeAspect="1" noMove="1" noResize="1" noEditPoints="1" noAdjustHandles="1" noChangeArrowheads="1" noChangeShapeType="1" noTextEdit="1"/>
-          </p:cNvSpPr>
-          <p:nvPr>
-            <p:extLst>
-              <p:ext uri="{386F3935-93C4-4BCD-93E2-E3B085C9AB24}">
-                <p16:designElem xmlns:p16="http://schemas.microsoft.com/office/powerpoint/2015/main" val="1"/>
-              </p:ext>
-            </p:extLst>
-          </p:nvPr>
-        </p:nvSpPr>
-        <p:spPr>
-          <a:xfrm flipH="1">
-            <a:off x="0" y="5835649"/>
-            <a:ext cx="1161135" cy="1022351"/>
-          </a:xfrm>
-          <a:custGeom>
-            <a:avLst/>
-            <a:gdLst>
-              <a:gd name="connsiteX0" fmla="*/ 61913 w 1548180"/>
-              <a:gd name="connsiteY0" fmla="*/ 0 h 1022351"/>
-              <a:gd name="connsiteX1" fmla="*/ 1548180 w 1548180"/>
-              <a:gd name="connsiteY1" fmla="*/ 0 h 1022351"/>
-              <a:gd name="connsiteX2" fmla="*/ 1548180 w 1548180"/>
-              <a:gd name="connsiteY2" fmla="*/ 123825 h 1022351"/>
-              <a:gd name="connsiteX3" fmla="*/ 123825 w 1548180"/>
-              <a:gd name="connsiteY3" fmla="*/ 123825 h 1022351"/>
-              <a:gd name="connsiteX4" fmla="*/ 123825 w 1548180"/>
-              <a:gd name="connsiteY4" fmla="*/ 1022351 h 1022351"/>
-              <a:gd name="connsiteX5" fmla="*/ 0 w 1548180"/>
-              <a:gd name="connsiteY5" fmla="*/ 1022351 h 1022351"/>
-              <a:gd name="connsiteX6" fmla="*/ 0 w 1548180"/>
-              <a:gd name="connsiteY6" fmla="*/ 61913 h 1022351"/>
-              <a:gd name="connsiteX7" fmla="*/ 61913 w 1548180"/>
-              <a:gd name="connsiteY7" fmla="*/ 0 h 1022351"/>
-            </a:gdLst>
-            <a:ahLst/>
-            <a:cxnLst>
-              <a:cxn ang="0">
-                <a:pos x="connsiteX0" y="connsiteY0"/>
-              </a:cxn>
-              <a:cxn ang="0">
-                <a:pos x="connsiteX1" y="connsiteY1"/>
-              </a:cxn>
-              <a:cxn ang="0">
-                <a:pos x="connsiteX2" y="connsiteY2"/>
-              </a:cxn>
-              <a:cxn ang="0">
-                <a:pos x="connsiteX3" y="connsiteY3"/>
-              </a:cxn>
-              <a:cxn ang="0">
-                <a:pos x="connsiteX4" y="connsiteY4"/>
-              </a:cxn>
-              <a:cxn ang="0">
-                <a:pos x="connsiteX5" y="connsiteY5"/>
-              </a:cxn>
-              <a:cxn ang="0">
-                <a:pos x="connsiteX6" y="connsiteY6"/>
-              </a:cxn>
-              <a:cxn ang="0">
-                <a:pos x="connsiteX7" y="connsiteY7"/>
-              </a:cxn>
-            </a:cxnLst>
-            <a:rect l="l" t="t" r="r" b="b"/>
-            <a:pathLst>
-              <a:path w="1548180" h="1022351">
-                <a:moveTo>
-                  <a:pt x="61913" y="0"/>
-                </a:moveTo>
-                <a:lnTo>
-                  <a:pt x="1548180" y="0"/>
-                </a:lnTo>
-                <a:lnTo>
-                  <a:pt x="1548180" y="123825"/>
-                </a:lnTo>
-                <a:lnTo>
-                  <a:pt x="123825" y="123825"/>
-                </a:lnTo>
-                <a:lnTo>
-                  <a:pt x="123825" y="1022351"/>
-                </a:lnTo>
-                <a:lnTo>
-                  <a:pt x="0" y="1022351"/>
-                </a:lnTo>
-                <a:lnTo>
-                  <a:pt x="0" y="61913"/>
-                </a:lnTo>
-                <a:cubicBezTo>
-                  <a:pt x="0" y="27719"/>
-                  <a:pt x="27719" y="0"/>
-                  <a:pt x="61913" y="0"/>
-                </a:cubicBezTo>
-                <a:close/>
-              </a:path>
-            </a:pathLst>
-          </a:custGeom>
-          <a:solidFill>
-            <a:schemeClr val="accent6"/>
-          </a:solidFill>
-          <a:ln w="9525" cap="flat">
-            <a:noFill/>
-            <a:prstDash val="solid"/>
-            <a:miter/>
-          </a:ln>
-        </p:spPr>
-        <p:txBody>
-          <a:bodyPr rtlCol="0" anchor="ctr"/>
-          <a:lstStyle/>
-          <a:p>
-            <a:endParaRPr lang="en-US"/>
-          </a:p>
-        </p:txBody>
-      </p:sp>
-      <p:sp>
-        <p:nvSpPr>
-          <p:cNvPr id="20" name="Freeform: Shape 19">
-            <a:extLst>
-              <a:ext uri="{FF2B5EF4-FFF2-40B4-BE49-F238E27FC236}">
-                <a16:creationId xmlns:a16="http://schemas.microsoft.com/office/drawing/2014/main" id="{2D2964BB-484D-45AE-AD66-D407D0629652}"/>
-              </a:ext>
-              <a:ext uri="{C183D7F6-B498-43B3-948B-1728B52AA6E4}">
-                <adec:decorative xmlns:adec="http://schemas.microsoft.com/office/drawing/2017/decorative" val="1"/>
-              </a:ext>
-            </a:extLst>
-          </p:cNvPr>
-          <p:cNvSpPr>
-            <a:spLocks noGrp="1" noRot="1" noChangeAspect="1" noMove="1" noResize="1" noEditPoints="1" noAdjustHandles="1" noChangeArrowheads="1" noChangeShapeType="1" noTextEdit="1"/>
-          </p:cNvSpPr>
-          <p:nvPr>
-            <p:extLst>
-              <p:ext uri="{386F3935-93C4-4BCD-93E2-E3B085C9AB24}">
-                <p16:designElem xmlns:p16="http://schemas.microsoft.com/office/powerpoint/2015/main" val="1"/>
-              </p:ext>
-            </p:extLst>
-          </p:nvPr>
-        </p:nvSpPr>
-        <p:spPr>
-          <a:xfrm flipH="1">
-            <a:off x="2553792" y="5717905"/>
-            <a:ext cx="1328706" cy="1140095"/>
-          </a:xfrm>
-          <a:custGeom>
-            <a:avLst/>
-            <a:gdLst>
-              <a:gd name="connsiteX0" fmla="*/ 1561721 w 1771609"/>
-              <a:gd name="connsiteY0" fmla="*/ 763041 h 1140095"/>
-              <a:gd name="connsiteX1" fmla="*/ 1623024 w 1771609"/>
-              <a:gd name="connsiteY1" fmla="*/ 792810 h 1140095"/>
-              <a:gd name="connsiteX2" fmla="*/ 1711735 w 1771609"/>
-              <a:gd name="connsiteY2" fmla="*/ 970132 h 1140095"/>
-              <a:gd name="connsiteX3" fmla="*/ 1771609 w 1771609"/>
-              <a:gd name="connsiteY3" fmla="*/ 1140095 h 1140095"/>
-              <a:gd name="connsiteX4" fmla="*/ 1637225 w 1771609"/>
-              <a:gd name="connsiteY4" fmla="*/ 1140095 h 1140095"/>
-              <a:gd name="connsiteX5" fmla="*/ 1594820 w 1771609"/>
-              <a:gd name="connsiteY5" fmla="*/ 1019711 h 1140095"/>
-              <a:gd name="connsiteX6" fmla="*/ 1513200 w 1771609"/>
-              <a:gd name="connsiteY6" fmla="*/ 856627 h 1140095"/>
-              <a:gd name="connsiteX7" fmla="*/ 1538499 w 1771609"/>
-              <a:gd name="connsiteY7" fmla="*/ 770415 h 1140095"/>
-              <a:gd name="connsiteX8" fmla="*/ 1561721 w 1771609"/>
-              <a:gd name="connsiteY8" fmla="*/ 763041 h 1140095"/>
-              <a:gd name="connsiteX9" fmla="*/ 933455 w 1771609"/>
-              <a:gd name="connsiteY9" fmla="*/ 161309 h 1140095"/>
-              <a:gd name="connsiteX10" fmla="*/ 957797 w 1771609"/>
-              <a:gd name="connsiteY10" fmla="*/ 167970 h 1140095"/>
-              <a:gd name="connsiteX11" fmla="*/ 1286982 w 1771609"/>
-              <a:gd name="connsiteY11" fmla="*/ 387616 h 1140095"/>
-              <a:gd name="connsiteX12" fmla="*/ 1293725 w 1771609"/>
-              <a:gd name="connsiteY12" fmla="*/ 477075 h 1140095"/>
-              <a:gd name="connsiteX13" fmla="*/ 1245453 w 1771609"/>
-              <a:gd name="connsiteY13" fmla="*/ 499154 h 1140095"/>
-              <a:gd name="connsiteX14" fmla="*/ 1245167 w 1771609"/>
-              <a:gd name="connsiteY14" fmla="*/ 499154 h 1140095"/>
-              <a:gd name="connsiteX15" fmla="*/ 1203638 w 1771609"/>
-              <a:gd name="connsiteY15" fmla="*/ 484104 h 1140095"/>
-              <a:gd name="connsiteX16" fmla="*/ 900647 w 1771609"/>
-              <a:gd name="connsiteY16" fmla="*/ 281508 h 1140095"/>
-              <a:gd name="connsiteX17" fmla="*/ 872454 w 1771609"/>
-              <a:gd name="connsiteY17" fmla="*/ 196164 h 1140095"/>
-              <a:gd name="connsiteX18" fmla="*/ 933455 w 1771609"/>
-              <a:gd name="connsiteY18" fmla="*/ 161309 h 1140095"/>
-              <a:gd name="connsiteX19" fmla="*/ 256260 w 1771609"/>
-              <a:gd name="connsiteY19" fmla="*/ 29 h 1140095"/>
-              <a:gd name="connsiteX20" fmla="*/ 454020 w 1771609"/>
-              <a:gd name="connsiteY20" fmla="*/ 13474 h 1140095"/>
-              <a:gd name="connsiteX21" fmla="*/ 509236 w 1771609"/>
-              <a:gd name="connsiteY21" fmla="*/ 84182 h 1140095"/>
-              <a:gd name="connsiteX22" fmla="*/ 445829 w 1771609"/>
-              <a:gd name="connsiteY22" fmla="*/ 139871 h 1140095"/>
-              <a:gd name="connsiteX23" fmla="*/ 437447 w 1771609"/>
-              <a:gd name="connsiteY23" fmla="*/ 139395 h 1140095"/>
-              <a:gd name="connsiteX24" fmla="*/ 73211 w 1771609"/>
-              <a:gd name="connsiteY24" fmla="*/ 137204 h 1140095"/>
-              <a:gd name="connsiteX25" fmla="*/ 749 w 1771609"/>
-              <a:gd name="connsiteY25" fmla="*/ 84082 h 1140095"/>
-              <a:gd name="connsiteX26" fmla="*/ 53871 w 1771609"/>
-              <a:gd name="connsiteY26" fmla="*/ 11621 h 1140095"/>
-              <a:gd name="connsiteX27" fmla="*/ 58352 w 1771609"/>
-              <a:gd name="connsiteY27" fmla="*/ 11093 h 1140095"/>
-              <a:gd name="connsiteX28" fmla="*/ 256260 w 1771609"/>
-              <a:gd name="connsiteY28" fmla="*/ 29 h 1140095"/>
-            </a:gdLst>
-            <a:ahLst/>
-            <a:cxnLst>
-              <a:cxn ang="0">
-                <a:pos x="connsiteX0" y="connsiteY0"/>
-              </a:cxn>
-              <a:cxn ang="0">
-                <a:pos x="connsiteX1" y="connsiteY1"/>
-              </a:cxn>
-              <a:cxn ang="0">
-                <a:pos x="connsiteX2" y="connsiteY2"/>
-              </a:cxn>
-              <a:cxn ang="0">
-                <a:pos x="connsiteX3" y="connsiteY3"/>
-              </a:cxn>
-              <a:cxn ang="0">
-                <a:pos x="connsiteX4" y="connsiteY4"/>
-              </a:cxn>
-              <a:cxn ang="0">
-                <a:pos x="connsiteX5" y="connsiteY5"/>
-              </a:cxn>
-              <a:cxn ang="0">
-                <a:pos x="connsiteX6" y="connsiteY6"/>
-              </a:cxn>
-              <a:cxn ang="0">
-                <a:pos x="connsiteX7" y="connsiteY7"/>
-              </a:cxn>
-              <a:cxn ang="0">
-                <a:pos x="connsiteX8" y="connsiteY8"/>
-              </a:cxn>
-              <a:cxn ang="0">
-                <a:pos x="connsiteX9" y="connsiteY9"/>
-              </a:cxn>
-              <a:cxn ang="0">
-                <a:pos x="connsiteX10" y="connsiteY10"/>
-              </a:cxn>
-              <a:cxn ang="0">
-                <a:pos x="connsiteX11" y="connsiteY11"/>
-              </a:cxn>
-              <a:cxn ang="0">
-                <a:pos x="connsiteX12" y="connsiteY12"/>
-              </a:cxn>
-              <a:cxn ang="0">
-                <a:pos x="connsiteX13" y="connsiteY13"/>
-              </a:cxn>
-              <a:cxn ang="0">
-                <a:pos x="connsiteX14" y="connsiteY14"/>
-              </a:cxn>
-              <a:cxn ang="0">
-                <a:pos x="connsiteX15" y="connsiteY15"/>
-              </a:cxn>
-              <a:cxn ang="0">
-                <a:pos x="connsiteX16" y="connsiteY16"/>
-              </a:cxn>
-              <a:cxn ang="0">
-                <a:pos x="connsiteX17" y="connsiteY17"/>
-              </a:cxn>
-              <a:cxn ang="0">
-                <a:pos x="connsiteX18" y="connsiteY18"/>
-              </a:cxn>
-              <a:cxn ang="0">
-                <a:pos x="connsiteX19" y="connsiteY19"/>
-              </a:cxn>
-              <a:cxn ang="0">
-                <a:pos x="connsiteX20" y="connsiteY20"/>
-              </a:cxn>
-              <a:cxn ang="0">
-                <a:pos x="connsiteX21" y="connsiteY21"/>
-              </a:cxn>
-              <a:cxn ang="0">
-                <a:pos x="connsiteX22" y="connsiteY22"/>
-              </a:cxn>
-              <a:cxn ang="0">
-                <a:pos x="connsiteX23" y="connsiteY23"/>
-              </a:cxn>
-              <a:cxn ang="0">
-                <a:pos x="connsiteX24" y="connsiteY24"/>
-              </a:cxn>
-              <a:cxn ang="0">
-                <a:pos x="connsiteX25" y="connsiteY25"/>
-              </a:cxn>
-              <a:cxn ang="0">
-                <a:pos x="connsiteX26" y="connsiteY26"/>
-              </a:cxn>
-              <a:cxn ang="0">
-                <a:pos x="connsiteX27" y="connsiteY27"/>
-              </a:cxn>
-              <a:cxn ang="0">
-                <a:pos x="connsiteX28" y="connsiteY28"/>
-              </a:cxn>
-            </a:cxnLst>
-            <a:rect l="l" t="t" r="r" b="b"/>
-            <a:pathLst>
-              <a:path w="1771609" h="1140095">
-                <a:moveTo>
-                  <a:pt x="1561721" y="763041"/>
-                </a:moveTo>
-                <a:cubicBezTo>
-                  <a:pt x="1585506" y="760324"/>
-                  <a:pt x="1609722" y="771249"/>
-                  <a:pt x="1623024" y="792810"/>
-                </a:cubicBezTo>
-                <a:cubicBezTo>
-                  <a:pt x="1656300" y="850065"/>
-                  <a:pt x="1685920" y="909291"/>
-                  <a:pt x="1711735" y="970132"/>
-                </a:cubicBezTo>
-                <a:lnTo>
-                  <a:pt x="1771609" y="1140095"/>
-                </a:lnTo>
-                <a:lnTo>
-                  <a:pt x="1637225" y="1140095"/>
-                </a:lnTo>
-                <a:lnTo>
-                  <a:pt x="1594820" y="1019711"/>
-                </a:lnTo>
-                <a:cubicBezTo>
-                  <a:pt x="1571072" y="963753"/>
-                  <a:pt x="1543818" y="909282"/>
-                  <a:pt x="1513200" y="856627"/>
-                </a:cubicBezTo>
-                <a:cubicBezTo>
-                  <a:pt x="1496379" y="825834"/>
-                  <a:pt x="1507704" y="787236"/>
-                  <a:pt x="1538499" y="770415"/>
-                </a:cubicBezTo>
-                <a:cubicBezTo>
-                  <a:pt x="1545912" y="766367"/>
-                  <a:pt x="1553792" y="763946"/>
-                  <a:pt x="1561721" y="763041"/>
-                </a:cubicBezTo>
-                <a:close/>
-                <a:moveTo>
-                  <a:pt x="933455" y="161309"/>
-                </a:moveTo>
-                <a:cubicBezTo>
-                  <a:pt x="941693" y="161855"/>
-                  <a:pt x="949959" y="164025"/>
-                  <a:pt x="957797" y="167970"/>
-                </a:cubicBezTo>
-                <a:cubicBezTo>
-                  <a:pt x="1076184" y="227289"/>
-                  <a:pt x="1186759" y="301068"/>
-                  <a:pt x="1286982" y="387616"/>
-                </a:cubicBezTo>
-                <a:cubicBezTo>
-                  <a:pt x="1313547" y="410457"/>
-                  <a:pt x="1316566" y="450510"/>
-                  <a:pt x="1293725" y="477075"/>
-                </a:cubicBezTo>
-                <a:cubicBezTo>
-                  <a:pt x="1281638" y="491137"/>
-                  <a:pt x="1263998" y="499204"/>
-                  <a:pt x="1245453" y="499154"/>
-                </a:cubicBezTo>
-                <a:lnTo>
-                  <a:pt x="1245167" y="499154"/>
-                </a:lnTo>
-                <a:cubicBezTo>
-                  <a:pt x="1229965" y="499301"/>
-                  <a:pt x="1215220" y="493956"/>
-                  <a:pt x="1203638" y="484104"/>
-                </a:cubicBezTo>
-                <a:cubicBezTo>
-                  <a:pt x="1111407" y="404300"/>
-                  <a:pt x="1009633" y="336248"/>
-                  <a:pt x="900647" y="281508"/>
-                </a:cubicBezTo>
-                <a:cubicBezTo>
-                  <a:pt x="869295" y="265726"/>
-                  <a:pt x="856672" y="227516"/>
-                  <a:pt x="872454" y="196164"/>
-                </a:cubicBezTo>
-                <a:cubicBezTo>
-                  <a:pt x="884290" y="172650"/>
-                  <a:pt x="908742" y="159670"/>
-                  <a:pt x="933455" y="161309"/>
-                </a:cubicBezTo>
-                <a:close/>
-                <a:moveTo>
-                  <a:pt x="256260" y="29"/>
-                </a:moveTo>
-                <a:cubicBezTo>
-                  <a:pt x="322331" y="427"/>
-                  <a:pt x="388378" y="4909"/>
-                  <a:pt x="454020" y="13474"/>
-                </a:cubicBezTo>
-                <a:cubicBezTo>
-                  <a:pt x="488793" y="17752"/>
-                  <a:pt x="513514" y="49409"/>
-                  <a:pt x="509236" y="84182"/>
-                </a:cubicBezTo>
-                <a:cubicBezTo>
-                  <a:pt x="505303" y="116151"/>
-                  <a:pt x="478038" y="140098"/>
-                  <a:pt x="445829" y="139871"/>
-                </a:cubicBezTo>
-                <a:cubicBezTo>
-                  <a:pt x="443027" y="139899"/>
-                  <a:pt x="440227" y="139740"/>
-                  <a:pt x="437447" y="139395"/>
-                </a:cubicBezTo>
-                <a:cubicBezTo>
-                  <a:pt x="316592" y="123615"/>
-                  <a:pt x="194247" y="122878"/>
-                  <a:pt x="73211" y="137204"/>
-                </a:cubicBezTo>
-                <a:cubicBezTo>
-                  <a:pt x="38532" y="142545"/>
-                  <a:pt x="6090" y="118762"/>
-                  <a:pt x="749" y="84082"/>
-                </a:cubicBezTo>
-                <a:cubicBezTo>
-                  <a:pt x="-4591" y="49403"/>
-                  <a:pt x="19192" y="16961"/>
-                  <a:pt x="53871" y="11621"/>
-                </a:cubicBezTo>
-                <a:cubicBezTo>
-                  <a:pt x="55358" y="11392"/>
-                  <a:pt x="56852" y="11216"/>
-                  <a:pt x="58352" y="11093"/>
-                </a:cubicBezTo>
-                <a:cubicBezTo>
-                  <a:pt x="124093" y="3319"/>
-                  <a:pt x="190189" y="-369"/>
-                  <a:pt x="256260" y="29"/>
-                </a:cubicBezTo>
-                <a:close/>
-              </a:path>
-            </a:pathLst>
-          </a:custGeom>
-          <a:solidFill>
-            <a:schemeClr val="accent4"/>
-          </a:solidFill>
-          <a:ln w="9525" cap="flat">
-            <a:noFill/>
-            <a:prstDash val="solid"/>
-            <a:miter/>
-          </a:ln>
-        </p:spPr>
-        <p:txBody>
-          <a:bodyPr rtlCol="0" anchor="ctr"/>
-          <a:lstStyle/>
-          <a:p>
-            <a:endParaRPr lang="en-US"/>
-          </a:p>
-        </p:txBody>
-      </p:sp>
-      <p:sp>
-        <p:nvSpPr>
-          <p:cNvPr id="22" name="Freeform: Shape 21">
-            <a:extLst>
-              <a:ext uri="{FF2B5EF4-FFF2-40B4-BE49-F238E27FC236}">
-                <a16:creationId xmlns:a16="http://schemas.microsoft.com/office/drawing/2014/main" id="{6691AC69-A76E-4DAB-B565-468B6B87ACF3}"/>
-              </a:ext>
-              <a:ext uri="{C183D7F6-B498-43B3-948B-1728B52AA6E4}">
-                <adec:decorative xmlns:adec="http://schemas.microsoft.com/office/drawing/2017/decorative" val="1"/>
-              </a:ext>
-            </a:extLst>
-          </p:cNvPr>
-          <p:cNvSpPr>
-            <a:spLocks noGrp="1" noRot="1" noChangeAspect="1" noMove="1" noResize="1" noEditPoints="1" noAdjustHandles="1" noChangeArrowheads="1" noChangeShapeType="1" noTextEdit="1"/>
-          </p:cNvSpPr>
-          <p:nvPr>
-            <p:extLst>
-              <p:ext uri="{386F3935-93C4-4BCD-93E2-E3B085C9AB24}">
-                <p16:designElem xmlns:p16="http://schemas.microsoft.com/office/powerpoint/2015/main" val="1"/>
-              </p:ext>
-            </p:extLst>
-          </p:nvPr>
-        </p:nvSpPr>
-        <p:spPr>
-          <a:xfrm flipH="1">
-            <a:off x="3099729" y="6258755"/>
-            <a:ext cx="1174455" cy="599245"/>
-          </a:xfrm>
-          <a:custGeom>
-            <a:avLst/>
-            <a:gdLst>
-              <a:gd name="connsiteX0" fmla="*/ 782970 w 1565940"/>
-              <a:gd name="connsiteY0" fmla="*/ 0 h 599245"/>
-              <a:gd name="connsiteX1" fmla="*/ 1528042 w 1565940"/>
-              <a:gd name="connsiteY1" fmla="*/ 480469 h 599245"/>
-              <a:gd name="connsiteX2" fmla="*/ 1565940 w 1565940"/>
-              <a:gd name="connsiteY2" fmla="*/ 599245 h 599245"/>
-              <a:gd name="connsiteX3" fmla="*/ 0 w 1565940"/>
-              <a:gd name="connsiteY3" fmla="*/ 599245 h 599245"/>
-              <a:gd name="connsiteX4" fmla="*/ 37898 w 1565940"/>
-              <a:gd name="connsiteY4" fmla="*/ 480469 h 599245"/>
-              <a:gd name="connsiteX5" fmla="*/ 782970 w 1565940"/>
-              <a:gd name="connsiteY5" fmla="*/ 0 h 599245"/>
-            </a:gdLst>
-            <a:ahLst/>
-            <a:cxnLst>
-              <a:cxn ang="0">
-                <a:pos x="connsiteX0" y="connsiteY0"/>
-              </a:cxn>
-              <a:cxn ang="0">
-                <a:pos x="connsiteX1" y="connsiteY1"/>
-              </a:cxn>
-              <a:cxn ang="0">
-                <a:pos x="connsiteX2" y="connsiteY2"/>
-              </a:cxn>
-              <a:cxn ang="0">
-                <a:pos x="connsiteX3" y="connsiteY3"/>
-              </a:cxn>
-              <a:cxn ang="0">
-                <a:pos x="connsiteX4" y="connsiteY4"/>
-              </a:cxn>
-              <a:cxn ang="0">
-                <a:pos x="connsiteX5" y="connsiteY5"/>
-              </a:cxn>
-            </a:cxnLst>
-            <a:rect l="l" t="t" r="r" b="b"/>
-            <a:pathLst>
-              <a:path w="1565940" h="599245">
-                <a:moveTo>
-                  <a:pt x="782970" y="0"/>
-                </a:moveTo>
-                <a:cubicBezTo>
-                  <a:pt x="1117910" y="0"/>
-                  <a:pt x="1405287" y="198118"/>
-                  <a:pt x="1528042" y="480469"/>
-                </a:cubicBezTo>
-                <a:lnTo>
-                  <a:pt x="1565940" y="599245"/>
-                </a:lnTo>
-                <a:lnTo>
-                  <a:pt x="0" y="599245"/>
-                </a:lnTo>
-                <a:lnTo>
-                  <a:pt x="37898" y="480469"/>
-                </a:lnTo>
-                <a:cubicBezTo>
-                  <a:pt x="160653" y="198118"/>
-                  <a:pt x="448030" y="0"/>
-                  <a:pt x="782970" y="0"/>
-                </a:cubicBezTo>
-                <a:close/>
-              </a:path>
-            </a:pathLst>
-          </a:custGeom>
-          <a:solidFill>
-            <a:schemeClr val="accent2"/>
-          </a:solidFill>
-          <a:ln>
-            <a:noFill/>
-          </a:ln>
-        </p:spPr>
-        <p:style>
-          <a:lnRef idx="2">
-            <a:schemeClr val="accent1">
-              <a:shade val="50000"/>
-            </a:schemeClr>
-          </a:lnRef>
-          <a:fillRef idx="1">
-            <a:schemeClr val="accent1"/>
-          </a:fillRef>
-          <a:effectRef idx="0">
-            <a:schemeClr val="accent1"/>
-          </a:effectRef>
-          <a:fontRef idx="minor">
-            <a:schemeClr val="lt1"/>
-          </a:fontRef>
-        </p:style>
-        <p:txBody>
-          <a:bodyPr wrap="square" rtlCol="0" anchor="ctr">
-            <a:noAutofit/>
-          </a:bodyPr>
-          <a:lstStyle/>
-          <a:p>
-            <a:pPr algn="ctr"/>
-            <a:endParaRPr lang="en-US" dirty="0"/>
-          </a:p>
-        </p:txBody>
-      </p:sp>
-    </p:spTree>
-    <p:extLst>
-      <p:ext uri="{BB962C8B-B14F-4D97-AF65-F5344CB8AC3E}">
-        <p14:creationId xmlns:p14="http://schemas.microsoft.com/office/powerpoint/2010/main" val="3289346370"/>
-      </p:ext>
-    </p:extLst>
-  </p:cSld>
-  <p:clrMapOvr>
-    <a:masterClrMapping/>
-  </p:clrMapOvr>
-</p:sld>
-</file>
-
-<file path=ppt/slides/slide15.xml><?xml version="1.0" encoding="utf-8"?>
-<p:sld xmlns:a="http://schemas.openxmlformats.org/drawingml/2006/main" xmlns:r="http://schemas.openxmlformats.org/officeDocument/2006/relationships" xmlns:p="http://schemas.openxmlformats.org/presentationml/2006/main">
-  <p:cSld>
-    <p:bg>
-      <p:bgPr>
-        <a:solidFill>
-          <a:schemeClr val="bg1">
-            <a:tint val="95000"/>
-            <a:satMod val="170000"/>
-          </a:schemeClr>
-        </a:solidFill>
-        <a:effectLst/>
-      </p:bgPr>
-    </p:bg>
-    <p:spTree>
-      <p:nvGrpSpPr>
-        <p:cNvPr id="1" name=""/>
-        <p:cNvGrpSpPr/>
-        <p:nvPr/>
-      </p:nvGrpSpPr>
-      <p:grpSpPr>
-        <a:xfrm>
-          <a:off x="0" y="0"/>
-          <a:ext cx="0" cy="0"/>
-          <a:chOff x="0" y="0"/>
-          <a:chExt cx="0" cy="0"/>
-        </a:xfrm>
-      </p:grpSpPr>
-      <p:sp>
-        <p:nvSpPr>
-          <p:cNvPr id="2" name="Title 1">
-            <a:extLst>
-              <a:ext uri="{FF2B5EF4-FFF2-40B4-BE49-F238E27FC236}">
-                <a16:creationId xmlns:a16="http://schemas.microsoft.com/office/drawing/2014/main" id="{9F26FA08-BE3C-1737-BFA7-AC5DEB8D3707}"/>
-              </a:ext>
-            </a:extLst>
-          </p:cNvPr>
-          <p:cNvSpPr>
-            <a:spLocks noGrp="1"/>
-          </p:cNvSpPr>
-          <p:nvPr>
-            <p:ph type="title"/>
-          </p:nvPr>
-        </p:nvSpPr>
-        <p:spPr>
-          <a:xfrm>
-            <a:off x="363212" y="1326724"/>
-            <a:ext cx="3985902" cy="994172"/>
-          </a:xfrm>
-        </p:spPr>
-        <p:txBody>
-          <a:bodyPr>
-            <a:normAutofit/>
-          </a:bodyPr>
-          <a:lstStyle/>
-          <a:p>
-            <a:pPr>
-              <a:lnSpc>
-                <a:spcPct val="90000"/>
-              </a:lnSpc>
-            </a:pPr>
-            <a:r>
-              <a:rPr lang="en-US" sz="3100"/>
-              <a:t>Future Improvements</a:t>
-            </a:r>
-          </a:p>
-        </p:txBody>
-      </p:sp>
-      <p:sp>
-        <p:nvSpPr>
-          <p:cNvPr id="24" name="Content Placeholder 2">
-            <a:extLst>
-              <a:ext uri="{FF2B5EF4-FFF2-40B4-BE49-F238E27FC236}">
-                <a16:creationId xmlns:a16="http://schemas.microsoft.com/office/drawing/2014/main" id="{D88B802F-4CFB-E746-A62F-CB6998E190D5}"/>
-              </a:ext>
-            </a:extLst>
-          </p:cNvPr>
-          <p:cNvSpPr>
-            <a:spLocks noGrp="1"/>
-          </p:cNvSpPr>
-          <p:nvPr>
-            <p:ph idx="1"/>
-          </p:nvPr>
-        </p:nvSpPr>
-        <p:spPr>
-          <a:xfrm>
-            <a:off x="363212" y="2433494"/>
-            <a:ext cx="3985907" cy="2881456"/>
-          </a:xfrm>
-        </p:spPr>
-        <p:txBody>
-          <a:bodyPr anchor="t">
-            <a:normAutofit lnSpcReduction="10000"/>
-          </a:bodyPr>
-          <a:lstStyle/>
-          <a:p>
-            <a:pPr>
-              <a:lnSpc>
-                <a:spcPct val="150000"/>
-              </a:lnSpc>
-            </a:pPr>
-            <a:r>
-              <a:rPr lang="en-US" sz="2400"/>
-              <a:t>Try SMOTE or class weights</a:t>
-            </a:r>
-          </a:p>
-          <a:p>
-            <a:pPr>
-              <a:lnSpc>
-                <a:spcPct val="150000"/>
-              </a:lnSpc>
-            </a:pPr>
-            <a:r>
-              <a:rPr lang="en-US" sz="2400"/>
-              <a:t>Explore SHAP for model explainability</a:t>
-            </a:r>
-          </a:p>
-          <a:p>
-            <a:pPr>
-              <a:lnSpc>
-                <a:spcPct val="150000"/>
-              </a:lnSpc>
-            </a:pPr>
-            <a:r>
-              <a:rPr lang="en-US" sz="2400"/>
-              <a:t>Deploy with Flask or Streamlit</a:t>
-            </a:r>
-          </a:p>
-          <a:p>
-            <a:pPr>
-              <a:lnSpc>
-                <a:spcPct val="150000"/>
-              </a:lnSpc>
-            </a:pPr>
-            <a:endParaRPr lang="en-US" sz="2400"/>
-          </a:p>
-        </p:txBody>
-      </p:sp>
-      <p:sp>
-        <p:nvSpPr>
-          <p:cNvPr id="25" name="Freeform: Shape 24">
-            <a:extLst>
-              <a:ext uri="{FF2B5EF4-FFF2-40B4-BE49-F238E27FC236}">
-                <a16:creationId xmlns:a16="http://schemas.microsoft.com/office/drawing/2014/main" id="{CF62D2A7-8207-488C-9F46-316BA81A16C8}"/>
-              </a:ext>
-              <a:ext uri="{C183D7F6-B498-43B3-948B-1728B52AA6E4}">
-                <adec:decorative xmlns:adec="http://schemas.microsoft.com/office/drawing/2017/decorative" val="1"/>
-              </a:ext>
-            </a:extLst>
-          </p:cNvPr>
-          <p:cNvSpPr>
-            <a:spLocks noGrp="1" noRot="1" noChangeAspect="1" noMove="1" noResize="1" noEditPoints="1" noAdjustHandles="1" noChangeArrowheads="1" noChangeShapeType="1" noTextEdit="1"/>
-          </p:cNvSpPr>
-          <p:nvPr>
-            <p:extLst>
-              <p:ext uri="{386F3935-93C4-4BCD-93E2-E3B085C9AB24}">
-                <p16:designElem xmlns:p16="http://schemas.microsoft.com/office/powerpoint/2015/main" val="1"/>
-              </p:ext>
-            </p:extLst>
-          </p:nvPr>
-        </p:nvSpPr>
-        <p:spPr>
-          <a:xfrm flipH="1">
-            <a:off x="4419600" y="0"/>
-            <a:ext cx="4724400" cy="4919011"/>
-          </a:xfrm>
-          <a:custGeom>
-            <a:avLst/>
-            <a:gdLst>
-              <a:gd name="connsiteX0" fmla="*/ 0 w 5609220"/>
-              <a:gd name="connsiteY0" fmla="*/ 0 h 5840278"/>
-              <a:gd name="connsiteX1" fmla="*/ 4637091 w 5609220"/>
-              <a:gd name="connsiteY1" fmla="*/ 0 h 5840278"/>
-              <a:gd name="connsiteX2" fmla="*/ 4822569 w 5609220"/>
-              <a:gd name="connsiteY2" fmla="*/ 204077 h 5840278"/>
-              <a:gd name="connsiteX3" fmla="*/ 5609220 w 5609220"/>
-              <a:gd name="connsiteY3" fmla="*/ 2395363 h 5840278"/>
-              <a:gd name="connsiteX4" fmla="*/ 2164305 w 5609220"/>
-              <a:gd name="connsiteY4" fmla="*/ 5840278 h 5840278"/>
-              <a:gd name="connsiteX5" fmla="*/ 238220 w 5609220"/>
-              <a:gd name="connsiteY5" fmla="*/ 5251941 h 5840278"/>
-              <a:gd name="connsiteX6" fmla="*/ 0 w 5609220"/>
-              <a:gd name="connsiteY6" fmla="*/ 5073803 h 5840278"/>
-            </a:gdLst>
-            <a:ahLst/>
-            <a:cxnLst>
-              <a:cxn ang="0">
-                <a:pos x="connsiteX0" y="connsiteY0"/>
-              </a:cxn>
-              <a:cxn ang="0">
-                <a:pos x="connsiteX1" y="connsiteY1"/>
-              </a:cxn>
-              <a:cxn ang="0">
-                <a:pos x="connsiteX2" y="connsiteY2"/>
-              </a:cxn>
-              <a:cxn ang="0">
-                <a:pos x="connsiteX3" y="connsiteY3"/>
-              </a:cxn>
-              <a:cxn ang="0">
-                <a:pos x="connsiteX4" y="connsiteY4"/>
-              </a:cxn>
-              <a:cxn ang="0">
-                <a:pos x="connsiteX5" y="connsiteY5"/>
-              </a:cxn>
-              <a:cxn ang="0">
-                <a:pos x="connsiteX6" y="connsiteY6"/>
-              </a:cxn>
-            </a:cxnLst>
-            <a:rect l="l" t="t" r="r" b="b"/>
-            <a:pathLst>
-              <a:path w="5609220" h="5840278">
-                <a:moveTo>
-                  <a:pt x="0" y="0"/>
-                </a:moveTo>
-                <a:lnTo>
-                  <a:pt x="4637091" y="0"/>
-                </a:lnTo>
-                <a:lnTo>
-                  <a:pt x="4822569" y="204077"/>
-                </a:lnTo>
-                <a:cubicBezTo>
-                  <a:pt x="5314007" y="799562"/>
-                  <a:pt x="5609220" y="1562987"/>
-                  <a:pt x="5609220" y="2395363"/>
-                </a:cubicBezTo>
-                <a:cubicBezTo>
-                  <a:pt x="5609220" y="4297937"/>
-                  <a:pt x="4066879" y="5840278"/>
-                  <a:pt x="2164305" y="5840278"/>
-                </a:cubicBezTo>
-                <a:cubicBezTo>
-                  <a:pt x="1450840" y="5840278"/>
-                  <a:pt x="788032" y="5623387"/>
-                  <a:pt x="238220" y="5251941"/>
-                </a:cubicBezTo>
-                <a:lnTo>
-                  <a:pt x="0" y="5073803"/>
-                </a:lnTo>
-                <a:close/>
-              </a:path>
-            </a:pathLst>
-          </a:custGeom>
-          <a:solidFill>
-            <a:srgbClr val="FFFFFF">
-              <a:alpha val="80000"/>
-            </a:srgbClr>
-          </a:solidFill>
-          <a:ln>
-            <a:noFill/>
-          </a:ln>
-        </p:spPr>
-        <p:style>
-          <a:lnRef idx="2">
-            <a:schemeClr val="accent1">
-              <a:shade val="50000"/>
-            </a:schemeClr>
-          </a:lnRef>
-          <a:fillRef idx="1">
-            <a:schemeClr val="accent1"/>
-          </a:fillRef>
-          <a:effectRef idx="0">
-            <a:schemeClr val="accent1"/>
-          </a:effectRef>
-          <a:fontRef idx="minor">
-            <a:schemeClr val="lt1"/>
-          </a:fontRef>
-        </p:style>
-        <p:txBody>
-          <a:bodyPr rtlCol="0" anchor="ctr"/>
-          <a:lstStyle/>
-          <a:p>
-            <a:pPr algn="ctr" defTabSz="685800">
-              <a:defRPr/>
-            </a:pPr>
-            <a:endParaRPr lang="en-US" sz="1350">
-              <a:solidFill>
-                <a:prstClr val="white"/>
-              </a:solidFill>
-              <a:latin typeface="Calibri" panose="020F0502020204030204"/>
-            </a:endParaRPr>
-          </a:p>
-        </p:txBody>
-      </p:sp>
-      <p:sp>
-        <p:nvSpPr>
-          <p:cNvPr id="26" name="Freeform: Shape 25">
-            <a:extLst>
-              <a:ext uri="{FF2B5EF4-FFF2-40B4-BE49-F238E27FC236}">
-                <a16:creationId xmlns:a16="http://schemas.microsoft.com/office/drawing/2014/main" id="{52AC6D7F-F068-4E11-BB06-F601D89BB980}"/>
+                <a16:creationId xmlns:a16="http://schemas.microsoft.com/office/drawing/2014/main" id="{CB44330D-EA18-4254-AA95-EB49948539B8}"/>
               </a:ext>
               <a:ext uri="{C183D7F6-B498-43B3-948B-1728B52AA6E4}">
                 <adec:decorative xmlns:adec="http://schemas.microsoft.com/office/drawing/2017/decorative" val="1"/>
@@ -33789,232 +32000,15 @@
         </p:nvSpPr>
         <p:spPr>
           <a:xfrm>
-            <a:off x="4560561" y="1505"/>
-            <a:ext cx="4583439" cy="4762908"/>
-          </a:xfrm>
-          <a:custGeom>
-            <a:avLst/>
-            <a:gdLst>
-              <a:gd name="connsiteX0" fmla="*/ 1041368 w 5441859"/>
-              <a:gd name="connsiteY0" fmla="*/ 0 h 5654940"/>
-              <a:gd name="connsiteX1" fmla="*/ 5441859 w 5441859"/>
-              <a:gd name="connsiteY1" fmla="*/ 0 h 5654940"/>
-              <a:gd name="connsiteX2" fmla="*/ 5441859 w 5441859"/>
-              <a:gd name="connsiteY2" fmla="*/ 4820612 h 5654940"/>
-              <a:gd name="connsiteX3" fmla="*/ 5285166 w 5441859"/>
-              <a:gd name="connsiteY3" fmla="*/ 4957981 h 5654940"/>
-              <a:gd name="connsiteX4" fmla="*/ 3267719 w 5441859"/>
-              <a:gd name="connsiteY4" fmla="*/ 5654940 h 5654940"/>
-              <a:gd name="connsiteX5" fmla="*/ 0 w 5441859"/>
-              <a:gd name="connsiteY5" fmla="*/ 2387221 h 5654940"/>
-              <a:gd name="connsiteX6" fmla="*/ 957093 w 5441859"/>
-              <a:gd name="connsiteY6" fmla="*/ 76595 h 5654940"/>
-            </a:gdLst>
-            <a:ahLst/>
-            <a:cxnLst>
-              <a:cxn ang="0">
-                <a:pos x="connsiteX0" y="connsiteY0"/>
-              </a:cxn>
-              <a:cxn ang="0">
-                <a:pos x="connsiteX1" y="connsiteY1"/>
-              </a:cxn>
-              <a:cxn ang="0">
-                <a:pos x="connsiteX2" y="connsiteY2"/>
-              </a:cxn>
-              <a:cxn ang="0">
-                <a:pos x="connsiteX3" y="connsiteY3"/>
-              </a:cxn>
-              <a:cxn ang="0">
-                <a:pos x="connsiteX4" y="connsiteY4"/>
-              </a:cxn>
-              <a:cxn ang="0">
-                <a:pos x="connsiteX5" y="connsiteY5"/>
-              </a:cxn>
-              <a:cxn ang="0">
-                <a:pos x="connsiteX6" y="connsiteY6"/>
-              </a:cxn>
-            </a:cxnLst>
-            <a:rect l="l" t="t" r="r" b="b"/>
-            <a:pathLst>
-              <a:path w="5441859" h="5654940">
-                <a:moveTo>
-                  <a:pt x="1041368" y="0"/>
-                </a:moveTo>
-                <a:lnTo>
-                  <a:pt x="5441859" y="0"/>
-                </a:lnTo>
-                <a:lnTo>
-                  <a:pt x="5441859" y="4820612"/>
-                </a:lnTo>
-                <a:lnTo>
-                  <a:pt x="5285166" y="4957981"/>
-                </a:lnTo>
-                <a:cubicBezTo>
-                  <a:pt x="4729628" y="5394557"/>
-                  <a:pt x="4029081" y="5654940"/>
-                  <a:pt x="3267719" y="5654940"/>
-                </a:cubicBezTo>
-                <a:cubicBezTo>
-                  <a:pt x="1463008" y="5654940"/>
-                  <a:pt x="0" y="4191932"/>
-                  <a:pt x="0" y="2387221"/>
-                </a:cubicBezTo>
-                <a:cubicBezTo>
-                  <a:pt x="0" y="1484866"/>
-                  <a:pt x="365752" y="667936"/>
-                  <a:pt x="957093" y="76595"/>
-                </a:cubicBezTo>
-                <a:close/>
-              </a:path>
-            </a:pathLst>
-          </a:custGeom>
-          <a:solidFill>
-            <a:schemeClr val="tx1"/>
-          </a:solidFill>
-          <a:ln>
-            <a:noFill/>
-          </a:ln>
-        </p:spPr>
-        <p:style>
-          <a:lnRef idx="2">
-            <a:schemeClr val="accent1">
-              <a:shade val="50000"/>
-            </a:schemeClr>
-          </a:lnRef>
-          <a:fillRef idx="1">
-            <a:schemeClr val="accent1"/>
-          </a:fillRef>
-          <a:effectRef idx="0">
-            <a:schemeClr val="accent1"/>
-          </a:effectRef>
-          <a:fontRef idx="minor">
-            <a:schemeClr val="lt1"/>
-          </a:fontRef>
-        </p:style>
-        <p:txBody>
-          <a:bodyPr rtlCol="0" anchor="ctr"/>
-          <a:lstStyle/>
-          <a:p>
-            <a:pPr algn="ctr" defTabSz="685800">
-              <a:defRPr/>
-            </a:pPr>
-            <a:endParaRPr lang="en-US" sz="1350">
-              <a:solidFill>
-                <a:prstClr val="white"/>
-              </a:solidFill>
-              <a:latin typeface="Calibri" panose="020F0502020204030204"/>
-            </a:endParaRPr>
-          </a:p>
-        </p:txBody>
-      </p:sp>
-      <p:pic>
-        <p:nvPicPr>
-          <p:cNvPr id="27" name="Graphic 26" descr="Flask">
-            <a:extLst>
-              <a:ext uri="{FF2B5EF4-FFF2-40B4-BE49-F238E27FC236}">
-                <a16:creationId xmlns:a16="http://schemas.microsoft.com/office/drawing/2014/main" id="{59888ACE-8B15-AFB1-3E89-371DB3C52035}"/>
-              </a:ext>
-            </a:extLst>
-          </p:cNvPr>
-          <p:cNvPicPr>
-            <a:picLocks noChangeAspect="1"/>
-          </p:cNvPicPr>
-          <p:nvPr/>
-        </p:nvPicPr>
-        <p:blipFill>
-          <a:blip r:embed="rId2">
-            <a:extLst>
-              <a:ext uri="{28A0092B-C50C-407E-A947-70E740481C1C}">
-                <a14:useLocalDpi xmlns:a14="http://schemas.microsoft.com/office/drawing/2010/main" val="0"/>
-              </a:ext>
-              <a:ext uri="{96DAC541-7B7A-43D3-8B79-37D633B846F1}">
-                <asvg:svgBlip xmlns:asvg="http://schemas.microsoft.com/office/drawing/2016/SVG/main" r:embed="rId3"/>
-              </a:ext>
-            </a:extLst>
-          </a:blip>
-          <a:stretch>
-            <a:fillRect/>
-          </a:stretch>
-        </p:blipFill>
-        <p:spPr>
-          <a:xfrm>
-            <a:off x="5562767" y="485518"/>
-            <a:ext cx="3197870" cy="3197870"/>
+            <a:off x="357759" y="480060"/>
+            <a:ext cx="8428482" cy="5897880"/>
           </a:xfrm>
           <a:prstGeom prst="rect">
             <a:avLst/>
           </a:prstGeom>
-        </p:spPr>
-      </p:pic>
-    </p:spTree>
-    <p:extLst>
-      <p:ext uri="{BB962C8B-B14F-4D97-AF65-F5344CB8AC3E}">
-        <p14:creationId xmlns:p14="http://schemas.microsoft.com/office/powerpoint/2010/main" val="1250814776"/>
-      </p:ext>
-    </p:extLst>
-  </p:cSld>
-  <p:clrMapOvr>
-    <a:overrideClrMapping bg1="dk1" tx1="lt1" bg2="dk2" tx2="lt2" accent1="accent1" accent2="accent2" accent3="accent3" accent4="accent4" accent5="accent5" accent6="accent6" hlink="hlink" folHlink="folHlink"/>
-  </p:clrMapOvr>
-</p:sld>
-</file>
-
-<file path=ppt/slides/slide16.xml><?xml version="1.0" encoding="utf-8"?>
-<p:sld xmlns:a="http://schemas.openxmlformats.org/drawingml/2006/main" xmlns:r="http://schemas.openxmlformats.org/officeDocument/2006/relationships" xmlns:p="http://schemas.openxmlformats.org/presentationml/2006/main">
-  <p:cSld>
-    <p:bg>
-      <p:bgPr>
-        <a:solidFill>
-          <a:schemeClr val="bg1"/>
-        </a:solidFill>
-        <a:effectLst/>
-      </p:bgPr>
-    </p:bg>
-    <p:spTree>
-      <p:nvGrpSpPr>
-        <p:cNvPr id="1" name=""/>
-        <p:cNvGrpSpPr/>
-        <p:nvPr/>
-      </p:nvGrpSpPr>
-      <p:grpSpPr>
-        <a:xfrm>
-          <a:off x="0" y="0"/>
-          <a:ext cx="0" cy="0"/>
-          <a:chOff x="0" y="0"/>
-          <a:chExt cx="0" cy="0"/>
-        </a:xfrm>
-      </p:grpSpPr>
-      <p:sp useBgFill="1">
-        <p:nvSpPr>
-          <p:cNvPr id="29" name="Rectangle 28">
-            <a:extLst>
-              <a:ext uri="{FF2B5EF4-FFF2-40B4-BE49-F238E27FC236}">
-                <a16:creationId xmlns:a16="http://schemas.microsoft.com/office/drawing/2014/main" id="{E51BA4DF-2BD4-4EC2-B1DB-B27C8AC71864}"/>
-              </a:ext>
-              <a:ext uri="{C183D7F6-B498-43B3-948B-1728B52AA6E4}">
-                <adec:decorative xmlns:adec="http://schemas.microsoft.com/office/drawing/2017/decorative" val="1"/>
-              </a:ext>
-            </a:extLst>
-          </p:cNvPr>
-          <p:cNvSpPr>
-            <a:spLocks noGrp="1" noRot="1" noChangeAspect="1" noMove="1" noResize="1" noEditPoints="1" noAdjustHandles="1" noChangeArrowheads="1" noChangeShapeType="1" noTextEdit="1"/>
-          </p:cNvSpPr>
-          <p:nvPr>
-            <p:extLst>
-              <p:ext uri="{386F3935-93C4-4BCD-93E2-E3B085C9AB24}">
-                <p16:designElem xmlns:p16="http://schemas.microsoft.com/office/powerpoint/2015/main" val="1"/>
-              </p:ext>
-            </p:extLst>
-          </p:nvPr>
-        </p:nvSpPr>
-        <p:spPr>
-          <a:xfrm>
-            <a:off x="0" y="0"/>
-            <a:ext cx="9141713" cy="6858000"/>
-          </a:xfrm>
-          <a:prstGeom prst="rect">
-            <a:avLst/>
-          </a:prstGeom>
+          <a:solidFill>
+            <a:srgbClr val="FFFFFF"/>
+          </a:solidFill>
           <a:ln>
             <a:noFill/>
           </a:ln>
@@ -34044,99 +32038,45 @@
           </a:p>
         </p:txBody>
       </p:sp>
-      <p:sp>
-        <p:nvSpPr>
-          <p:cNvPr id="2" name="Title 1"/>
-          <p:cNvSpPr>
-            <a:spLocks noGrp="1"/>
-          </p:cNvSpPr>
-          <p:nvPr>
-            <p:ph type="title"/>
-          </p:nvPr>
-        </p:nvSpPr>
-        <p:spPr>
-          <a:xfrm>
-            <a:off x="3415299" y="548464"/>
-            <a:ext cx="5098906" cy="1675623"/>
-          </a:xfrm>
-        </p:spPr>
-        <p:txBody>
-          <a:bodyPr anchor="b">
-            <a:normAutofit/>
-          </a:bodyPr>
-          <a:lstStyle/>
-          <a:p>
-            <a:r>
-              <a:rPr lang="en-US" sz="3500"/>
-              <a:t>Recommendations</a:t>
-            </a:r>
-          </a:p>
-        </p:txBody>
-      </p:sp>
       <p:pic>
         <p:nvPicPr>
-          <p:cNvPr id="25" name="Picture 24" descr="A blurry image of a blue and green light&#10;&#10;AI-generated content may be incorrect.">
+          <p:cNvPr id="5" name="Content Placeholder 4">
             <a:extLst>
               <a:ext uri="{FF2B5EF4-FFF2-40B4-BE49-F238E27FC236}">
-                <a16:creationId xmlns:a16="http://schemas.microsoft.com/office/drawing/2014/main" id="{3F54BF5E-817C-0A3C-EB9E-7E33C2D39B86}"/>
+                <a16:creationId xmlns:a16="http://schemas.microsoft.com/office/drawing/2014/main" id="{8812A670-FF26-41A3-301C-21AAEBD8B882}"/>
               </a:ext>
             </a:extLst>
           </p:cNvPr>
           <p:cNvPicPr>
-            <a:picLocks noChangeAspect="1"/>
+            <a:picLocks noGrp="1" noChangeAspect="1"/>
           </p:cNvPicPr>
-          <p:nvPr/>
+          <p:nvPr>
+            <p:ph idx="1"/>
+          </p:nvPr>
         </p:nvPicPr>
         <p:blipFill>
           <a:blip r:embed="rId2"/>
-          <a:srcRect l="20456" r="49025"/>
+          <a:srcRect r="23320" b="1"/>
           <a:stretch>
             <a:fillRect/>
           </a:stretch>
         </p:blipFill>
         <p:spPr>
           <a:xfrm>
-            <a:off x="20" y="10"/>
-            <a:ext cx="3147352" cy="6857990"/>
+            <a:off x="857274" y="643467"/>
+            <a:ext cx="7429451" cy="5571066"/>
           </a:xfrm>
           <a:prstGeom prst="rect">
             <a:avLst/>
           </a:prstGeom>
-          <a:effectLst/>
         </p:spPr>
       </p:pic>
-      <p:graphicFrame>
-        <p:nvGraphicFramePr>
-          <p:cNvPr id="23" name="Content Placeholder 2">
-            <a:extLst>
-              <a:ext uri="{FF2B5EF4-FFF2-40B4-BE49-F238E27FC236}">
-                <a16:creationId xmlns:a16="http://schemas.microsoft.com/office/drawing/2014/main" id="{63F84435-B5CB-B5F2-1CBB-D08BE79A6BB1}"/>
-              </a:ext>
-            </a:extLst>
-          </p:cNvPr>
-          <p:cNvGraphicFramePr>
-            <a:graphicFrameLocks noGrp="1"/>
-          </p:cNvGraphicFramePr>
-          <p:nvPr>
-            <p:ph idx="1"/>
-            <p:extLst>
-              <p:ext uri="{D42A27DB-BD31-4B8C-83A1-F6EECF244321}">
-                <p14:modId xmlns:p14="http://schemas.microsoft.com/office/powerpoint/2010/main" val="3223398683"/>
-              </p:ext>
-            </p:extLst>
-          </p:nvPr>
-        </p:nvGraphicFramePr>
-        <p:xfrm>
-          <a:off x="3415300" y="2409830"/>
-          <a:ext cx="5098904" cy="3705217"/>
-        </p:xfrm>
-        <a:graphic>
-          <a:graphicData uri="http://schemas.openxmlformats.org/drawingml/2006/diagram">
-            <dgm:relIds xmlns:dgm="http://schemas.openxmlformats.org/drawingml/2006/diagram" xmlns:r="http://schemas.openxmlformats.org/officeDocument/2006/relationships" r:dm="rId3" r:lo="rId4" r:qs="rId5" r:cs="rId6"/>
-          </a:graphicData>
-        </a:graphic>
-      </p:graphicFrame>
     </p:spTree>
+    <p:extLst>
+      <p:ext uri="{BB962C8B-B14F-4D97-AF65-F5344CB8AC3E}">
+        <p14:creationId xmlns:p14="http://schemas.microsoft.com/office/powerpoint/2010/main" val="2913299709"/>
+      </p:ext>
+    </p:extLst>
   </p:cSld>
   <p:clrMapOvr>
     <a:masterClrMapping/>
@@ -34144,7 +32084,7 @@
 </p:sld>
 </file>
 
-<file path=ppt/slides/slide17.xml><?xml version="1.0" encoding="utf-8"?>
+<file path=ppt/slides/slide14.xml><?xml version="1.0" encoding="utf-8"?>
 <p:sld xmlns:a="http://schemas.openxmlformats.org/drawingml/2006/main" xmlns:r="http://schemas.openxmlformats.org/officeDocument/2006/relationships" xmlns:p="http://schemas.openxmlformats.org/presentationml/2006/main">
   <p:cSld>
     <p:bg>
@@ -34157,7 +32097,13 @@
     </p:bg>
     <p:spTree>
       <p:nvGrpSpPr>
-        <p:cNvPr id="1" name=""/>
+        <p:cNvPr id="1" name="">
+          <a:extLst>
+            <a:ext uri="{FF2B5EF4-FFF2-40B4-BE49-F238E27FC236}">
+              <a16:creationId xmlns:a16="http://schemas.microsoft.com/office/drawing/2014/main" id="{66045B17-EA1C-156C-42A8-FF08D88E9BC9}"/>
+            </a:ext>
+          </a:extLst>
+        </p:cNvPr>
         <p:cNvGrpSpPr/>
         <p:nvPr/>
       </p:nvGrpSpPr>
@@ -34171,7 +32117,7 @@
       </p:grpSpPr>
       <p:sp useBgFill="1">
         <p:nvSpPr>
-          <p:cNvPr id="9" name="Rectangle 8">
+          <p:cNvPr id="13" name="Rectangle 12">
             <a:extLst>
               <a:ext uri="{FF2B5EF4-FFF2-40B4-BE49-F238E27FC236}">
                 <a16:creationId xmlns:a16="http://schemas.microsoft.com/office/drawing/2014/main" id="{04812C46-200A-4DEB-A05E-3ED6C68C2387}"/>
@@ -34231,10 +32177,10 @@
       </p:sp>
       <p:pic>
         <p:nvPicPr>
-          <p:cNvPr id="5" name="Picture 4" descr="Different colored question marks">
+          <p:cNvPr id="6" name="Content Placeholder 5">
             <a:extLst>
               <a:ext uri="{FF2B5EF4-FFF2-40B4-BE49-F238E27FC236}">
-                <a16:creationId xmlns:a16="http://schemas.microsoft.com/office/drawing/2014/main" id="{C0198FF4-5BC8-5355-FEF2-0829EE590C1C}"/>
+                <a16:creationId xmlns:a16="http://schemas.microsoft.com/office/drawing/2014/main" id="{A8260D8D-F484-5A58-EED5-73AA7C5AC06A}"/>
               </a:ext>
             </a:extLst>
           </p:cNvPr>
@@ -34245,7 +32191,7 @@
         </p:nvPicPr>
         <p:blipFill>
           <a:blip r:embed="rId2"/>
-          <a:srcRect l="18565" r="21951"/>
+          <a:srcRect r="43953"/>
           <a:stretch>
             <a:fillRect/>
           </a:stretch>
@@ -34262,7 +32208,7 @@
       </p:pic>
       <p:sp>
         <p:nvSpPr>
-          <p:cNvPr id="11" name="Rectangle 10">
+          <p:cNvPr id="15" name="Rectangle 14">
             <a:extLst>
               <a:ext uri="{FF2B5EF4-FFF2-40B4-BE49-F238E27FC236}">
                 <a16:creationId xmlns:a16="http://schemas.microsoft.com/office/drawing/2014/main" id="{D1EA859B-E555-4109-94F3-6700E046E008}"/>
@@ -34348,10 +32294,10 @@
       </p:sp>
       <p:sp>
         <p:nvSpPr>
-          <p:cNvPr id="3" name="Content Placeholder 2">
+          <p:cNvPr id="10" name="Content Placeholder 9">
             <a:extLst>
               <a:ext uri="{FF2B5EF4-FFF2-40B4-BE49-F238E27FC236}">
-                <a16:creationId xmlns:a16="http://schemas.microsoft.com/office/drawing/2014/main" id="{BCECE0B0-4452-C296-FA14-418BED1F6727}"/>
+                <a16:creationId xmlns:a16="http://schemas.microsoft.com/office/drawing/2014/main" id="{CADEAC40-772D-C9EC-6B1B-535A0638EB0D}"/>
               </a:ext>
             </a:extLst>
           </p:cNvPr>
@@ -34374,30 +32320,1270 @@
           </a:bodyPr>
           <a:lstStyle/>
           <a:p>
-            <a:pPr marL="0" indent="0">
-              <a:buNone/>
-            </a:pPr>
-            <a:r>
-              <a:rPr lang="en-US" sz="4000" b="1" dirty="0"/>
-              <a:t>Q&amp;A</a:t>
-            </a:r>
+            <a:endParaRPr lang="en-US" sz="1700"/>
           </a:p>
+        </p:txBody>
+      </p:sp>
+    </p:spTree>
+    <p:extLst>
+      <p:ext uri="{BB962C8B-B14F-4D97-AF65-F5344CB8AC3E}">
+        <p14:creationId xmlns:p14="http://schemas.microsoft.com/office/powerpoint/2010/main" val="1895699037"/>
+      </p:ext>
+    </p:extLst>
+  </p:cSld>
+  <p:clrMapOvr>
+    <a:masterClrMapping/>
+  </p:clrMapOvr>
+</p:sld>
+</file>
+
+<file path=ppt/slides/slide15.xml><?xml version="1.0" encoding="utf-8"?>
+<p:sld xmlns:a="http://schemas.openxmlformats.org/drawingml/2006/main" xmlns:r="http://schemas.openxmlformats.org/officeDocument/2006/relationships" xmlns:p="http://schemas.openxmlformats.org/presentationml/2006/main">
+  <p:cSld>
+    <p:bg>
+      <p:bgPr>
+        <a:solidFill>
+          <a:schemeClr val="bg1"/>
+        </a:solidFill>
+        <a:effectLst/>
+      </p:bgPr>
+    </p:bg>
+    <p:spTree>
+      <p:nvGrpSpPr>
+        <p:cNvPr id="1" name="">
+          <a:extLst>
+            <a:ext uri="{FF2B5EF4-FFF2-40B4-BE49-F238E27FC236}">
+              <a16:creationId xmlns:a16="http://schemas.microsoft.com/office/drawing/2014/main" id="{460E31FB-0624-8D97-44CE-8D72374AA01D}"/>
+            </a:ext>
+          </a:extLst>
+        </p:cNvPr>
+        <p:cNvGrpSpPr/>
+        <p:nvPr/>
+      </p:nvGrpSpPr>
+      <p:grpSpPr>
+        <a:xfrm>
+          <a:off x="0" y="0"/>
+          <a:ext cx="0" cy="0"/>
+          <a:chOff x="0" y="0"/>
+          <a:chExt cx="0" cy="0"/>
+        </a:xfrm>
+      </p:grpSpPr>
+      <p:sp useBgFill="1">
+        <p:nvSpPr>
+          <p:cNvPr id="15" name="Rectangle 14">
+            <a:extLst>
+              <a:ext uri="{FF2B5EF4-FFF2-40B4-BE49-F238E27FC236}">
+                <a16:creationId xmlns:a16="http://schemas.microsoft.com/office/drawing/2014/main" id="{04812C46-200A-4DEB-A05E-3ED6C68C2387}"/>
+              </a:ext>
+              <a:ext uri="{C183D7F6-B498-43B3-948B-1728B52AA6E4}">
+                <adec:decorative xmlns:adec="http://schemas.microsoft.com/office/drawing/2017/decorative" val="1"/>
+              </a:ext>
+            </a:extLst>
+          </p:cNvPr>
+          <p:cNvSpPr>
+            <a:spLocks noGrp="1" noRot="1" noChangeAspect="1" noMove="1" noResize="1" noEditPoints="1" noAdjustHandles="1" noChangeArrowheads="1" noChangeShapeType="1" noTextEdit="1"/>
+          </p:cNvSpPr>
+          <p:nvPr>
+            <p:extLst>
+              <p:ext uri="{386F3935-93C4-4BCD-93E2-E3B085C9AB24}">
+                <p16:designElem xmlns:p16="http://schemas.microsoft.com/office/powerpoint/2015/main" val="1"/>
+              </p:ext>
+            </p:extLst>
+          </p:nvPr>
+        </p:nvSpPr>
+        <p:spPr>
+          <a:xfrm>
+            <a:off x="0" y="0"/>
+            <a:ext cx="9141713" cy="6858000"/>
+          </a:xfrm>
+          <a:prstGeom prst="rect">
+            <a:avLst/>
+          </a:prstGeom>
+          <a:ln>
+            <a:noFill/>
+          </a:ln>
+        </p:spPr>
+        <p:style>
+          <a:lnRef idx="2">
+            <a:schemeClr val="accent1">
+              <a:shade val="50000"/>
+            </a:schemeClr>
+          </a:lnRef>
+          <a:fillRef idx="1">
+            <a:schemeClr val="accent1"/>
+          </a:fillRef>
+          <a:effectRef idx="0">
+            <a:schemeClr val="accent1"/>
+          </a:effectRef>
+          <a:fontRef idx="minor">
+            <a:schemeClr val="lt1"/>
+          </a:fontRef>
+        </p:style>
+        <p:txBody>
+          <a:bodyPr rtlCol="0" anchor="ctr"/>
+          <a:lstStyle/>
           <a:p>
-            <a:pPr marL="0" indent="0">
-              <a:buNone/>
-            </a:pPr>
-            <a:endParaRPr lang="en-US" sz="4000" b="1" dirty="0"/>
+            <a:pPr algn="ctr"/>
+            <a:endParaRPr lang="en-US"/>
           </a:p>
+        </p:txBody>
+      </p:sp>
+      <p:pic>
+        <p:nvPicPr>
+          <p:cNvPr id="3" name="Picture 2">
+            <a:extLst>
+              <a:ext uri="{FF2B5EF4-FFF2-40B4-BE49-F238E27FC236}">
+                <a16:creationId xmlns:a16="http://schemas.microsoft.com/office/drawing/2014/main" id="{65CD83F8-0F5E-869D-12CE-1EF8129A3DBB}"/>
+              </a:ext>
+            </a:extLst>
+          </p:cNvPr>
+          <p:cNvPicPr>
+            <a:picLocks noChangeAspect="1"/>
+          </p:cNvPicPr>
+          <p:nvPr/>
+        </p:nvPicPr>
+        <p:blipFill>
+          <a:blip r:embed="rId2"/>
+          <a:srcRect r="35230" b="1"/>
+          <a:stretch>
+            <a:fillRect/>
+          </a:stretch>
+        </p:blipFill>
+        <p:spPr>
+          <a:xfrm>
+            <a:off x="20" y="10"/>
+            <a:ext cx="7252212" cy="6857990"/>
+          </a:xfrm>
+          <a:prstGeom prst="rect">
+            <a:avLst/>
+          </a:prstGeom>
+        </p:spPr>
+      </p:pic>
+      <p:sp>
+        <p:nvSpPr>
+          <p:cNvPr id="17" name="Rectangle 16">
+            <a:extLst>
+              <a:ext uri="{FF2B5EF4-FFF2-40B4-BE49-F238E27FC236}">
+                <a16:creationId xmlns:a16="http://schemas.microsoft.com/office/drawing/2014/main" id="{D1EA859B-E555-4109-94F3-6700E046E008}"/>
+              </a:ext>
+              <a:ext uri="{C183D7F6-B498-43B3-948B-1728B52AA6E4}">
+                <adec:decorative xmlns:adec="http://schemas.microsoft.com/office/drawing/2017/decorative" val="1"/>
+              </a:ext>
+            </a:extLst>
+          </p:cNvPr>
+          <p:cNvSpPr>
+            <a:spLocks noGrp="1" noRot="1" noChangeAspect="1" noMove="1" noResize="1" noEditPoints="1" noAdjustHandles="1" noChangeArrowheads="1" noChangeShapeType="1" noTextEdit="1"/>
+          </p:cNvSpPr>
+          <p:nvPr>
+            <p:extLst>
+              <p:ext uri="{386F3935-93C4-4BCD-93E2-E3B085C9AB24}">
+                <p16:designElem xmlns:p16="http://schemas.microsoft.com/office/powerpoint/2015/main" val="1"/>
+              </p:ext>
+            </p:extLst>
+          </p:nvPr>
+        </p:nvSpPr>
+        <p:spPr>
+          <a:xfrm flipH="1">
+            <a:off x="3843764" y="0"/>
+            <a:ext cx="5300233" cy="6858000"/>
+          </a:xfrm>
+          <a:prstGeom prst="rect">
+            <a:avLst/>
+          </a:prstGeom>
+          <a:gradFill>
+            <a:gsLst>
+              <a:gs pos="48000">
+                <a:schemeClr val="bg1"/>
+              </a:gs>
+              <a:gs pos="35000">
+                <a:schemeClr val="bg1">
+                  <a:alpha val="77000"/>
+                </a:schemeClr>
+              </a:gs>
+              <a:gs pos="19000">
+                <a:schemeClr val="bg1">
+                  <a:alpha val="38000"/>
+                </a:schemeClr>
+              </a:gs>
+              <a:gs pos="0">
+                <a:schemeClr val="bg1">
+                  <a:alpha val="0"/>
+                </a:schemeClr>
+              </a:gs>
+              <a:gs pos="100000">
+                <a:schemeClr val="bg1"/>
+              </a:gs>
+            </a:gsLst>
+            <a:lin ang="10800000" scaled="0"/>
+          </a:gradFill>
+          <a:ln>
+            <a:noFill/>
+          </a:ln>
+        </p:spPr>
+        <p:style>
+          <a:lnRef idx="2">
+            <a:schemeClr val="accent1">
+              <a:shade val="50000"/>
+            </a:schemeClr>
+          </a:lnRef>
+          <a:fillRef idx="1">
+            <a:schemeClr val="accent1"/>
+          </a:fillRef>
+          <a:effectRef idx="0">
+            <a:schemeClr val="accent1"/>
+          </a:effectRef>
+          <a:fontRef idx="minor">
+            <a:schemeClr val="lt1"/>
+          </a:fontRef>
+        </p:style>
+        <p:txBody>
+          <a:bodyPr rtlCol="0" anchor="ctr"/>
+          <a:lstStyle/>
           <a:p>
-            <a:pPr marL="0" indent="0">
-              <a:buNone/>
-            </a:pPr>
-            <a:r>
-              <a:rPr lang="en-US" sz="4000" b="1" dirty="0"/>
-              <a:t>    Thank you! Any questions?</a:t>
-            </a:r>
-            <a:endParaRPr lang="en-US" sz="4000" dirty="0"/>
+            <a:pPr algn="ctr"/>
+            <a:endParaRPr lang="en-US" dirty="0"/>
           </a:p>
+        </p:txBody>
+      </p:sp>
+      <p:sp>
+        <p:nvSpPr>
+          <p:cNvPr id="10" name="Content Placeholder 9">
+            <a:extLst>
+              <a:ext uri="{FF2B5EF4-FFF2-40B4-BE49-F238E27FC236}">
+                <a16:creationId xmlns:a16="http://schemas.microsoft.com/office/drawing/2014/main" id="{68769F31-0EC4-2293-A0D8-177A91F2B305}"/>
+              </a:ext>
+            </a:extLst>
+          </p:cNvPr>
+          <p:cNvSpPr>
+            <a:spLocks noGrp="1"/>
+          </p:cNvSpPr>
+          <p:nvPr>
+            <p:ph idx="1"/>
+          </p:nvPr>
+        </p:nvSpPr>
+        <p:spPr>
+          <a:xfrm>
+            <a:off x="5648707" y="2434201"/>
+            <a:ext cx="2866642" cy="3742762"/>
+          </a:xfrm>
+        </p:spPr>
+        <p:txBody>
+          <a:bodyPr>
+            <a:normAutofit/>
+          </a:bodyPr>
+          <a:lstStyle/>
+          <a:p>
+            <a:endParaRPr lang="en-US" sz="1700"/>
+          </a:p>
+        </p:txBody>
+      </p:sp>
+    </p:spTree>
+    <p:extLst>
+      <p:ext uri="{BB962C8B-B14F-4D97-AF65-F5344CB8AC3E}">
+        <p14:creationId xmlns:p14="http://schemas.microsoft.com/office/powerpoint/2010/main" val="1608642954"/>
+      </p:ext>
+    </p:extLst>
+  </p:cSld>
+  <p:clrMapOvr>
+    <a:masterClrMapping/>
+  </p:clrMapOvr>
+</p:sld>
+</file>
+
+<file path=ppt/slides/slide16.xml><?xml version="1.0" encoding="utf-8"?>
+<p:sld xmlns:a="http://schemas.openxmlformats.org/drawingml/2006/main" xmlns:r="http://schemas.openxmlformats.org/officeDocument/2006/relationships" xmlns:p="http://schemas.openxmlformats.org/presentationml/2006/main">
+  <p:cSld>
+    <p:bg>
+      <p:bgPr>
+        <a:solidFill>
+          <a:schemeClr val="bg1"/>
+        </a:solidFill>
+        <a:effectLst/>
+      </p:bgPr>
+    </p:bg>
+    <p:spTree>
+      <p:nvGrpSpPr>
+        <p:cNvPr id="1" name="">
+          <a:extLst>
+            <a:ext uri="{FF2B5EF4-FFF2-40B4-BE49-F238E27FC236}">
+              <a16:creationId xmlns:a16="http://schemas.microsoft.com/office/drawing/2014/main" id="{AECC9563-755B-0EA6-6B65-F7E944536E71}"/>
+            </a:ext>
+          </a:extLst>
+        </p:cNvPr>
+        <p:cNvGrpSpPr/>
+        <p:nvPr/>
+      </p:nvGrpSpPr>
+      <p:grpSpPr>
+        <a:xfrm>
+          <a:off x="0" y="0"/>
+          <a:ext cx="0" cy="0"/>
+          <a:chOff x="0" y="0"/>
+          <a:chExt cx="0" cy="0"/>
+        </a:xfrm>
+      </p:grpSpPr>
+      <p:sp useBgFill="1">
+        <p:nvSpPr>
+          <p:cNvPr id="22" name="Rectangle 21">
+            <a:extLst>
+              <a:ext uri="{FF2B5EF4-FFF2-40B4-BE49-F238E27FC236}">
+                <a16:creationId xmlns:a16="http://schemas.microsoft.com/office/drawing/2014/main" id="{04812C46-200A-4DEB-A05E-3ED6C68C2387}"/>
+              </a:ext>
+              <a:ext uri="{C183D7F6-B498-43B3-948B-1728B52AA6E4}">
+                <adec:decorative xmlns:adec="http://schemas.microsoft.com/office/drawing/2017/decorative" val="1"/>
+              </a:ext>
+            </a:extLst>
+          </p:cNvPr>
+          <p:cNvSpPr>
+            <a:spLocks noGrp="1" noRot="1" noChangeAspect="1" noMove="1" noResize="1" noEditPoints="1" noAdjustHandles="1" noChangeArrowheads="1" noChangeShapeType="1" noTextEdit="1"/>
+          </p:cNvSpPr>
+          <p:nvPr>
+            <p:extLst>
+              <p:ext uri="{386F3935-93C4-4BCD-93E2-E3B085C9AB24}">
+                <p16:designElem xmlns:p16="http://schemas.microsoft.com/office/powerpoint/2015/main" val="1"/>
+              </p:ext>
+            </p:extLst>
+          </p:nvPr>
+        </p:nvSpPr>
+        <p:spPr>
+          <a:xfrm>
+            <a:off x="0" y="0"/>
+            <a:ext cx="9141713" cy="6858000"/>
+          </a:xfrm>
+          <a:prstGeom prst="rect">
+            <a:avLst/>
+          </a:prstGeom>
+          <a:ln>
+            <a:noFill/>
+          </a:ln>
+        </p:spPr>
+        <p:style>
+          <a:lnRef idx="2">
+            <a:schemeClr val="accent1">
+              <a:shade val="50000"/>
+            </a:schemeClr>
+          </a:lnRef>
+          <a:fillRef idx="1">
+            <a:schemeClr val="accent1"/>
+          </a:fillRef>
+          <a:effectRef idx="0">
+            <a:schemeClr val="accent1"/>
+          </a:effectRef>
+          <a:fontRef idx="minor">
+            <a:schemeClr val="lt1"/>
+          </a:fontRef>
+        </p:style>
+        <p:txBody>
+          <a:bodyPr rtlCol="0" anchor="ctr"/>
+          <a:lstStyle/>
+          <a:p>
+            <a:pPr algn="ctr"/>
+            <a:endParaRPr lang="en-US"/>
+          </a:p>
+        </p:txBody>
+      </p:sp>
+      <p:pic>
+        <p:nvPicPr>
+          <p:cNvPr id="4" name="Picture 3">
+            <a:extLst>
+              <a:ext uri="{FF2B5EF4-FFF2-40B4-BE49-F238E27FC236}">
+                <a16:creationId xmlns:a16="http://schemas.microsoft.com/office/drawing/2014/main" id="{1995CC0D-92B2-BD5A-D757-0844E2C1AD02}"/>
+              </a:ext>
+            </a:extLst>
+          </p:cNvPr>
+          <p:cNvPicPr>
+            <a:picLocks noChangeAspect="1"/>
+          </p:cNvPicPr>
+          <p:nvPr/>
+        </p:nvPicPr>
+        <p:blipFill>
+          <a:blip r:embed="rId2"/>
+          <a:srcRect r="31000" b="1"/>
+          <a:stretch>
+            <a:fillRect/>
+          </a:stretch>
+        </p:blipFill>
+        <p:spPr>
+          <a:xfrm>
+            <a:off x="20" y="10"/>
+            <a:ext cx="7252212" cy="6857990"/>
+          </a:xfrm>
+          <a:prstGeom prst="rect">
+            <a:avLst/>
+          </a:prstGeom>
+        </p:spPr>
+      </p:pic>
+      <p:sp>
+        <p:nvSpPr>
+          <p:cNvPr id="24" name="Rectangle 23">
+            <a:extLst>
+              <a:ext uri="{FF2B5EF4-FFF2-40B4-BE49-F238E27FC236}">
+                <a16:creationId xmlns:a16="http://schemas.microsoft.com/office/drawing/2014/main" id="{D1EA859B-E555-4109-94F3-6700E046E008}"/>
+              </a:ext>
+              <a:ext uri="{C183D7F6-B498-43B3-948B-1728B52AA6E4}">
+                <adec:decorative xmlns:adec="http://schemas.microsoft.com/office/drawing/2017/decorative" val="1"/>
+              </a:ext>
+            </a:extLst>
+          </p:cNvPr>
+          <p:cNvSpPr>
+            <a:spLocks noGrp="1" noRot="1" noChangeAspect="1" noMove="1" noResize="1" noEditPoints="1" noAdjustHandles="1" noChangeArrowheads="1" noChangeShapeType="1" noTextEdit="1"/>
+          </p:cNvSpPr>
+          <p:nvPr>
+            <p:extLst>
+              <p:ext uri="{386F3935-93C4-4BCD-93E2-E3B085C9AB24}">
+                <p16:designElem xmlns:p16="http://schemas.microsoft.com/office/powerpoint/2015/main" val="1"/>
+              </p:ext>
+            </p:extLst>
+          </p:nvPr>
+        </p:nvSpPr>
+        <p:spPr>
+          <a:xfrm flipH="1">
+            <a:off x="3843764" y="0"/>
+            <a:ext cx="5300233" cy="6858000"/>
+          </a:xfrm>
+          <a:prstGeom prst="rect">
+            <a:avLst/>
+          </a:prstGeom>
+          <a:gradFill>
+            <a:gsLst>
+              <a:gs pos="48000">
+                <a:schemeClr val="bg1"/>
+              </a:gs>
+              <a:gs pos="35000">
+                <a:schemeClr val="bg1">
+                  <a:alpha val="77000"/>
+                </a:schemeClr>
+              </a:gs>
+              <a:gs pos="19000">
+                <a:schemeClr val="bg1">
+                  <a:alpha val="38000"/>
+                </a:schemeClr>
+              </a:gs>
+              <a:gs pos="0">
+                <a:schemeClr val="bg1">
+                  <a:alpha val="0"/>
+                </a:schemeClr>
+              </a:gs>
+              <a:gs pos="100000">
+                <a:schemeClr val="bg1"/>
+              </a:gs>
+            </a:gsLst>
+            <a:lin ang="10800000" scaled="0"/>
+          </a:gradFill>
+          <a:ln>
+            <a:noFill/>
+          </a:ln>
+        </p:spPr>
+        <p:style>
+          <a:lnRef idx="2">
+            <a:schemeClr val="accent1">
+              <a:shade val="50000"/>
+            </a:schemeClr>
+          </a:lnRef>
+          <a:fillRef idx="1">
+            <a:schemeClr val="accent1"/>
+          </a:fillRef>
+          <a:effectRef idx="0">
+            <a:schemeClr val="accent1"/>
+          </a:effectRef>
+          <a:fontRef idx="minor">
+            <a:schemeClr val="lt1"/>
+          </a:fontRef>
+        </p:style>
+        <p:txBody>
+          <a:bodyPr rtlCol="0" anchor="ctr"/>
+          <a:lstStyle/>
+          <a:p>
+            <a:pPr algn="ctr"/>
+            <a:endParaRPr lang="en-US" dirty="0"/>
+          </a:p>
+        </p:txBody>
+      </p:sp>
+      <p:sp>
+        <p:nvSpPr>
+          <p:cNvPr id="10" name="Content Placeholder 9">
+            <a:extLst>
+              <a:ext uri="{FF2B5EF4-FFF2-40B4-BE49-F238E27FC236}">
+                <a16:creationId xmlns:a16="http://schemas.microsoft.com/office/drawing/2014/main" id="{A2F94EDD-13ED-46EE-DF24-7F23DE72337D}"/>
+              </a:ext>
+            </a:extLst>
+          </p:cNvPr>
+          <p:cNvSpPr>
+            <a:spLocks noGrp="1"/>
+          </p:cNvSpPr>
+          <p:nvPr>
+            <p:ph idx="1"/>
+          </p:nvPr>
+        </p:nvSpPr>
+        <p:spPr>
+          <a:xfrm>
+            <a:off x="5648707" y="2434201"/>
+            <a:ext cx="2866642" cy="3742762"/>
+          </a:xfrm>
+        </p:spPr>
+        <p:txBody>
+          <a:bodyPr>
+            <a:normAutofit/>
+          </a:bodyPr>
+          <a:lstStyle/>
+          <a:p>
+            <a:endParaRPr lang="en-US" sz="1700"/>
+          </a:p>
+        </p:txBody>
+      </p:sp>
+    </p:spTree>
+    <p:extLst>
+      <p:ext uri="{BB962C8B-B14F-4D97-AF65-F5344CB8AC3E}">
+        <p14:creationId xmlns:p14="http://schemas.microsoft.com/office/powerpoint/2010/main" val="4126780550"/>
+      </p:ext>
+    </p:extLst>
+  </p:cSld>
+  <p:clrMapOvr>
+    <a:masterClrMapping/>
+  </p:clrMapOvr>
+</p:sld>
+</file>
+
+<file path=ppt/slides/slide17.xml><?xml version="1.0" encoding="utf-8"?>
+<p:sld xmlns:a="http://schemas.openxmlformats.org/drawingml/2006/main" xmlns:r="http://schemas.openxmlformats.org/officeDocument/2006/relationships" xmlns:p="http://schemas.openxmlformats.org/presentationml/2006/main">
+  <p:cSld>
+    <p:bg>
+      <p:bgPr>
+        <a:solidFill>
+          <a:schemeClr val="bg1"/>
+        </a:solidFill>
+        <a:effectLst/>
+      </p:bgPr>
+    </p:bg>
+    <p:spTree>
+      <p:nvGrpSpPr>
+        <p:cNvPr id="1" name="">
+          <a:extLst>
+            <a:ext uri="{FF2B5EF4-FFF2-40B4-BE49-F238E27FC236}">
+              <a16:creationId xmlns:a16="http://schemas.microsoft.com/office/drawing/2014/main" id="{E87CE4B7-9D99-897E-88E6-530C998F0FA0}"/>
+            </a:ext>
+          </a:extLst>
+        </p:cNvPr>
+        <p:cNvGrpSpPr/>
+        <p:nvPr/>
+      </p:nvGrpSpPr>
+      <p:grpSpPr>
+        <a:xfrm>
+          <a:off x="0" y="0"/>
+          <a:ext cx="0" cy="0"/>
+          <a:chOff x="0" y="0"/>
+          <a:chExt cx="0" cy="0"/>
+        </a:xfrm>
+      </p:grpSpPr>
+      <p:sp useBgFill="1">
+        <p:nvSpPr>
+          <p:cNvPr id="15" name="Rectangle 14">
+            <a:extLst>
+              <a:ext uri="{FF2B5EF4-FFF2-40B4-BE49-F238E27FC236}">
+                <a16:creationId xmlns:a16="http://schemas.microsoft.com/office/drawing/2014/main" id="{04812C46-200A-4DEB-A05E-3ED6C68C2387}"/>
+              </a:ext>
+              <a:ext uri="{C183D7F6-B498-43B3-948B-1728B52AA6E4}">
+                <adec:decorative xmlns:adec="http://schemas.microsoft.com/office/drawing/2017/decorative" val="1"/>
+              </a:ext>
+            </a:extLst>
+          </p:cNvPr>
+          <p:cNvSpPr>
+            <a:spLocks noGrp="1" noRot="1" noChangeAspect="1" noMove="1" noResize="1" noEditPoints="1" noAdjustHandles="1" noChangeArrowheads="1" noChangeShapeType="1" noTextEdit="1"/>
+          </p:cNvSpPr>
+          <p:nvPr>
+            <p:extLst>
+              <p:ext uri="{386F3935-93C4-4BCD-93E2-E3B085C9AB24}">
+                <p16:designElem xmlns:p16="http://schemas.microsoft.com/office/powerpoint/2015/main" val="1"/>
+              </p:ext>
+            </p:extLst>
+          </p:nvPr>
+        </p:nvSpPr>
+        <p:spPr>
+          <a:xfrm>
+            <a:off x="0" y="0"/>
+            <a:ext cx="9141713" cy="6858000"/>
+          </a:xfrm>
+          <a:prstGeom prst="rect">
+            <a:avLst/>
+          </a:prstGeom>
+          <a:ln>
+            <a:noFill/>
+          </a:ln>
+        </p:spPr>
+        <p:style>
+          <a:lnRef idx="2">
+            <a:schemeClr val="accent1">
+              <a:shade val="50000"/>
+            </a:schemeClr>
+          </a:lnRef>
+          <a:fillRef idx="1">
+            <a:schemeClr val="accent1"/>
+          </a:fillRef>
+          <a:effectRef idx="0">
+            <a:schemeClr val="accent1"/>
+          </a:effectRef>
+          <a:fontRef idx="minor">
+            <a:schemeClr val="lt1"/>
+          </a:fontRef>
+        </p:style>
+        <p:txBody>
+          <a:bodyPr rtlCol="0" anchor="ctr"/>
+          <a:lstStyle/>
+          <a:p>
+            <a:pPr algn="ctr"/>
+            <a:endParaRPr lang="en-US"/>
+          </a:p>
+        </p:txBody>
+      </p:sp>
+      <p:pic>
+        <p:nvPicPr>
+          <p:cNvPr id="3" name="Picture 2">
+            <a:extLst>
+              <a:ext uri="{FF2B5EF4-FFF2-40B4-BE49-F238E27FC236}">
+                <a16:creationId xmlns:a16="http://schemas.microsoft.com/office/drawing/2014/main" id="{63EB29EC-C887-A985-E914-4644BDE30196}"/>
+              </a:ext>
+            </a:extLst>
+          </p:cNvPr>
+          <p:cNvPicPr>
+            <a:picLocks noChangeAspect="1"/>
+          </p:cNvPicPr>
+          <p:nvPr/>
+        </p:nvPicPr>
+        <p:blipFill>
+          <a:blip r:embed="rId2"/>
+          <a:srcRect r="36816" b="2"/>
+          <a:stretch>
+            <a:fillRect/>
+          </a:stretch>
+        </p:blipFill>
+        <p:spPr>
+          <a:xfrm>
+            <a:off x="20" y="10"/>
+            <a:ext cx="7252212" cy="6857990"/>
+          </a:xfrm>
+          <a:prstGeom prst="rect">
+            <a:avLst/>
+          </a:prstGeom>
+        </p:spPr>
+      </p:pic>
+      <p:sp>
+        <p:nvSpPr>
+          <p:cNvPr id="17" name="Rectangle 16">
+            <a:extLst>
+              <a:ext uri="{FF2B5EF4-FFF2-40B4-BE49-F238E27FC236}">
+                <a16:creationId xmlns:a16="http://schemas.microsoft.com/office/drawing/2014/main" id="{D1EA859B-E555-4109-94F3-6700E046E008}"/>
+              </a:ext>
+              <a:ext uri="{C183D7F6-B498-43B3-948B-1728B52AA6E4}">
+                <adec:decorative xmlns:adec="http://schemas.microsoft.com/office/drawing/2017/decorative" val="1"/>
+              </a:ext>
+            </a:extLst>
+          </p:cNvPr>
+          <p:cNvSpPr>
+            <a:spLocks noGrp="1" noRot="1" noChangeAspect="1" noMove="1" noResize="1" noEditPoints="1" noAdjustHandles="1" noChangeArrowheads="1" noChangeShapeType="1" noTextEdit="1"/>
+          </p:cNvSpPr>
+          <p:nvPr>
+            <p:extLst>
+              <p:ext uri="{386F3935-93C4-4BCD-93E2-E3B085C9AB24}">
+                <p16:designElem xmlns:p16="http://schemas.microsoft.com/office/powerpoint/2015/main" val="1"/>
+              </p:ext>
+            </p:extLst>
+          </p:nvPr>
+        </p:nvSpPr>
+        <p:spPr>
+          <a:xfrm flipH="1">
+            <a:off x="3843764" y="0"/>
+            <a:ext cx="5300233" cy="6858000"/>
+          </a:xfrm>
+          <a:prstGeom prst="rect">
+            <a:avLst/>
+          </a:prstGeom>
+          <a:gradFill>
+            <a:gsLst>
+              <a:gs pos="48000">
+                <a:schemeClr val="bg1"/>
+              </a:gs>
+              <a:gs pos="35000">
+                <a:schemeClr val="bg1">
+                  <a:alpha val="77000"/>
+                </a:schemeClr>
+              </a:gs>
+              <a:gs pos="19000">
+                <a:schemeClr val="bg1">
+                  <a:alpha val="38000"/>
+                </a:schemeClr>
+              </a:gs>
+              <a:gs pos="0">
+                <a:schemeClr val="bg1">
+                  <a:alpha val="0"/>
+                </a:schemeClr>
+              </a:gs>
+              <a:gs pos="100000">
+                <a:schemeClr val="bg1"/>
+              </a:gs>
+            </a:gsLst>
+            <a:lin ang="10800000" scaled="0"/>
+          </a:gradFill>
+          <a:ln>
+            <a:noFill/>
+          </a:ln>
+        </p:spPr>
+        <p:style>
+          <a:lnRef idx="2">
+            <a:schemeClr val="accent1">
+              <a:shade val="50000"/>
+            </a:schemeClr>
+          </a:lnRef>
+          <a:fillRef idx="1">
+            <a:schemeClr val="accent1"/>
+          </a:fillRef>
+          <a:effectRef idx="0">
+            <a:schemeClr val="accent1"/>
+          </a:effectRef>
+          <a:fontRef idx="minor">
+            <a:schemeClr val="lt1"/>
+          </a:fontRef>
+        </p:style>
+        <p:txBody>
+          <a:bodyPr rtlCol="0" anchor="ctr"/>
+          <a:lstStyle/>
+          <a:p>
+            <a:pPr algn="ctr"/>
+            <a:endParaRPr lang="en-US" dirty="0"/>
+          </a:p>
+        </p:txBody>
+      </p:sp>
+      <p:sp>
+        <p:nvSpPr>
+          <p:cNvPr id="10" name="Content Placeholder 9">
+            <a:extLst>
+              <a:ext uri="{FF2B5EF4-FFF2-40B4-BE49-F238E27FC236}">
+                <a16:creationId xmlns:a16="http://schemas.microsoft.com/office/drawing/2014/main" id="{236F469A-D432-09AD-59A2-7F72E5C49B33}"/>
+              </a:ext>
+            </a:extLst>
+          </p:cNvPr>
+          <p:cNvSpPr>
+            <a:spLocks noGrp="1"/>
+          </p:cNvSpPr>
+          <p:nvPr>
+            <p:ph idx="1"/>
+          </p:nvPr>
+        </p:nvSpPr>
+        <p:spPr>
+          <a:xfrm>
+            <a:off x="5648707" y="2434201"/>
+            <a:ext cx="2866642" cy="3742762"/>
+          </a:xfrm>
+        </p:spPr>
+        <p:txBody>
+          <a:bodyPr>
+            <a:normAutofit/>
+          </a:bodyPr>
+          <a:lstStyle/>
+          <a:p>
+            <a:endParaRPr lang="en-US" sz="1700"/>
+          </a:p>
+        </p:txBody>
+      </p:sp>
+    </p:spTree>
+    <p:extLst>
+      <p:ext uri="{BB962C8B-B14F-4D97-AF65-F5344CB8AC3E}">
+        <p14:creationId xmlns:p14="http://schemas.microsoft.com/office/powerpoint/2010/main" val="3146782777"/>
+      </p:ext>
+    </p:extLst>
+  </p:cSld>
+  <p:clrMapOvr>
+    <a:masterClrMapping/>
+  </p:clrMapOvr>
+</p:sld>
+</file>
+
+<file path=ppt/slides/slide18.xml><?xml version="1.0" encoding="utf-8"?>
+<p:sld xmlns:a="http://schemas.openxmlformats.org/drawingml/2006/main" xmlns:r="http://schemas.openxmlformats.org/officeDocument/2006/relationships" xmlns:p="http://schemas.openxmlformats.org/presentationml/2006/main">
+  <p:cSld>
+    <p:bg>
+      <p:bgPr>
+        <a:solidFill>
+          <a:schemeClr val="bg1"/>
+        </a:solidFill>
+        <a:effectLst/>
+      </p:bgPr>
+    </p:bg>
+    <p:spTree>
+      <p:nvGrpSpPr>
+        <p:cNvPr id="1" name="">
+          <a:extLst>
+            <a:ext uri="{FF2B5EF4-FFF2-40B4-BE49-F238E27FC236}">
+              <a16:creationId xmlns:a16="http://schemas.microsoft.com/office/drawing/2014/main" id="{A9341916-595D-26CF-255F-9C577F091890}"/>
+            </a:ext>
+          </a:extLst>
+        </p:cNvPr>
+        <p:cNvGrpSpPr/>
+        <p:nvPr/>
+      </p:nvGrpSpPr>
+      <p:grpSpPr>
+        <a:xfrm>
+          <a:off x="0" y="0"/>
+          <a:ext cx="0" cy="0"/>
+          <a:chOff x="0" y="0"/>
+          <a:chExt cx="0" cy="0"/>
+        </a:xfrm>
+      </p:grpSpPr>
+      <p:sp useBgFill="1">
+        <p:nvSpPr>
+          <p:cNvPr id="22" name="Rectangle 21">
+            <a:extLst>
+              <a:ext uri="{FF2B5EF4-FFF2-40B4-BE49-F238E27FC236}">
+                <a16:creationId xmlns:a16="http://schemas.microsoft.com/office/drawing/2014/main" id="{04812C46-200A-4DEB-A05E-3ED6C68C2387}"/>
+              </a:ext>
+              <a:ext uri="{C183D7F6-B498-43B3-948B-1728B52AA6E4}">
+                <adec:decorative xmlns:adec="http://schemas.microsoft.com/office/drawing/2017/decorative" val="1"/>
+              </a:ext>
+            </a:extLst>
+          </p:cNvPr>
+          <p:cNvSpPr>
+            <a:spLocks noGrp="1" noRot="1" noChangeAspect="1" noMove="1" noResize="1" noEditPoints="1" noAdjustHandles="1" noChangeArrowheads="1" noChangeShapeType="1" noTextEdit="1"/>
+          </p:cNvSpPr>
+          <p:nvPr>
+            <p:extLst>
+              <p:ext uri="{386F3935-93C4-4BCD-93E2-E3B085C9AB24}">
+                <p16:designElem xmlns:p16="http://schemas.microsoft.com/office/powerpoint/2015/main" val="1"/>
+              </p:ext>
+            </p:extLst>
+          </p:nvPr>
+        </p:nvSpPr>
+        <p:spPr>
+          <a:xfrm>
+            <a:off x="0" y="0"/>
+            <a:ext cx="9141713" cy="6858000"/>
+          </a:xfrm>
+          <a:prstGeom prst="rect">
+            <a:avLst/>
+          </a:prstGeom>
+          <a:ln>
+            <a:noFill/>
+          </a:ln>
+        </p:spPr>
+        <p:style>
+          <a:lnRef idx="2">
+            <a:schemeClr val="accent1">
+              <a:shade val="50000"/>
+            </a:schemeClr>
+          </a:lnRef>
+          <a:fillRef idx="1">
+            <a:schemeClr val="accent1"/>
+          </a:fillRef>
+          <a:effectRef idx="0">
+            <a:schemeClr val="accent1"/>
+          </a:effectRef>
+          <a:fontRef idx="minor">
+            <a:schemeClr val="lt1"/>
+          </a:fontRef>
+        </p:style>
+        <p:txBody>
+          <a:bodyPr rtlCol="0" anchor="ctr"/>
+          <a:lstStyle/>
+          <a:p>
+            <a:pPr algn="ctr"/>
+            <a:endParaRPr lang="en-US"/>
+          </a:p>
+        </p:txBody>
+      </p:sp>
+      <p:pic>
+        <p:nvPicPr>
+          <p:cNvPr id="4" name="Picture 3">
+            <a:extLst>
+              <a:ext uri="{FF2B5EF4-FFF2-40B4-BE49-F238E27FC236}">
+                <a16:creationId xmlns:a16="http://schemas.microsoft.com/office/drawing/2014/main" id="{8B923836-8111-5460-F32D-78452E3AE23F}"/>
+              </a:ext>
+            </a:extLst>
+          </p:cNvPr>
+          <p:cNvPicPr>
+            <a:picLocks noChangeAspect="1"/>
+          </p:cNvPicPr>
+          <p:nvPr/>
+        </p:nvPicPr>
+        <p:blipFill>
+          <a:blip r:embed="rId2"/>
+          <a:srcRect r="30736" b="2"/>
+          <a:stretch>
+            <a:fillRect/>
+          </a:stretch>
+        </p:blipFill>
+        <p:spPr>
+          <a:xfrm>
+            <a:off x="20" y="10"/>
+            <a:ext cx="7252212" cy="6857990"/>
+          </a:xfrm>
+          <a:prstGeom prst="rect">
+            <a:avLst/>
+          </a:prstGeom>
+        </p:spPr>
+      </p:pic>
+      <p:sp>
+        <p:nvSpPr>
+          <p:cNvPr id="24" name="Rectangle 23">
+            <a:extLst>
+              <a:ext uri="{FF2B5EF4-FFF2-40B4-BE49-F238E27FC236}">
+                <a16:creationId xmlns:a16="http://schemas.microsoft.com/office/drawing/2014/main" id="{D1EA859B-E555-4109-94F3-6700E046E008}"/>
+              </a:ext>
+              <a:ext uri="{C183D7F6-B498-43B3-948B-1728B52AA6E4}">
+                <adec:decorative xmlns:adec="http://schemas.microsoft.com/office/drawing/2017/decorative" val="1"/>
+              </a:ext>
+            </a:extLst>
+          </p:cNvPr>
+          <p:cNvSpPr>
+            <a:spLocks noGrp="1" noRot="1" noChangeAspect="1" noMove="1" noResize="1" noEditPoints="1" noAdjustHandles="1" noChangeArrowheads="1" noChangeShapeType="1" noTextEdit="1"/>
+          </p:cNvSpPr>
+          <p:nvPr>
+            <p:extLst>
+              <p:ext uri="{386F3935-93C4-4BCD-93E2-E3B085C9AB24}">
+                <p16:designElem xmlns:p16="http://schemas.microsoft.com/office/powerpoint/2015/main" val="1"/>
+              </p:ext>
+            </p:extLst>
+          </p:nvPr>
+        </p:nvSpPr>
+        <p:spPr>
+          <a:xfrm flipH="1">
+            <a:off x="3843764" y="0"/>
+            <a:ext cx="5300233" cy="6858000"/>
+          </a:xfrm>
+          <a:prstGeom prst="rect">
+            <a:avLst/>
+          </a:prstGeom>
+          <a:gradFill>
+            <a:gsLst>
+              <a:gs pos="48000">
+                <a:schemeClr val="bg1"/>
+              </a:gs>
+              <a:gs pos="35000">
+                <a:schemeClr val="bg1">
+                  <a:alpha val="77000"/>
+                </a:schemeClr>
+              </a:gs>
+              <a:gs pos="19000">
+                <a:schemeClr val="bg1">
+                  <a:alpha val="38000"/>
+                </a:schemeClr>
+              </a:gs>
+              <a:gs pos="0">
+                <a:schemeClr val="bg1">
+                  <a:alpha val="0"/>
+                </a:schemeClr>
+              </a:gs>
+              <a:gs pos="100000">
+                <a:schemeClr val="bg1"/>
+              </a:gs>
+            </a:gsLst>
+            <a:lin ang="10800000" scaled="0"/>
+          </a:gradFill>
+          <a:ln>
+            <a:noFill/>
+          </a:ln>
+        </p:spPr>
+        <p:style>
+          <a:lnRef idx="2">
+            <a:schemeClr val="accent1">
+              <a:shade val="50000"/>
+            </a:schemeClr>
+          </a:lnRef>
+          <a:fillRef idx="1">
+            <a:schemeClr val="accent1"/>
+          </a:fillRef>
+          <a:effectRef idx="0">
+            <a:schemeClr val="accent1"/>
+          </a:effectRef>
+          <a:fontRef idx="minor">
+            <a:schemeClr val="lt1"/>
+          </a:fontRef>
+        </p:style>
+        <p:txBody>
+          <a:bodyPr rtlCol="0" anchor="ctr"/>
+          <a:lstStyle/>
+          <a:p>
+            <a:pPr algn="ctr"/>
+            <a:endParaRPr lang="en-US" dirty="0"/>
+          </a:p>
+        </p:txBody>
+      </p:sp>
+      <p:sp>
+        <p:nvSpPr>
+          <p:cNvPr id="10" name="Content Placeholder 9">
+            <a:extLst>
+              <a:ext uri="{FF2B5EF4-FFF2-40B4-BE49-F238E27FC236}">
+                <a16:creationId xmlns:a16="http://schemas.microsoft.com/office/drawing/2014/main" id="{791042A0-522E-F67E-7496-04A68C13D98C}"/>
+              </a:ext>
+            </a:extLst>
+          </p:cNvPr>
+          <p:cNvSpPr>
+            <a:spLocks noGrp="1"/>
+          </p:cNvSpPr>
+          <p:nvPr>
+            <p:ph idx="1"/>
+          </p:nvPr>
+        </p:nvSpPr>
+        <p:spPr>
+          <a:xfrm>
+            <a:off x="5648707" y="2434201"/>
+            <a:ext cx="2866642" cy="3742762"/>
+          </a:xfrm>
+        </p:spPr>
+        <p:txBody>
+          <a:bodyPr>
+            <a:normAutofit/>
+          </a:bodyPr>
+          <a:lstStyle/>
+          <a:p>
+            <a:endParaRPr lang="en-US" sz="1700"/>
+          </a:p>
+        </p:txBody>
+      </p:sp>
+    </p:spTree>
+    <p:extLst>
+      <p:ext uri="{BB962C8B-B14F-4D97-AF65-F5344CB8AC3E}">
+        <p14:creationId xmlns:p14="http://schemas.microsoft.com/office/powerpoint/2010/main" val="3311554905"/>
+      </p:ext>
+    </p:extLst>
+  </p:cSld>
+  <p:clrMapOvr>
+    <a:masterClrMapping/>
+  </p:clrMapOvr>
+</p:sld>
+</file>
+
+<file path=ppt/slides/slide19.xml><?xml version="1.0" encoding="utf-8"?>
+<p:sld xmlns:a="http://schemas.openxmlformats.org/drawingml/2006/main" xmlns:r="http://schemas.openxmlformats.org/officeDocument/2006/relationships" xmlns:p="http://schemas.openxmlformats.org/presentationml/2006/main">
+  <p:cSld>
+    <p:bg>
+      <p:bgPr>
+        <a:solidFill>
+          <a:schemeClr val="bg1"/>
+        </a:solidFill>
+        <a:effectLst/>
+      </p:bgPr>
+    </p:bg>
+    <p:spTree>
+      <p:nvGrpSpPr>
+        <p:cNvPr id="1" name="">
+          <a:extLst>
+            <a:ext uri="{FF2B5EF4-FFF2-40B4-BE49-F238E27FC236}">
+              <a16:creationId xmlns:a16="http://schemas.microsoft.com/office/drawing/2014/main" id="{56D3420D-9DDF-A198-E27F-CDFCA5A128FE}"/>
+            </a:ext>
+          </a:extLst>
+        </p:cNvPr>
+        <p:cNvGrpSpPr/>
+        <p:nvPr/>
+      </p:nvGrpSpPr>
+      <p:grpSpPr>
+        <a:xfrm>
+          <a:off x="0" y="0"/>
+          <a:ext cx="0" cy="0"/>
+          <a:chOff x="0" y="0"/>
+          <a:chExt cx="0" cy="0"/>
+        </a:xfrm>
+      </p:grpSpPr>
+      <p:sp useBgFill="1">
+        <p:nvSpPr>
+          <p:cNvPr id="52" name="Rectangle 51">
+            <a:extLst>
+              <a:ext uri="{FF2B5EF4-FFF2-40B4-BE49-F238E27FC236}">
+                <a16:creationId xmlns:a16="http://schemas.microsoft.com/office/drawing/2014/main" id="{04812C46-200A-4DEB-A05E-3ED6C68C2387}"/>
+              </a:ext>
+              <a:ext uri="{C183D7F6-B498-43B3-948B-1728B52AA6E4}">
+                <adec:decorative xmlns:adec="http://schemas.microsoft.com/office/drawing/2017/decorative" val="1"/>
+              </a:ext>
+            </a:extLst>
+          </p:cNvPr>
+          <p:cNvSpPr>
+            <a:spLocks noGrp="1" noRot="1" noChangeAspect="1" noMove="1" noResize="1" noEditPoints="1" noAdjustHandles="1" noChangeArrowheads="1" noChangeShapeType="1" noTextEdit="1"/>
+          </p:cNvSpPr>
+          <p:nvPr>
+            <p:extLst>
+              <p:ext uri="{386F3935-93C4-4BCD-93E2-E3B085C9AB24}">
+                <p16:designElem xmlns:p16="http://schemas.microsoft.com/office/powerpoint/2015/main" val="1"/>
+              </p:ext>
+            </p:extLst>
+          </p:nvPr>
+        </p:nvSpPr>
+        <p:spPr>
+          <a:xfrm>
+            <a:off x="0" y="0"/>
+            <a:ext cx="9141713" cy="6858000"/>
+          </a:xfrm>
+          <a:prstGeom prst="rect">
+            <a:avLst/>
+          </a:prstGeom>
+          <a:ln>
+            <a:noFill/>
+          </a:ln>
+        </p:spPr>
+        <p:style>
+          <a:lnRef idx="2">
+            <a:schemeClr val="accent1">
+              <a:shade val="50000"/>
+            </a:schemeClr>
+          </a:lnRef>
+          <a:fillRef idx="1">
+            <a:schemeClr val="accent1"/>
+          </a:fillRef>
+          <a:effectRef idx="0">
+            <a:schemeClr val="accent1"/>
+          </a:effectRef>
+          <a:fontRef idx="minor">
+            <a:schemeClr val="lt1"/>
+          </a:fontRef>
+        </p:style>
+        <p:txBody>
+          <a:bodyPr rtlCol="0" anchor="ctr"/>
+          <a:lstStyle/>
+          <a:p>
+            <a:pPr algn="ctr"/>
+            <a:endParaRPr lang="en-US"/>
+          </a:p>
+        </p:txBody>
+      </p:sp>
+      <p:pic>
+        <p:nvPicPr>
+          <p:cNvPr id="3" name="Picture 2">
+            <a:extLst>
+              <a:ext uri="{FF2B5EF4-FFF2-40B4-BE49-F238E27FC236}">
+                <a16:creationId xmlns:a16="http://schemas.microsoft.com/office/drawing/2014/main" id="{692AA772-E2D4-C3B5-169C-995EFCE858A0}"/>
+              </a:ext>
+            </a:extLst>
+          </p:cNvPr>
+          <p:cNvPicPr>
+            <a:picLocks noChangeAspect="1"/>
+          </p:cNvPicPr>
+          <p:nvPr/>
+        </p:nvPicPr>
+        <p:blipFill>
+          <a:blip r:embed="rId2"/>
+          <a:srcRect r="37873"/>
+          <a:stretch>
+            <a:fillRect/>
+          </a:stretch>
+        </p:blipFill>
+        <p:spPr>
+          <a:xfrm>
+            <a:off x="20" y="10"/>
+            <a:ext cx="7252212" cy="6857990"/>
+          </a:xfrm>
+          <a:prstGeom prst="rect">
+            <a:avLst/>
+          </a:prstGeom>
+        </p:spPr>
+      </p:pic>
+      <p:sp>
+        <p:nvSpPr>
+          <p:cNvPr id="53" name="Rectangle 52">
+            <a:extLst>
+              <a:ext uri="{FF2B5EF4-FFF2-40B4-BE49-F238E27FC236}">
+                <a16:creationId xmlns:a16="http://schemas.microsoft.com/office/drawing/2014/main" id="{D1EA859B-E555-4109-94F3-6700E046E008}"/>
+              </a:ext>
+              <a:ext uri="{C183D7F6-B498-43B3-948B-1728B52AA6E4}">
+                <adec:decorative xmlns:adec="http://schemas.microsoft.com/office/drawing/2017/decorative" val="1"/>
+              </a:ext>
+            </a:extLst>
+          </p:cNvPr>
+          <p:cNvSpPr>
+            <a:spLocks noGrp="1" noRot="1" noChangeAspect="1" noMove="1" noResize="1" noEditPoints="1" noAdjustHandles="1" noChangeArrowheads="1" noChangeShapeType="1" noTextEdit="1"/>
+          </p:cNvSpPr>
+          <p:nvPr>
+            <p:extLst>
+              <p:ext uri="{386F3935-93C4-4BCD-93E2-E3B085C9AB24}">
+                <p16:designElem xmlns:p16="http://schemas.microsoft.com/office/powerpoint/2015/main" val="1"/>
+              </p:ext>
+            </p:extLst>
+          </p:nvPr>
+        </p:nvSpPr>
+        <p:spPr>
+          <a:xfrm flipH="1">
+            <a:off x="3843764" y="0"/>
+            <a:ext cx="5300233" cy="6858000"/>
+          </a:xfrm>
+          <a:prstGeom prst="rect">
+            <a:avLst/>
+          </a:prstGeom>
+          <a:gradFill>
+            <a:gsLst>
+              <a:gs pos="48000">
+                <a:schemeClr val="bg1"/>
+              </a:gs>
+              <a:gs pos="35000">
+                <a:schemeClr val="bg1">
+                  <a:alpha val="77000"/>
+                </a:schemeClr>
+              </a:gs>
+              <a:gs pos="19000">
+                <a:schemeClr val="bg1">
+                  <a:alpha val="38000"/>
+                </a:schemeClr>
+              </a:gs>
+              <a:gs pos="0">
+                <a:schemeClr val="bg1">
+                  <a:alpha val="0"/>
+                </a:schemeClr>
+              </a:gs>
+              <a:gs pos="100000">
+                <a:schemeClr val="bg1"/>
+              </a:gs>
+            </a:gsLst>
+            <a:lin ang="10800000" scaled="0"/>
+          </a:gradFill>
+          <a:ln>
+            <a:noFill/>
+          </a:ln>
+        </p:spPr>
+        <p:style>
+          <a:lnRef idx="2">
+            <a:schemeClr val="accent1">
+              <a:shade val="50000"/>
+            </a:schemeClr>
+          </a:lnRef>
+          <a:fillRef idx="1">
+            <a:schemeClr val="accent1"/>
+          </a:fillRef>
+          <a:effectRef idx="0">
+            <a:schemeClr val="accent1"/>
+          </a:effectRef>
+          <a:fontRef idx="minor">
+            <a:schemeClr val="lt1"/>
+          </a:fontRef>
+        </p:style>
+        <p:txBody>
+          <a:bodyPr rtlCol="0" anchor="ctr"/>
+          <a:lstStyle/>
+          <a:p>
+            <a:pPr algn="ctr"/>
+            <a:endParaRPr lang="en-US" dirty="0"/>
+          </a:p>
+        </p:txBody>
+      </p:sp>
+      <p:sp>
+        <p:nvSpPr>
+          <p:cNvPr id="10" name="Content Placeholder 9">
+            <a:extLst>
+              <a:ext uri="{FF2B5EF4-FFF2-40B4-BE49-F238E27FC236}">
+                <a16:creationId xmlns:a16="http://schemas.microsoft.com/office/drawing/2014/main" id="{B05E8111-AEF6-749B-B61E-A414369F7DA8}"/>
+              </a:ext>
+            </a:extLst>
+          </p:cNvPr>
+          <p:cNvSpPr>
+            <a:spLocks noGrp="1"/>
+          </p:cNvSpPr>
+          <p:nvPr>
+            <p:ph idx="1"/>
+          </p:nvPr>
+        </p:nvSpPr>
+        <p:spPr>
+          <a:xfrm>
+            <a:off x="5648707" y="2434201"/>
+            <a:ext cx="2866642" cy="3742762"/>
+          </a:xfrm>
+        </p:spPr>
+        <p:txBody>
+          <a:bodyPr>
+            <a:normAutofit/>
+          </a:bodyPr>
+          <a:lstStyle/>
           <a:p>
             <a:endParaRPr lang="en-US" sz="1700" dirty="0"/>
           </a:p>
@@ -34406,7 +33592,7 @@
     </p:spTree>
     <p:extLst>
       <p:ext uri="{BB962C8B-B14F-4D97-AF65-F5344CB8AC3E}">
-        <p14:creationId xmlns:p14="http://schemas.microsoft.com/office/powerpoint/2010/main" val="2837417402"/>
+        <p14:creationId xmlns:p14="http://schemas.microsoft.com/office/powerpoint/2010/main" val="507161790"/>
       </p:ext>
     </p:extLst>
   </p:cSld>
@@ -37470,6 +36656,4631 @@
     <p:extLst>
       <p:ext uri="{BB962C8B-B14F-4D97-AF65-F5344CB8AC3E}">
         <p14:creationId xmlns:p14="http://schemas.microsoft.com/office/powerpoint/2010/main" val="4109847348"/>
+      </p:ext>
+    </p:extLst>
+  </p:cSld>
+  <p:clrMapOvr>
+    <a:masterClrMapping/>
+  </p:clrMapOvr>
+</p:sld>
+</file>
+
+<file path=ppt/slides/slide20.xml><?xml version="1.0" encoding="utf-8"?>
+<p:sld xmlns:a="http://schemas.openxmlformats.org/drawingml/2006/main" xmlns:r="http://schemas.openxmlformats.org/officeDocument/2006/relationships" xmlns:p="http://schemas.openxmlformats.org/presentationml/2006/main">
+  <p:cSld>
+    <p:bg>
+      <p:bgPr>
+        <a:solidFill>
+          <a:schemeClr val="bg1"/>
+        </a:solidFill>
+        <a:effectLst/>
+      </p:bgPr>
+    </p:bg>
+    <p:spTree>
+      <p:nvGrpSpPr>
+        <p:cNvPr id="1" name=""/>
+        <p:cNvGrpSpPr/>
+        <p:nvPr/>
+      </p:nvGrpSpPr>
+      <p:grpSpPr>
+        <a:xfrm>
+          <a:off x="0" y="0"/>
+          <a:ext cx="0" cy="0"/>
+          <a:chOff x="0" y="0"/>
+          <a:chExt cx="0" cy="0"/>
+        </a:xfrm>
+      </p:grpSpPr>
+      <p:sp>
+        <p:nvSpPr>
+          <p:cNvPr id="2" name="Title 1">
+            <a:extLst>
+              <a:ext uri="{FF2B5EF4-FFF2-40B4-BE49-F238E27FC236}">
+                <a16:creationId xmlns:a16="http://schemas.microsoft.com/office/drawing/2014/main" id="{E0131BB3-D801-461B-A9A2-C64070D9F3F6}"/>
+              </a:ext>
+            </a:extLst>
+          </p:cNvPr>
+          <p:cNvSpPr>
+            <a:spLocks noGrp="1"/>
+          </p:cNvSpPr>
+          <p:nvPr>
+            <p:ph type="title"/>
+          </p:nvPr>
+        </p:nvSpPr>
+        <p:spPr>
+          <a:xfrm>
+            <a:off x="2063115" y="741391"/>
+            <a:ext cx="5028904" cy="1616203"/>
+          </a:xfrm>
+        </p:spPr>
+        <p:txBody>
+          <a:bodyPr anchor="ctr">
+            <a:normAutofit/>
+          </a:bodyPr>
+          <a:lstStyle/>
+          <a:p>
+            <a:r>
+              <a:rPr lang="en-US" sz="2800" dirty="0"/>
+              <a:t>Model Performance Summary – Class 1: Churned Customers</a:t>
+            </a:r>
+          </a:p>
+        </p:txBody>
+      </p:sp>
+      <p:grpSp>
+        <p:nvGrpSpPr>
+          <p:cNvPr id="13" name="Group 12">
+            <a:extLst>
+              <a:ext uri="{FF2B5EF4-FFF2-40B4-BE49-F238E27FC236}">
+                <a16:creationId xmlns:a16="http://schemas.microsoft.com/office/drawing/2014/main" id="{117ED9EE-380C-224B-8619-61C6C01B1B1D}"/>
+              </a:ext>
+              <a:ext uri="{C183D7F6-B498-43B3-948B-1728B52AA6E4}">
+                <adec:decorative xmlns:adec="http://schemas.microsoft.com/office/drawing/2017/decorative" val="1"/>
+              </a:ext>
+            </a:extLst>
+          </p:cNvPr>
+          <p:cNvGrpSpPr>
+            <a:grpSpLocks noGrp="1" noUngrp="1" noRot="1" noChangeAspect="1" noMove="1" noResize="1"/>
+          </p:cNvGrpSpPr>
+          <p:nvPr>
+            <p:extLst>
+              <p:ext uri="{386F3935-93C4-4BCD-93E2-E3B085C9AB24}">
+                <p16:designElem xmlns:p16="http://schemas.microsoft.com/office/powerpoint/2015/main" val="1"/>
+              </p:ext>
+            </p:extLst>
+          </p:nvPr>
+        </p:nvGrpSpPr>
+        <p:grpSpPr>
+          <a:xfrm>
+            <a:off x="-3768" y="6737718"/>
+            <a:ext cx="9155399" cy="123363"/>
+            <a:chOff x="-5025" y="6737718"/>
+            <a:chExt cx="12207200" cy="123363"/>
+          </a:xfrm>
+        </p:grpSpPr>
+        <p:sp>
+          <p:nvSpPr>
+            <p:cNvPr id="14" name="Rectangle 13">
+              <a:extLst>
+                <a:ext uri="{FF2B5EF4-FFF2-40B4-BE49-F238E27FC236}">
+                  <a16:creationId xmlns:a16="http://schemas.microsoft.com/office/drawing/2014/main" id="{CBEA0657-2676-EBD0-330D-2DE1D716D6DC}"/>
+                </a:ext>
+                <a:ext uri="{C183D7F6-B498-43B3-948B-1728B52AA6E4}">
+                  <adec:decorative xmlns:adec="http://schemas.microsoft.com/office/drawing/2017/decorative" val="1"/>
+                </a:ext>
+              </a:extLst>
+            </p:cNvPr>
+            <p:cNvSpPr/>
+            <p:nvPr>
+              <p:extLst>
+                <p:ext uri="{386F3935-93C4-4BCD-93E2-E3B085C9AB24}">
+                  <p16:designElem xmlns:p16="http://schemas.microsoft.com/office/powerpoint/2015/main" val="1"/>
+                </p:ext>
+              </p:extLst>
+            </p:nvPr>
+          </p:nvSpPr>
+          <p:spPr>
+            <a:xfrm rot="5400000" flipH="1">
+              <a:off x="6036894" y="695800"/>
+              <a:ext cx="123362" cy="12207199"/>
+            </a:xfrm>
+            <a:prstGeom prst="rect">
+              <a:avLst/>
+            </a:prstGeom>
+            <a:gradFill>
+              <a:gsLst>
+                <a:gs pos="0">
+                  <a:schemeClr val="accent5"/>
+                </a:gs>
+                <a:gs pos="100000">
+                  <a:schemeClr val="accent2"/>
+                </a:gs>
+              </a:gsLst>
+              <a:lin ang="1800000" scaled="0"/>
+            </a:gradFill>
+            <a:ln>
+              <a:noFill/>
+            </a:ln>
+          </p:spPr>
+          <p:style>
+            <a:lnRef idx="2">
+              <a:schemeClr val="accent1">
+                <a:shade val="50000"/>
+              </a:schemeClr>
+            </a:lnRef>
+            <a:fillRef idx="1">
+              <a:schemeClr val="accent1"/>
+            </a:fillRef>
+            <a:effectRef idx="0">
+              <a:schemeClr val="accent1"/>
+            </a:effectRef>
+            <a:fontRef idx="minor">
+              <a:schemeClr val="lt1"/>
+            </a:fontRef>
+          </p:style>
+          <p:txBody>
+            <a:bodyPr rtlCol="0" anchor="ctr"/>
+            <a:lstStyle/>
+            <a:p>
+              <a:pPr algn="ctr"/>
+              <a:endParaRPr lang="en-US"/>
+            </a:p>
+          </p:txBody>
+        </p:sp>
+        <p:sp>
+          <p:nvSpPr>
+            <p:cNvPr id="15" name="Rectangle 14">
+              <a:extLst>
+                <a:ext uri="{FF2B5EF4-FFF2-40B4-BE49-F238E27FC236}">
+                  <a16:creationId xmlns:a16="http://schemas.microsoft.com/office/drawing/2014/main" id="{6ABD4BE5-70D5-796C-F818-10F0570E7D60}"/>
+                </a:ext>
+                <a:ext uri="{C183D7F6-B498-43B3-948B-1728B52AA6E4}">
+                  <adec:decorative xmlns:adec="http://schemas.microsoft.com/office/drawing/2017/decorative" val="1"/>
+                </a:ext>
+              </a:extLst>
+            </p:cNvPr>
+            <p:cNvSpPr/>
+            <p:nvPr>
+              <p:extLst>
+                <p:ext uri="{386F3935-93C4-4BCD-93E2-E3B085C9AB24}">
+                  <p16:designElem xmlns:p16="http://schemas.microsoft.com/office/powerpoint/2015/main" val="1"/>
+                </p:ext>
+              </p:extLst>
+            </p:nvPr>
+          </p:nvSpPr>
+          <p:spPr>
+            <a:xfrm rot="16200000">
+              <a:off x="9176406" y="3835311"/>
+              <a:ext cx="123362" cy="5928176"/>
+            </a:xfrm>
+            <a:prstGeom prst="rect">
+              <a:avLst/>
+            </a:prstGeom>
+            <a:gradFill>
+              <a:gsLst>
+                <a:gs pos="19000">
+                  <a:schemeClr val="accent5">
+                    <a:alpha val="0"/>
+                  </a:schemeClr>
+                </a:gs>
+                <a:gs pos="100000">
+                  <a:schemeClr val="accent5">
+                    <a:lumMod val="60000"/>
+                    <a:lumOff val="40000"/>
+                  </a:schemeClr>
+                </a:gs>
+              </a:gsLst>
+              <a:lin ang="600000" scaled="0"/>
+            </a:gradFill>
+            <a:ln>
+              <a:noFill/>
+            </a:ln>
+          </p:spPr>
+          <p:style>
+            <a:lnRef idx="2">
+              <a:schemeClr val="accent1">
+                <a:shade val="50000"/>
+              </a:schemeClr>
+            </a:lnRef>
+            <a:fillRef idx="1">
+              <a:schemeClr val="accent1"/>
+            </a:fillRef>
+            <a:effectRef idx="0">
+              <a:schemeClr val="accent1"/>
+            </a:effectRef>
+            <a:fontRef idx="minor">
+              <a:schemeClr val="lt1"/>
+            </a:fontRef>
+          </p:style>
+          <p:txBody>
+            <a:bodyPr rtlCol="0" anchor="ctr"/>
+            <a:lstStyle/>
+            <a:p>
+              <a:pPr algn="ctr"/>
+              <a:endParaRPr lang="en-US"/>
+            </a:p>
+          </p:txBody>
+        </p:sp>
+      </p:grpSp>
+      <p:graphicFrame>
+        <p:nvGraphicFramePr>
+          <p:cNvPr id="8" name="Content Placeholder 7">
+            <a:extLst>
+              <a:ext uri="{FF2B5EF4-FFF2-40B4-BE49-F238E27FC236}">
+                <a16:creationId xmlns:a16="http://schemas.microsoft.com/office/drawing/2014/main" id="{491C6713-8730-2858-52CD-D52259131F23}"/>
+              </a:ext>
+            </a:extLst>
+          </p:cNvPr>
+          <p:cNvGraphicFramePr>
+            <a:graphicFrameLocks noGrp="1"/>
+          </p:cNvGraphicFramePr>
+          <p:nvPr>
+            <p:ph idx="1"/>
+            <p:extLst>
+              <p:ext uri="{D42A27DB-BD31-4B8C-83A1-F6EECF244321}">
+                <p14:modId xmlns:p14="http://schemas.microsoft.com/office/powerpoint/2010/main" val="2611032880"/>
+              </p:ext>
+            </p:extLst>
+          </p:nvPr>
+        </p:nvGraphicFramePr>
+        <p:xfrm>
+          <a:off x="986451" y="2613727"/>
+          <a:ext cx="7142524" cy="3563240"/>
+        </p:xfrm>
+        <a:graphic>
+          <a:graphicData uri="http://schemas.openxmlformats.org/drawingml/2006/table">
+            <a:tbl>
+              <a:tblPr/>
+              <a:tblGrid>
+                <a:gridCol w="1548885">
+                  <a:extLst>
+                    <a:ext uri="{9D8B030D-6E8A-4147-A177-3AD203B41FA5}">
+                      <a16:colId xmlns:a16="http://schemas.microsoft.com/office/drawing/2014/main" val="283564282"/>
+                    </a:ext>
+                  </a:extLst>
+                </a:gridCol>
+                <a:gridCol w="1415129">
+                  <a:extLst>
+                    <a:ext uri="{9D8B030D-6E8A-4147-A177-3AD203B41FA5}">
+                      <a16:colId xmlns:a16="http://schemas.microsoft.com/office/drawing/2014/main" val="3775559057"/>
+                    </a:ext>
+                  </a:extLst>
+                </a:gridCol>
+                <a:gridCol w="1415129">
+                  <a:extLst>
+                    <a:ext uri="{9D8B030D-6E8A-4147-A177-3AD203B41FA5}">
+                      <a16:colId xmlns:a16="http://schemas.microsoft.com/office/drawing/2014/main" val="1996349250"/>
+                    </a:ext>
+                  </a:extLst>
+                </a:gridCol>
+                <a:gridCol w="1401754">
+                  <a:extLst>
+                    <a:ext uri="{9D8B030D-6E8A-4147-A177-3AD203B41FA5}">
+                      <a16:colId xmlns:a16="http://schemas.microsoft.com/office/drawing/2014/main" val="2090164637"/>
+                    </a:ext>
+                  </a:extLst>
+                </a:gridCol>
+                <a:gridCol w="1361627">
+                  <a:extLst>
+                    <a:ext uri="{9D8B030D-6E8A-4147-A177-3AD203B41FA5}">
+                      <a16:colId xmlns:a16="http://schemas.microsoft.com/office/drawing/2014/main" val="886379284"/>
+                    </a:ext>
+                  </a:extLst>
+                </a:gridCol>
+              </a:tblGrid>
+              <a:tr h="712648">
+                <a:tc>
+                  <a:txBody>
+                    <a:bodyPr/>
+                    <a:lstStyle/>
+                    <a:p>
+                      <a:pPr algn="l" fontAlgn="ctr">
+                        <a:buNone/>
+                      </a:pPr>
+                      <a:r>
+                        <a:rPr lang="en-US" sz="1900" b="1" i="0" u="none" strike="noStrike">
+                          <a:effectLst/>
+                          <a:latin typeface="Arial" panose="020B0604020202020204" pitchFamily="34" charset="0"/>
+                        </a:rPr>
+                        <a:t>Model</a:t>
+                      </a:r>
+                      <a:endParaRPr lang="en-US" sz="1900" b="0" i="0" u="none" strike="noStrike">
+                        <a:effectLst/>
+                        <a:latin typeface="Arial" panose="020B0604020202020204" pitchFamily="34" charset="0"/>
+                      </a:endParaRPr>
+                    </a:p>
+                  </a:txBody>
+                  <a:tcPr marL="96304" marR="96304" marT="48152" marB="48152" anchor="ctr">
+                    <a:lnL>
+                      <a:noFill/>
+                    </a:lnL>
+                    <a:lnR>
+                      <a:noFill/>
+                    </a:lnR>
+                    <a:lnT>
+                      <a:noFill/>
+                    </a:lnT>
+                    <a:lnB>
+                      <a:noFill/>
+                    </a:lnB>
+                    <a:noFill/>
+                  </a:tcPr>
+                </a:tc>
+                <a:tc>
+                  <a:txBody>
+                    <a:bodyPr/>
+                    <a:lstStyle/>
+                    <a:p>
+                      <a:pPr algn="l" fontAlgn="ctr">
+                        <a:buNone/>
+                      </a:pPr>
+                      <a:r>
+                        <a:rPr lang="en-US" sz="1900" b="1" i="0" u="none" strike="noStrike">
+                          <a:effectLst/>
+                          <a:latin typeface="Arial" panose="020B0604020202020204" pitchFamily="34" charset="0"/>
+                        </a:rPr>
+                        <a:t>Accuracy</a:t>
+                      </a:r>
+                      <a:endParaRPr lang="en-US" sz="1900" b="0" i="0" u="none" strike="noStrike">
+                        <a:effectLst/>
+                        <a:latin typeface="Arial" panose="020B0604020202020204" pitchFamily="34" charset="0"/>
+                      </a:endParaRPr>
+                    </a:p>
+                  </a:txBody>
+                  <a:tcPr marL="96304" marR="96304" marT="48152" marB="48152" anchor="ctr">
+                    <a:lnL>
+                      <a:noFill/>
+                    </a:lnL>
+                    <a:lnR>
+                      <a:noFill/>
+                    </a:lnR>
+                    <a:lnT>
+                      <a:noFill/>
+                    </a:lnT>
+                    <a:lnB>
+                      <a:noFill/>
+                    </a:lnB>
+                    <a:noFill/>
+                  </a:tcPr>
+                </a:tc>
+                <a:tc>
+                  <a:txBody>
+                    <a:bodyPr/>
+                    <a:lstStyle/>
+                    <a:p>
+                      <a:pPr algn="l" fontAlgn="ctr">
+                        <a:buNone/>
+                      </a:pPr>
+                      <a:r>
+                        <a:rPr lang="en-US" sz="1900" b="1" i="0" u="none" strike="noStrike">
+                          <a:effectLst/>
+                          <a:latin typeface="Arial" panose="020B0604020202020204" pitchFamily="34" charset="0"/>
+                        </a:rPr>
+                        <a:t>Precision (1)</a:t>
+                      </a:r>
+                      <a:endParaRPr lang="en-US" sz="1900" b="0" i="0" u="none" strike="noStrike">
+                        <a:effectLst/>
+                        <a:latin typeface="Arial" panose="020B0604020202020204" pitchFamily="34" charset="0"/>
+                      </a:endParaRPr>
+                    </a:p>
+                  </a:txBody>
+                  <a:tcPr marL="96304" marR="96304" marT="48152" marB="48152" anchor="ctr">
+                    <a:lnL>
+                      <a:noFill/>
+                    </a:lnL>
+                    <a:lnR>
+                      <a:noFill/>
+                    </a:lnR>
+                    <a:lnT>
+                      <a:noFill/>
+                    </a:lnT>
+                    <a:lnB>
+                      <a:noFill/>
+                    </a:lnB>
+                    <a:noFill/>
+                  </a:tcPr>
+                </a:tc>
+                <a:tc>
+                  <a:txBody>
+                    <a:bodyPr/>
+                    <a:lstStyle/>
+                    <a:p>
+                      <a:pPr algn="l" fontAlgn="ctr">
+                        <a:buNone/>
+                      </a:pPr>
+                      <a:r>
+                        <a:rPr lang="en-US" sz="1900" b="1" i="0" u="none" strike="noStrike">
+                          <a:effectLst/>
+                          <a:latin typeface="Arial" panose="020B0604020202020204" pitchFamily="34" charset="0"/>
+                        </a:rPr>
+                        <a:t>Recall (1)</a:t>
+                      </a:r>
+                      <a:endParaRPr lang="en-US" sz="1900" b="0" i="0" u="none" strike="noStrike">
+                        <a:effectLst/>
+                        <a:latin typeface="Arial" panose="020B0604020202020204" pitchFamily="34" charset="0"/>
+                      </a:endParaRPr>
+                    </a:p>
+                  </a:txBody>
+                  <a:tcPr marL="96304" marR="96304" marT="48152" marB="48152" anchor="ctr">
+                    <a:lnL>
+                      <a:noFill/>
+                    </a:lnL>
+                    <a:lnR>
+                      <a:noFill/>
+                    </a:lnR>
+                    <a:lnT>
+                      <a:noFill/>
+                    </a:lnT>
+                    <a:lnB>
+                      <a:noFill/>
+                    </a:lnB>
+                    <a:noFill/>
+                  </a:tcPr>
+                </a:tc>
+                <a:tc>
+                  <a:txBody>
+                    <a:bodyPr/>
+                    <a:lstStyle/>
+                    <a:p>
+                      <a:pPr algn="l" fontAlgn="ctr">
+                        <a:buNone/>
+                      </a:pPr>
+                      <a:r>
+                        <a:rPr lang="en-US" sz="1900" b="1" i="0" u="none" strike="noStrike">
+                          <a:effectLst/>
+                          <a:latin typeface="Arial" panose="020B0604020202020204" pitchFamily="34" charset="0"/>
+                        </a:rPr>
+                        <a:t>F1-Score (1)</a:t>
+                      </a:r>
+                      <a:endParaRPr lang="en-US" sz="1900" b="0" i="0" u="none" strike="noStrike">
+                        <a:effectLst/>
+                        <a:latin typeface="Arial" panose="020B0604020202020204" pitchFamily="34" charset="0"/>
+                      </a:endParaRPr>
+                    </a:p>
+                  </a:txBody>
+                  <a:tcPr marL="96304" marR="96304" marT="48152" marB="48152" anchor="ctr">
+                    <a:lnL>
+                      <a:noFill/>
+                    </a:lnL>
+                    <a:lnR>
+                      <a:noFill/>
+                    </a:lnR>
+                    <a:lnT>
+                      <a:noFill/>
+                    </a:lnT>
+                    <a:lnB>
+                      <a:noFill/>
+                    </a:lnB>
+                    <a:noFill/>
+                  </a:tcPr>
+                </a:tc>
+                <a:extLst>
+                  <a:ext uri="{0D108BD9-81ED-4DB2-BD59-A6C34878D82A}">
+                    <a16:rowId xmlns:a16="http://schemas.microsoft.com/office/drawing/2014/main" val="2401788603"/>
+                  </a:ext>
+                </a:extLst>
+              </a:tr>
+              <a:tr h="712648">
+                <a:tc>
+                  <a:txBody>
+                    <a:bodyPr/>
+                    <a:lstStyle/>
+                    <a:p>
+                      <a:pPr algn="l" fontAlgn="ctr">
+                        <a:buNone/>
+                      </a:pPr>
+                      <a:r>
+                        <a:rPr lang="en-US" sz="1900" b="0" i="0" u="none" strike="noStrike">
+                          <a:effectLst/>
+                          <a:latin typeface="Arial" panose="020B0604020202020204" pitchFamily="34" charset="0"/>
+                        </a:rPr>
+                        <a:t>Logistic Regression</a:t>
+                      </a:r>
+                    </a:p>
+                  </a:txBody>
+                  <a:tcPr marL="96304" marR="96304" marT="48152" marB="48152" anchor="ctr">
+                    <a:lnL>
+                      <a:noFill/>
+                    </a:lnL>
+                    <a:lnR>
+                      <a:noFill/>
+                    </a:lnR>
+                    <a:lnT>
+                      <a:noFill/>
+                    </a:lnT>
+                    <a:lnB>
+                      <a:noFill/>
+                    </a:lnB>
+                    <a:noFill/>
+                  </a:tcPr>
+                </a:tc>
+                <a:tc>
+                  <a:txBody>
+                    <a:bodyPr/>
+                    <a:lstStyle/>
+                    <a:p>
+                      <a:pPr algn="l" fontAlgn="ctr">
+                        <a:buNone/>
+                      </a:pPr>
+                      <a:r>
+                        <a:rPr lang="en-US" sz="1900" b="0" i="0" u="none" strike="noStrike">
+                          <a:effectLst/>
+                          <a:latin typeface="Arial" panose="020B0604020202020204" pitchFamily="34" charset="0"/>
+                        </a:rPr>
+                        <a:t>0.86</a:t>
+                      </a:r>
+                    </a:p>
+                  </a:txBody>
+                  <a:tcPr marL="96304" marR="96304" marT="48152" marB="48152" anchor="ctr">
+                    <a:lnL>
+                      <a:noFill/>
+                    </a:lnL>
+                    <a:lnR>
+                      <a:noFill/>
+                    </a:lnR>
+                    <a:lnT>
+                      <a:noFill/>
+                    </a:lnT>
+                    <a:lnB>
+                      <a:noFill/>
+                    </a:lnB>
+                    <a:noFill/>
+                  </a:tcPr>
+                </a:tc>
+                <a:tc>
+                  <a:txBody>
+                    <a:bodyPr/>
+                    <a:lstStyle/>
+                    <a:p>
+                      <a:pPr algn="l" fontAlgn="ctr">
+                        <a:buNone/>
+                      </a:pPr>
+                      <a:r>
+                        <a:rPr lang="en-US" sz="1900" b="0" i="0" u="none" strike="noStrike">
+                          <a:effectLst/>
+                          <a:latin typeface="Arial" panose="020B0604020202020204" pitchFamily="34" charset="0"/>
+                        </a:rPr>
+                        <a:t>0.53</a:t>
+                      </a:r>
+                    </a:p>
+                  </a:txBody>
+                  <a:tcPr marL="96304" marR="96304" marT="48152" marB="48152" anchor="ctr">
+                    <a:lnL>
+                      <a:noFill/>
+                    </a:lnL>
+                    <a:lnR>
+                      <a:noFill/>
+                    </a:lnR>
+                    <a:lnT>
+                      <a:noFill/>
+                    </a:lnT>
+                    <a:lnB>
+                      <a:noFill/>
+                    </a:lnB>
+                    <a:noFill/>
+                  </a:tcPr>
+                </a:tc>
+                <a:tc>
+                  <a:txBody>
+                    <a:bodyPr/>
+                    <a:lstStyle/>
+                    <a:p>
+                      <a:pPr algn="l" fontAlgn="ctr">
+                        <a:buNone/>
+                      </a:pPr>
+                      <a:r>
+                        <a:rPr lang="en-US" sz="1900" b="0" i="0" u="none" strike="noStrike">
+                          <a:effectLst/>
+                          <a:latin typeface="Arial" panose="020B0604020202020204" pitchFamily="34" charset="0"/>
+                        </a:rPr>
+                        <a:t>0.25</a:t>
+                      </a:r>
+                    </a:p>
+                  </a:txBody>
+                  <a:tcPr marL="96304" marR="96304" marT="48152" marB="48152" anchor="ctr">
+                    <a:lnL>
+                      <a:noFill/>
+                    </a:lnL>
+                    <a:lnR>
+                      <a:noFill/>
+                    </a:lnR>
+                    <a:lnT>
+                      <a:noFill/>
+                    </a:lnT>
+                    <a:lnB>
+                      <a:noFill/>
+                    </a:lnB>
+                    <a:noFill/>
+                  </a:tcPr>
+                </a:tc>
+                <a:tc>
+                  <a:txBody>
+                    <a:bodyPr/>
+                    <a:lstStyle/>
+                    <a:p>
+                      <a:pPr algn="l" fontAlgn="ctr">
+                        <a:buNone/>
+                      </a:pPr>
+                      <a:r>
+                        <a:rPr lang="en-US" sz="1900" b="0" i="0" u="none" strike="noStrike">
+                          <a:effectLst/>
+                          <a:latin typeface="Arial" panose="020B0604020202020204" pitchFamily="34" charset="0"/>
+                        </a:rPr>
+                        <a:t>0.34</a:t>
+                      </a:r>
+                    </a:p>
+                  </a:txBody>
+                  <a:tcPr marL="96304" marR="96304" marT="48152" marB="48152" anchor="ctr">
+                    <a:lnL>
+                      <a:noFill/>
+                    </a:lnL>
+                    <a:lnR>
+                      <a:noFill/>
+                    </a:lnR>
+                    <a:lnT>
+                      <a:noFill/>
+                    </a:lnT>
+                    <a:lnB>
+                      <a:noFill/>
+                    </a:lnB>
+                    <a:noFill/>
+                  </a:tcPr>
+                </a:tc>
+                <a:extLst>
+                  <a:ext uri="{0D108BD9-81ED-4DB2-BD59-A6C34878D82A}">
+                    <a16:rowId xmlns:a16="http://schemas.microsoft.com/office/drawing/2014/main" val="1817513215"/>
+                  </a:ext>
+                </a:extLst>
+              </a:tr>
+              <a:tr h="712648">
+                <a:tc>
+                  <a:txBody>
+                    <a:bodyPr/>
+                    <a:lstStyle/>
+                    <a:p>
+                      <a:pPr algn="l" fontAlgn="ctr">
+                        <a:buNone/>
+                      </a:pPr>
+                      <a:r>
+                        <a:rPr lang="en-US" sz="1900" b="0" i="0" u="none" strike="noStrike">
+                          <a:effectLst/>
+                          <a:latin typeface="Arial" panose="020B0604020202020204" pitchFamily="34" charset="0"/>
+                        </a:rPr>
+                        <a:t>Decision Tree</a:t>
+                      </a:r>
+                    </a:p>
+                  </a:txBody>
+                  <a:tcPr marL="96304" marR="96304" marT="48152" marB="48152" anchor="ctr">
+                    <a:lnL>
+                      <a:noFill/>
+                    </a:lnL>
+                    <a:lnR>
+                      <a:noFill/>
+                    </a:lnR>
+                    <a:lnT>
+                      <a:noFill/>
+                    </a:lnT>
+                    <a:lnB>
+                      <a:noFill/>
+                    </a:lnB>
+                    <a:noFill/>
+                  </a:tcPr>
+                </a:tc>
+                <a:tc>
+                  <a:txBody>
+                    <a:bodyPr/>
+                    <a:lstStyle/>
+                    <a:p>
+                      <a:pPr algn="l" fontAlgn="ctr">
+                        <a:buNone/>
+                      </a:pPr>
+                      <a:r>
+                        <a:rPr lang="en-US" sz="1900" b="0" i="0" u="none" strike="noStrike">
+                          <a:effectLst/>
+                          <a:latin typeface="Arial" panose="020B0604020202020204" pitchFamily="34" charset="0"/>
+                        </a:rPr>
+                        <a:t>0.91</a:t>
+                      </a:r>
+                    </a:p>
+                  </a:txBody>
+                  <a:tcPr marL="96304" marR="96304" marT="48152" marB="48152" anchor="ctr">
+                    <a:lnL>
+                      <a:noFill/>
+                    </a:lnL>
+                    <a:lnR>
+                      <a:noFill/>
+                    </a:lnR>
+                    <a:lnT>
+                      <a:noFill/>
+                    </a:lnT>
+                    <a:lnB>
+                      <a:noFill/>
+                    </a:lnB>
+                    <a:noFill/>
+                  </a:tcPr>
+                </a:tc>
+                <a:tc>
+                  <a:txBody>
+                    <a:bodyPr/>
+                    <a:lstStyle/>
+                    <a:p>
+                      <a:pPr algn="l" fontAlgn="ctr">
+                        <a:buNone/>
+                      </a:pPr>
+                      <a:r>
+                        <a:rPr lang="en-US" sz="1900" b="0" i="0" u="none" strike="noStrike">
+                          <a:effectLst/>
+                          <a:latin typeface="Arial" panose="020B0604020202020204" pitchFamily="34" charset="0"/>
+                        </a:rPr>
+                        <a:t>0.69</a:t>
+                      </a:r>
+                    </a:p>
+                  </a:txBody>
+                  <a:tcPr marL="96304" marR="96304" marT="48152" marB="48152" anchor="ctr">
+                    <a:lnL>
+                      <a:noFill/>
+                    </a:lnL>
+                    <a:lnR>
+                      <a:noFill/>
+                    </a:lnR>
+                    <a:lnT>
+                      <a:noFill/>
+                    </a:lnT>
+                    <a:lnB>
+                      <a:noFill/>
+                    </a:lnB>
+                    <a:noFill/>
+                  </a:tcPr>
+                </a:tc>
+                <a:tc>
+                  <a:txBody>
+                    <a:bodyPr/>
+                    <a:lstStyle/>
+                    <a:p>
+                      <a:pPr algn="l" fontAlgn="ctr">
+                        <a:buNone/>
+                      </a:pPr>
+                      <a:r>
+                        <a:rPr lang="en-US" sz="1900" b="0" i="0" u="none" strike="noStrike">
+                          <a:effectLst/>
+                          <a:latin typeface="Arial" panose="020B0604020202020204" pitchFamily="34" charset="0"/>
+                        </a:rPr>
+                        <a:t>0.63</a:t>
+                      </a:r>
+                    </a:p>
+                  </a:txBody>
+                  <a:tcPr marL="96304" marR="96304" marT="48152" marB="48152" anchor="ctr">
+                    <a:lnL>
+                      <a:noFill/>
+                    </a:lnL>
+                    <a:lnR>
+                      <a:noFill/>
+                    </a:lnR>
+                    <a:lnT>
+                      <a:noFill/>
+                    </a:lnT>
+                    <a:lnB>
+                      <a:noFill/>
+                    </a:lnB>
+                    <a:noFill/>
+                  </a:tcPr>
+                </a:tc>
+                <a:tc>
+                  <a:txBody>
+                    <a:bodyPr/>
+                    <a:lstStyle/>
+                    <a:p>
+                      <a:pPr algn="l" fontAlgn="ctr">
+                        <a:buNone/>
+                      </a:pPr>
+                      <a:r>
+                        <a:rPr lang="en-US" sz="1900" b="0" i="0" u="none" strike="noStrike">
+                          <a:effectLst/>
+                          <a:latin typeface="Arial" panose="020B0604020202020204" pitchFamily="34" charset="0"/>
+                        </a:rPr>
+                        <a:t>0.66</a:t>
+                      </a:r>
+                    </a:p>
+                  </a:txBody>
+                  <a:tcPr marL="96304" marR="96304" marT="48152" marB="48152" anchor="ctr">
+                    <a:lnL>
+                      <a:noFill/>
+                    </a:lnL>
+                    <a:lnR>
+                      <a:noFill/>
+                    </a:lnR>
+                    <a:lnT>
+                      <a:noFill/>
+                    </a:lnT>
+                    <a:lnB>
+                      <a:noFill/>
+                    </a:lnB>
+                    <a:noFill/>
+                  </a:tcPr>
+                </a:tc>
+                <a:extLst>
+                  <a:ext uri="{0D108BD9-81ED-4DB2-BD59-A6C34878D82A}">
+                    <a16:rowId xmlns:a16="http://schemas.microsoft.com/office/drawing/2014/main" val="3671126113"/>
+                  </a:ext>
+                </a:extLst>
+              </a:tr>
+              <a:tr h="712648">
+                <a:tc>
+                  <a:txBody>
+                    <a:bodyPr/>
+                    <a:lstStyle/>
+                    <a:p>
+                      <a:pPr algn="l" fontAlgn="ctr">
+                        <a:buNone/>
+                      </a:pPr>
+                      <a:r>
+                        <a:rPr lang="en-US" sz="1900" b="0" i="0" u="none" strike="noStrike">
+                          <a:effectLst/>
+                          <a:latin typeface="Arial" panose="020B0604020202020204" pitchFamily="34" charset="0"/>
+                        </a:rPr>
+                        <a:t>Random Forest</a:t>
+                      </a:r>
+                    </a:p>
+                  </a:txBody>
+                  <a:tcPr marL="96304" marR="96304" marT="48152" marB="48152" anchor="ctr">
+                    <a:lnL>
+                      <a:noFill/>
+                    </a:lnL>
+                    <a:lnR>
+                      <a:noFill/>
+                    </a:lnR>
+                    <a:lnT>
+                      <a:noFill/>
+                    </a:lnT>
+                    <a:lnB>
+                      <a:noFill/>
+                    </a:lnB>
+                    <a:noFill/>
+                  </a:tcPr>
+                </a:tc>
+                <a:tc>
+                  <a:txBody>
+                    <a:bodyPr/>
+                    <a:lstStyle/>
+                    <a:p>
+                      <a:pPr algn="l" fontAlgn="ctr">
+                        <a:buNone/>
+                      </a:pPr>
+                      <a:r>
+                        <a:rPr lang="en-US" sz="1900" b="0" i="0" u="none" strike="noStrike">
+                          <a:effectLst/>
+                          <a:latin typeface="Arial" panose="020B0604020202020204" pitchFamily="34" charset="0"/>
+                        </a:rPr>
+                        <a:t>0.94</a:t>
+                      </a:r>
+                    </a:p>
+                  </a:txBody>
+                  <a:tcPr marL="96304" marR="96304" marT="48152" marB="48152" anchor="ctr">
+                    <a:lnL>
+                      <a:noFill/>
+                    </a:lnL>
+                    <a:lnR>
+                      <a:noFill/>
+                    </a:lnR>
+                    <a:lnT>
+                      <a:noFill/>
+                    </a:lnT>
+                    <a:lnB>
+                      <a:noFill/>
+                    </a:lnB>
+                    <a:noFill/>
+                  </a:tcPr>
+                </a:tc>
+                <a:tc>
+                  <a:txBody>
+                    <a:bodyPr/>
+                    <a:lstStyle/>
+                    <a:p>
+                      <a:pPr algn="l" fontAlgn="ctr">
+                        <a:buNone/>
+                      </a:pPr>
+                      <a:r>
+                        <a:rPr lang="en-US" sz="1900" b="1" i="0" u="none" strike="noStrike">
+                          <a:effectLst/>
+                          <a:latin typeface="Arial" panose="020B0604020202020204" pitchFamily="34" charset="0"/>
+                        </a:rPr>
+                        <a:t>0.90</a:t>
+                      </a:r>
+                      <a:endParaRPr lang="en-US" sz="1900" b="0" i="0" u="none" strike="noStrike">
+                        <a:effectLst/>
+                        <a:latin typeface="Arial" panose="020B0604020202020204" pitchFamily="34" charset="0"/>
+                      </a:endParaRPr>
+                    </a:p>
+                  </a:txBody>
+                  <a:tcPr marL="96304" marR="96304" marT="48152" marB="48152" anchor="ctr">
+                    <a:lnL>
+                      <a:noFill/>
+                    </a:lnL>
+                    <a:lnR>
+                      <a:noFill/>
+                    </a:lnR>
+                    <a:lnT>
+                      <a:noFill/>
+                    </a:lnT>
+                    <a:lnB>
+                      <a:noFill/>
+                    </a:lnB>
+                    <a:noFill/>
+                  </a:tcPr>
+                </a:tc>
+                <a:tc>
+                  <a:txBody>
+                    <a:bodyPr/>
+                    <a:lstStyle/>
+                    <a:p>
+                      <a:pPr algn="l" fontAlgn="ctr">
+                        <a:buNone/>
+                      </a:pPr>
+                      <a:r>
+                        <a:rPr lang="en-US" sz="1900" b="0" i="0" u="none" strike="noStrike">
+                          <a:effectLst/>
+                          <a:latin typeface="Arial" panose="020B0604020202020204" pitchFamily="34" charset="0"/>
+                        </a:rPr>
+                        <a:t>0.68</a:t>
+                      </a:r>
+                    </a:p>
+                  </a:txBody>
+                  <a:tcPr marL="96304" marR="96304" marT="48152" marB="48152" anchor="ctr">
+                    <a:lnL>
+                      <a:noFill/>
+                    </a:lnL>
+                    <a:lnR>
+                      <a:noFill/>
+                    </a:lnR>
+                    <a:lnT>
+                      <a:noFill/>
+                    </a:lnT>
+                    <a:lnB>
+                      <a:noFill/>
+                    </a:lnB>
+                    <a:noFill/>
+                  </a:tcPr>
+                </a:tc>
+                <a:tc>
+                  <a:txBody>
+                    <a:bodyPr/>
+                    <a:lstStyle/>
+                    <a:p>
+                      <a:pPr algn="l" fontAlgn="ctr">
+                        <a:buNone/>
+                      </a:pPr>
+                      <a:r>
+                        <a:rPr lang="en-US" sz="1900" b="1" i="0" u="none" strike="noStrike">
+                          <a:effectLst/>
+                          <a:latin typeface="Arial" panose="020B0604020202020204" pitchFamily="34" charset="0"/>
+                        </a:rPr>
+                        <a:t>0.78</a:t>
+                      </a:r>
+                      <a:endParaRPr lang="en-US" sz="1900" b="0" i="0" u="none" strike="noStrike">
+                        <a:effectLst/>
+                        <a:latin typeface="Arial" panose="020B0604020202020204" pitchFamily="34" charset="0"/>
+                      </a:endParaRPr>
+                    </a:p>
+                  </a:txBody>
+                  <a:tcPr marL="96304" marR="96304" marT="48152" marB="48152" anchor="ctr">
+                    <a:lnL>
+                      <a:noFill/>
+                    </a:lnL>
+                    <a:lnR>
+                      <a:noFill/>
+                    </a:lnR>
+                    <a:lnT>
+                      <a:noFill/>
+                    </a:lnT>
+                    <a:lnB>
+                      <a:noFill/>
+                    </a:lnB>
+                    <a:noFill/>
+                  </a:tcPr>
+                </a:tc>
+                <a:extLst>
+                  <a:ext uri="{0D108BD9-81ED-4DB2-BD59-A6C34878D82A}">
+                    <a16:rowId xmlns:a16="http://schemas.microsoft.com/office/drawing/2014/main" val="1986028467"/>
+                  </a:ext>
+                </a:extLst>
+              </a:tr>
+              <a:tr h="712648">
+                <a:tc>
+                  <a:txBody>
+                    <a:bodyPr/>
+                    <a:lstStyle/>
+                    <a:p>
+                      <a:pPr algn="l" fontAlgn="ctr">
+                        <a:buNone/>
+                      </a:pPr>
+                      <a:r>
+                        <a:rPr lang="en-US" sz="1900" b="0" i="0" u="none" strike="noStrike">
+                          <a:effectLst/>
+                          <a:latin typeface="Arial" panose="020B0604020202020204" pitchFamily="34" charset="0"/>
+                        </a:rPr>
+                        <a:t>Gradient Boosting</a:t>
+                      </a:r>
+                    </a:p>
+                  </a:txBody>
+                  <a:tcPr marL="96304" marR="96304" marT="48152" marB="48152" anchor="ctr">
+                    <a:lnL>
+                      <a:noFill/>
+                    </a:lnL>
+                    <a:lnR>
+                      <a:noFill/>
+                    </a:lnR>
+                    <a:lnT>
+                      <a:noFill/>
+                    </a:lnT>
+                    <a:lnB>
+                      <a:noFill/>
+                    </a:lnB>
+                    <a:noFill/>
+                  </a:tcPr>
+                </a:tc>
+                <a:tc>
+                  <a:txBody>
+                    <a:bodyPr/>
+                    <a:lstStyle/>
+                    <a:p>
+                      <a:pPr algn="l" fontAlgn="ctr">
+                        <a:buNone/>
+                      </a:pPr>
+                      <a:r>
+                        <a:rPr lang="en-US" sz="1900" b="0" i="0" u="none" strike="noStrike">
+                          <a:effectLst/>
+                          <a:latin typeface="Arial" panose="020B0604020202020204" pitchFamily="34" charset="0"/>
+                        </a:rPr>
+                        <a:t>0.94</a:t>
+                      </a:r>
+                    </a:p>
+                  </a:txBody>
+                  <a:tcPr marL="96304" marR="96304" marT="48152" marB="48152" anchor="ctr">
+                    <a:lnL>
+                      <a:noFill/>
+                    </a:lnL>
+                    <a:lnR>
+                      <a:noFill/>
+                    </a:lnR>
+                    <a:lnT>
+                      <a:noFill/>
+                    </a:lnT>
+                    <a:lnB>
+                      <a:noFill/>
+                    </a:lnB>
+                    <a:noFill/>
+                  </a:tcPr>
+                </a:tc>
+                <a:tc>
+                  <a:txBody>
+                    <a:bodyPr/>
+                    <a:lstStyle/>
+                    <a:p>
+                      <a:pPr algn="l" fontAlgn="ctr">
+                        <a:buNone/>
+                      </a:pPr>
+                      <a:r>
+                        <a:rPr lang="en-US" sz="1900" b="0" i="0" u="none" strike="noStrike">
+                          <a:effectLst/>
+                          <a:latin typeface="Arial" panose="020B0604020202020204" pitchFamily="34" charset="0"/>
+                        </a:rPr>
+                        <a:t>0.83</a:t>
+                      </a:r>
+                    </a:p>
+                  </a:txBody>
+                  <a:tcPr marL="96304" marR="96304" marT="48152" marB="48152" anchor="ctr">
+                    <a:lnL>
+                      <a:noFill/>
+                    </a:lnL>
+                    <a:lnR>
+                      <a:noFill/>
+                    </a:lnR>
+                    <a:lnT>
+                      <a:noFill/>
+                    </a:lnT>
+                    <a:lnB>
+                      <a:noFill/>
+                    </a:lnB>
+                    <a:noFill/>
+                  </a:tcPr>
+                </a:tc>
+                <a:tc>
+                  <a:txBody>
+                    <a:bodyPr/>
+                    <a:lstStyle/>
+                    <a:p>
+                      <a:pPr algn="l" fontAlgn="ctr">
+                        <a:buNone/>
+                      </a:pPr>
+                      <a:r>
+                        <a:rPr lang="en-US" sz="1900" b="1" i="0" u="none" strike="noStrike">
+                          <a:effectLst/>
+                          <a:latin typeface="Arial" panose="020B0604020202020204" pitchFamily="34" charset="0"/>
+                        </a:rPr>
+                        <a:t>0.71</a:t>
+                      </a:r>
+                      <a:endParaRPr lang="en-US" sz="1900" b="0" i="0" u="none" strike="noStrike">
+                        <a:effectLst/>
+                        <a:latin typeface="Arial" panose="020B0604020202020204" pitchFamily="34" charset="0"/>
+                      </a:endParaRPr>
+                    </a:p>
+                  </a:txBody>
+                  <a:tcPr marL="96304" marR="96304" marT="48152" marB="48152" anchor="ctr">
+                    <a:lnL>
+                      <a:noFill/>
+                    </a:lnL>
+                    <a:lnR>
+                      <a:noFill/>
+                    </a:lnR>
+                    <a:lnT>
+                      <a:noFill/>
+                    </a:lnT>
+                    <a:lnB>
+                      <a:noFill/>
+                    </a:lnB>
+                    <a:noFill/>
+                  </a:tcPr>
+                </a:tc>
+                <a:tc>
+                  <a:txBody>
+                    <a:bodyPr/>
+                    <a:lstStyle/>
+                    <a:p>
+                      <a:pPr algn="l" fontAlgn="ctr">
+                        <a:buNone/>
+                      </a:pPr>
+                      <a:r>
+                        <a:rPr lang="en-US" sz="1900" b="0" i="0" u="none" strike="noStrike" dirty="0">
+                          <a:effectLst/>
+                          <a:latin typeface="Arial" panose="020B0604020202020204" pitchFamily="34" charset="0"/>
+                        </a:rPr>
+                        <a:t>0.77</a:t>
+                      </a:r>
+                    </a:p>
+                  </a:txBody>
+                  <a:tcPr marL="96304" marR="96304" marT="48152" marB="48152" anchor="ctr">
+                    <a:lnL>
+                      <a:noFill/>
+                    </a:lnL>
+                    <a:lnR>
+                      <a:noFill/>
+                    </a:lnR>
+                    <a:lnT>
+                      <a:noFill/>
+                    </a:lnT>
+                    <a:lnB>
+                      <a:noFill/>
+                    </a:lnB>
+                    <a:noFill/>
+                  </a:tcPr>
+                </a:tc>
+                <a:extLst>
+                  <a:ext uri="{0D108BD9-81ED-4DB2-BD59-A6C34878D82A}">
+                    <a16:rowId xmlns:a16="http://schemas.microsoft.com/office/drawing/2014/main" val="1095726214"/>
+                  </a:ext>
+                </a:extLst>
+              </a:tr>
+            </a:tbl>
+          </a:graphicData>
+        </a:graphic>
+      </p:graphicFrame>
+    </p:spTree>
+    <p:extLst>
+      <p:ext uri="{BB962C8B-B14F-4D97-AF65-F5344CB8AC3E}">
+        <p14:creationId xmlns:p14="http://schemas.microsoft.com/office/powerpoint/2010/main" val="1924455760"/>
+      </p:ext>
+    </p:extLst>
+  </p:cSld>
+  <p:clrMapOvr>
+    <a:masterClrMapping/>
+  </p:clrMapOvr>
+</p:sld>
+</file>
+
+<file path=ppt/slides/slide21.xml><?xml version="1.0" encoding="utf-8"?>
+<p:sld xmlns:a="http://schemas.openxmlformats.org/drawingml/2006/main" xmlns:r="http://schemas.openxmlformats.org/officeDocument/2006/relationships" xmlns:p="http://schemas.openxmlformats.org/presentationml/2006/main">
+  <p:cSld>
+    <p:bg>
+      <p:bgPr>
+        <a:solidFill>
+          <a:schemeClr val="bg1"/>
+        </a:solidFill>
+        <a:effectLst/>
+      </p:bgPr>
+    </p:bg>
+    <p:spTree>
+      <p:nvGrpSpPr>
+        <p:cNvPr id="1" name=""/>
+        <p:cNvGrpSpPr/>
+        <p:nvPr/>
+      </p:nvGrpSpPr>
+      <p:grpSpPr>
+        <a:xfrm>
+          <a:off x="0" y="0"/>
+          <a:ext cx="0" cy="0"/>
+          <a:chOff x="0" y="0"/>
+          <a:chExt cx="0" cy="0"/>
+        </a:xfrm>
+      </p:grpSpPr>
+      <p:sp useBgFill="1">
+        <p:nvSpPr>
+          <p:cNvPr id="9" name="Rectangle 8">
+            <a:extLst>
+              <a:ext uri="{FF2B5EF4-FFF2-40B4-BE49-F238E27FC236}">
+                <a16:creationId xmlns:a16="http://schemas.microsoft.com/office/drawing/2014/main" id="{C05CBC3C-2E5A-4839-8B9B-2E5A6ADF0F58}"/>
+              </a:ext>
+              <a:ext uri="{C183D7F6-B498-43B3-948B-1728B52AA6E4}">
+                <adec:decorative xmlns:adec="http://schemas.microsoft.com/office/drawing/2017/decorative" val="1"/>
+              </a:ext>
+            </a:extLst>
+          </p:cNvPr>
+          <p:cNvSpPr>
+            <a:spLocks noGrp="1" noRot="1" noChangeAspect="1" noMove="1" noResize="1" noEditPoints="1" noAdjustHandles="1" noChangeArrowheads="1" noChangeShapeType="1" noTextEdit="1"/>
+          </p:cNvSpPr>
+          <p:nvPr>
+            <p:extLst>
+              <p:ext uri="{386F3935-93C4-4BCD-93E2-E3B085C9AB24}">
+                <p16:designElem xmlns:p16="http://schemas.microsoft.com/office/powerpoint/2015/main" val="1"/>
+              </p:ext>
+            </p:extLst>
+          </p:nvPr>
+        </p:nvSpPr>
+        <p:spPr>
+          <a:xfrm>
+            <a:off x="0" y="0"/>
+            <a:ext cx="9141714" cy="6858000"/>
+          </a:xfrm>
+          <a:prstGeom prst="rect">
+            <a:avLst/>
+          </a:prstGeom>
+          <a:ln>
+            <a:noFill/>
+          </a:ln>
+        </p:spPr>
+        <p:style>
+          <a:lnRef idx="2">
+            <a:schemeClr val="accent1">
+              <a:shade val="50000"/>
+            </a:schemeClr>
+          </a:lnRef>
+          <a:fillRef idx="1">
+            <a:schemeClr val="accent1"/>
+          </a:fillRef>
+          <a:effectRef idx="0">
+            <a:schemeClr val="accent1"/>
+          </a:effectRef>
+          <a:fontRef idx="minor">
+            <a:schemeClr val="lt1"/>
+          </a:fontRef>
+        </p:style>
+        <p:txBody>
+          <a:bodyPr rtlCol="0" anchor="ctr"/>
+          <a:lstStyle/>
+          <a:p>
+            <a:pPr algn="ctr"/>
+            <a:endParaRPr lang="en-US"/>
+          </a:p>
+        </p:txBody>
+      </p:sp>
+      <p:sp>
+        <p:nvSpPr>
+          <p:cNvPr id="20" name="Freeform: Shape 19">
+            <a:extLst>
+              <a:ext uri="{FF2B5EF4-FFF2-40B4-BE49-F238E27FC236}">
+                <a16:creationId xmlns:a16="http://schemas.microsoft.com/office/drawing/2014/main" id="{827FF362-FC97-4BF5-949B-D4ADFA26E457}"/>
+              </a:ext>
+              <a:ext uri="{C183D7F6-B498-43B3-948B-1728B52AA6E4}">
+                <adec:decorative xmlns:adec="http://schemas.microsoft.com/office/drawing/2017/decorative" val="1"/>
+              </a:ext>
+            </a:extLst>
+          </p:cNvPr>
+          <p:cNvSpPr>
+            <a:spLocks noGrp="1" noRot="1" noChangeAspect="1" noMove="1" noResize="1" noEditPoints="1" noAdjustHandles="1" noChangeArrowheads="1" noChangeShapeType="1" noTextEdit="1"/>
+          </p:cNvSpPr>
+          <p:nvPr>
+            <p:extLst>
+              <p:ext uri="{386F3935-93C4-4BCD-93E2-E3B085C9AB24}">
+                <p16:designElem xmlns:p16="http://schemas.microsoft.com/office/powerpoint/2015/main" val="1"/>
+              </p:ext>
+            </p:extLst>
+          </p:nvPr>
+        </p:nvSpPr>
+        <p:spPr>
+          <a:xfrm rot="8888549">
+            <a:off x="-794604" y="-1108988"/>
+            <a:ext cx="5384871" cy="5226565"/>
+          </a:xfrm>
+          <a:custGeom>
+            <a:avLst/>
+            <a:gdLst>
+              <a:gd name="connsiteX0" fmla="*/ 5217841 w 7179830"/>
+              <a:gd name="connsiteY0" fmla="*/ 464824 h 5226565"/>
+              <a:gd name="connsiteX1" fmla="*/ 5222490 w 7179830"/>
+              <a:gd name="connsiteY1" fmla="*/ 464289 h 5226565"/>
+              <a:gd name="connsiteX2" fmla="*/ 5216768 w 7179830"/>
+              <a:gd name="connsiteY2" fmla="*/ 463394 h 5226565"/>
+              <a:gd name="connsiteX3" fmla="*/ 5217841 w 7179830"/>
+              <a:gd name="connsiteY3" fmla="*/ 464824 h 5226565"/>
+              <a:gd name="connsiteX4" fmla="*/ 4945201 w 7179830"/>
+              <a:gd name="connsiteY4" fmla="*/ 5226565 h 5226565"/>
+              <a:gd name="connsiteX5" fmla="*/ 140449 w 7179830"/>
+              <a:gd name="connsiteY5" fmla="*/ 2240811 h 5226565"/>
+              <a:gd name="connsiteX6" fmla="*/ 232913 w 7179830"/>
+              <a:gd name="connsiteY6" fmla="*/ 2052782 h 5226565"/>
+              <a:gd name="connsiteX7" fmla="*/ 375714 w 7179830"/>
+              <a:gd name="connsiteY7" fmla="*/ 1803205 h 5226565"/>
+              <a:gd name="connsiteX8" fmla="*/ 1512756 w 7179830"/>
+              <a:gd name="connsiteY8" fmla="*/ 638448 h 5226565"/>
+              <a:gd name="connsiteX9" fmla="*/ 2902095 w 7179830"/>
+              <a:gd name="connsiteY9" fmla="*/ 120440 h 5226565"/>
+              <a:gd name="connsiteX10" fmla="*/ 2848453 w 7179830"/>
+              <a:gd name="connsiteY10" fmla="*/ 125626 h 5226565"/>
+              <a:gd name="connsiteX11" fmla="*/ 1837830 w 7179830"/>
+              <a:gd name="connsiteY11" fmla="*/ 426203 h 5226565"/>
+              <a:gd name="connsiteX12" fmla="*/ 214608 w 7179830"/>
+              <a:gd name="connsiteY12" fmla="*/ 1882239 h 5226565"/>
+              <a:gd name="connsiteX13" fmla="*/ 91317 w 7179830"/>
+              <a:gd name="connsiteY13" fmla="*/ 2123701 h 5226565"/>
+              <a:gd name="connsiteX14" fmla="*/ 64092 w 7179830"/>
+              <a:gd name="connsiteY14" fmla="*/ 2193361 h 5226565"/>
+              <a:gd name="connsiteX15" fmla="*/ 0 w 7179830"/>
+              <a:gd name="connsiteY15" fmla="*/ 2153533 h 5226565"/>
+              <a:gd name="connsiteX16" fmla="*/ 42834 w 7179830"/>
+              <a:gd name="connsiteY16" fmla="*/ 2047277 h 5226565"/>
+              <a:gd name="connsiteX17" fmla="*/ 923582 w 7179830"/>
+              <a:gd name="connsiteY17" fmla="*/ 915600 h 5226565"/>
+              <a:gd name="connsiteX18" fmla="*/ 2686989 w 7179830"/>
+              <a:gd name="connsiteY18" fmla="*/ 73950 h 5226565"/>
+              <a:gd name="connsiteX19" fmla="*/ 3059983 w 7179830"/>
+              <a:gd name="connsiteY19" fmla="*/ 20308 h 5226565"/>
+              <a:gd name="connsiteX20" fmla="*/ 3454435 w 7179830"/>
+              <a:gd name="connsiteY20" fmla="*/ 1176 h 5226565"/>
+              <a:gd name="connsiteX21" fmla="*/ 3923806 w 7179830"/>
+              <a:gd name="connsiteY21" fmla="*/ 49990 h 5226565"/>
+              <a:gd name="connsiteX22" fmla="*/ 5350874 w 7179830"/>
+              <a:gd name="connsiteY22" fmla="*/ 426917 h 5226565"/>
+              <a:gd name="connsiteX23" fmla="*/ 6607360 w 7179830"/>
+              <a:gd name="connsiteY23" fmla="*/ 1075097 h 5226565"/>
+              <a:gd name="connsiteX24" fmla="*/ 7110534 w 7179830"/>
+              <a:gd name="connsiteY24" fmla="*/ 1541421 h 5226565"/>
+              <a:gd name="connsiteX25" fmla="*/ 7179830 w 7179830"/>
+              <a:gd name="connsiteY25" fmla="*/ 1630542 h 5226565"/>
+              <a:gd name="connsiteX26" fmla="*/ 7136295 w 7179830"/>
+              <a:gd name="connsiteY26" fmla="*/ 1700600 h 5226565"/>
+              <a:gd name="connsiteX27" fmla="*/ 7131140 w 7179830"/>
+              <a:gd name="connsiteY27" fmla="*/ 1693045 h 5226565"/>
+              <a:gd name="connsiteX28" fmla="*/ 6577499 w 7179830"/>
+              <a:gd name="connsiteY28" fmla="*/ 1148230 h 5226565"/>
+              <a:gd name="connsiteX29" fmla="*/ 5494816 w 7179830"/>
+              <a:gd name="connsiteY29" fmla="*/ 563527 h 5226565"/>
+              <a:gd name="connsiteX30" fmla="*/ 5366967 w 7179830"/>
+              <a:gd name="connsiteY30" fmla="*/ 514176 h 5226565"/>
+              <a:gd name="connsiteX31" fmla="*/ 5244661 w 7179830"/>
+              <a:gd name="connsiteY31" fmla="*/ 470725 h 5226565"/>
+              <a:gd name="connsiteX32" fmla="*/ 5904822 w 7179830"/>
+              <a:gd name="connsiteY32" fmla="*/ 815468 h 5226565"/>
+              <a:gd name="connsiteX33" fmla="*/ 7015222 w 7179830"/>
+              <a:gd name="connsiteY33" fmla="*/ 1815185 h 5226565"/>
+              <a:gd name="connsiteX34" fmla="*/ 7040454 w 7179830"/>
+              <a:gd name="connsiteY34" fmla="*/ 1854830 h 5226565"/>
+            </a:gdLst>
+            <a:ahLst/>
+            <a:cxnLst>
+              <a:cxn ang="0">
+                <a:pos x="connsiteX0" y="connsiteY0"/>
+              </a:cxn>
+              <a:cxn ang="0">
+                <a:pos x="connsiteX1" y="connsiteY1"/>
+              </a:cxn>
+              <a:cxn ang="0">
+                <a:pos x="connsiteX2" y="connsiteY2"/>
+              </a:cxn>
+              <a:cxn ang="0">
+                <a:pos x="connsiteX3" y="connsiteY3"/>
+              </a:cxn>
+              <a:cxn ang="0">
+                <a:pos x="connsiteX4" y="connsiteY4"/>
+              </a:cxn>
+              <a:cxn ang="0">
+                <a:pos x="connsiteX5" y="connsiteY5"/>
+              </a:cxn>
+              <a:cxn ang="0">
+                <a:pos x="connsiteX6" y="connsiteY6"/>
+              </a:cxn>
+              <a:cxn ang="0">
+                <a:pos x="connsiteX7" y="connsiteY7"/>
+              </a:cxn>
+              <a:cxn ang="0">
+                <a:pos x="connsiteX8" y="connsiteY8"/>
+              </a:cxn>
+              <a:cxn ang="0">
+                <a:pos x="connsiteX9" y="connsiteY9"/>
+              </a:cxn>
+              <a:cxn ang="0">
+                <a:pos x="connsiteX10" y="connsiteY10"/>
+              </a:cxn>
+              <a:cxn ang="0">
+                <a:pos x="connsiteX11" y="connsiteY11"/>
+              </a:cxn>
+              <a:cxn ang="0">
+                <a:pos x="connsiteX12" y="connsiteY12"/>
+              </a:cxn>
+              <a:cxn ang="0">
+                <a:pos x="connsiteX13" y="connsiteY13"/>
+              </a:cxn>
+              <a:cxn ang="0">
+                <a:pos x="connsiteX14" y="connsiteY14"/>
+              </a:cxn>
+              <a:cxn ang="0">
+                <a:pos x="connsiteX15" y="connsiteY15"/>
+              </a:cxn>
+              <a:cxn ang="0">
+                <a:pos x="connsiteX16" y="connsiteY16"/>
+              </a:cxn>
+              <a:cxn ang="0">
+                <a:pos x="connsiteX17" y="connsiteY17"/>
+              </a:cxn>
+              <a:cxn ang="0">
+                <a:pos x="connsiteX18" y="connsiteY18"/>
+              </a:cxn>
+              <a:cxn ang="0">
+                <a:pos x="connsiteX19" y="connsiteY19"/>
+              </a:cxn>
+              <a:cxn ang="0">
+                <a:pos x="connsiteX20" y="connsiteY20"/>
+              </a:cxn>
+              <a:cxn ang="0">
+                <a:pos x="connsiteX21" y="connsiteY21"/>
+              </a:cxn>
+              <a:cxn ang="0">
+                <a:pos x="connsiteX22" y="connsiteY22"/>
+              </a:cxn>
+              <a:cxn ang="0">
+                <a:pos x="connsiteX23" y="connsiteY23"/>
+              </a:cxn>
+              <a:cxn ang="0">
+                <a:pos x="connsiteX24" y="connsiteY24"/>
+              </a:cxn>
+              <a:cxn ang="0">
+                <a:pos x="connsiteX25" y="connsiteY25"/>
+              </a:cxn>
+              <a:cxn ang="0">
+                <a:pos x="connsiteX26" y="connsiteY26"/>
+              </a:cxn>
+              <a:cxn ang="0">
+                <a:pos x="connsiteX27" y="connsiteY27"/>
+              </a:cxn>
+              <a:cxn ang="0">
+                <a:pos x="connsiteX28" y="connsiteY28"/>
+              </a:cxn>
+              <a:cxn ang="0">
+                <a:pos x="connsiteX29" y="connsiteY29"/>
+              </a:cxn>
+              <a:cxn ang="0">
+                <a:pos x="connsiteX30" y="connsiteY30"/>
+              </a:cxn>
+              <a:cxn ang="0">
+                <a:pos x="connsiteX31" y="connsiteY31"/>
+              </a:cxn>
+              <a:cxn ang="0">
+                <a:pos x="connsiteX32" y="connsiteY32"/>
+              </a:cxn>
+              <a:cxn ang="0">
+                <a:pos x="connsiteX33" y="connsiteY33"/>
+              </a:cxn>
+              <a:cxn ang="0">
+                <a:pos x="connsiteX34" y="connsiteY34"/>
+              </a:cxn>
+            </a:cxnLst>
+            <a:rect l="l" t="t" r="r" b="b"/>
+            <a:pathLst>
+              <a:path w="7179830" h="5226565">
+                <a:moveTo>
+                  <a:pt x="5217841" y="464824"/>
+                </a:moveTo>
+                <a:lnTo>
+                  <a:pt x="5222490" y="464289"/>
+                </a:lnTo>
+                <a:lnTo>
+                  <a:pt x="5216768" y="463394"/>
+                </a:lnTo>
+                <a:cubicBezTo>
+                  <a:pt x="5216768" y="463394"/>
+                  <a:pt x="5216768" y="464646"/>
+                  <a:pt x="5217841" y="464824"/>
+                </a:cubicBezTo>
+                <a:close/>
+                <a:moveTo>
+                  <a:pt x="4945201" y="5226565"/>
+                </a:moveTo>
+                <a:lnTo>
+                  <a:pt x="140449" y="2240811"/>
+                </a:lnTo>
+                <a:lnTo>
+                  <a:pt x="232913" y="2052782"/>
+                </a:lnTo>
+                <a:cubicBezTo>
+                  <a:pt x="277693" y="1968290"/>
+                  <a:pt x="325201" y="1885054"/>
+                  <a:pt x="375714" y="1803205"/>
+                </a:cubicBezTo>
+                <a:cubicBezTo>
+                  <a:pt x="667528" y="1329721"/>
+                  <a:pt x="1039629" y="935091"/>
+                  <a:pt x="1512756" y="638448"/>
+                </a:cubicBezTo>
+                <a:cubicBezTo>
+                  <a:pt x="1939392" y="370950"/>
+                  <a:pt x="2405724" y="210560"/>
+                  <a:pt x="2902095" y="120440"/>
+                </a:cubicBezTo>
+                <a:cubicBezTo>
+                  <a:pt x="2884054" y="118134"/>
+                  <a:pt x="2865727" y="119904"/>
+                  <a:pt x="2848453" y="125626"/>
+                </a:cubicBezTo>
+                <a:cubicBezTo>
+                  <a:pt x="2498704" y="175943"/>
+                  <a:pt x="2158217" y="277201"/>
+                  <a:pt x="1837830" y="426203"/>
+                </a:cubicBezTo>
+                <a:cubicBezTo>
+                  <a:pt x="1147094" y="744660"/>
+                  <a:pt x="593502" y="1217071"/>
+                  <a:pt x="214608" y="1882239"/>
+                </a:cubicBezTo>
+                <a:cubicBezTo>
+                  <a:pt x="169441" y="1960776"/>
+                  <a:pt x="128308" y="2041369"/>
+                  <a:pt x="91317" y="2123701"/>
+                </a:cubicBezTo>
+                <a:lnTo>
+                  <a:pt x="64092" y="2193361"/>
+                </a:lnTo>
+                <a:lnTo>
+                  <a:pt x="0" y="2153533"/>
+                </a:lnTo>
+                <a:lnTo>
+                  <a:pt x="42834" y="2047277"/>
+                </a:lnTo>
+                <a:cubicBezTo>
+                  <a:pt x="241792" y="1615775"/>
+                  <a:pt x="541268" y="1241591"/>
+                  <a:pt x="923582" y="915600"/>
+                </a:cubicBezTo>
+                <a:cubicBezTo>
+                  <a:pt x="1435331" y="478415"/>
+                  <a:pt x="2028081" y="205375"/>
+                  <a:pt x="2686989" y="73950"/>
+                </a:cubicBezTo>
+                <a:cubicBezTo>
+                  <a:pt x="2810367" y="49274"/>
+                  <a:pt x="2934818" y="32466"/>
+                  <a:pt x="3059983" y="20308"/>
+                </a:cubicBezTo>
+                <a:cubicBezTo>
+                  <a:pt x="3185149" y="8148"/>
+                  <a:pt x="3308706" y="2963"/>
+                  <a:pt x="3454435" y="1176"/>
+                </a:cubicBezTo>
+                <a:cubicBezTo>
+                  <a:pt x="3599805" y="-5977"/>
+                  <a:pt x="3761985" y="20665"/>
+                  <a:pt x="3923806" y="49990"/>
+                </a:cubicBezTo>
+                <a:cubicBezTo>
+                  <a:pt x="4409449" y="137964"/>
+                  <a:pt x="4886867" y="257228"/>
+                  <a:pt x="5350874" y="426917"/>
+                </a:cubicBezTo>
+                <a:cubicBezTo>
+                  <a:pt x="5797001" y="589991"/>
+                  <a:pt x="6223101" y="792223"/>
+                  <a:pt x="6607360" y="1075097"/>
+                </a:cubicBezTo>
+                <a:cubicBezTo>
+                  <a:pt x="6794438" y="1212779"/>
+                  <a:pt x="6965102" y="1365689"/>
+                  <a:pt x="7110534" y="1541421"/>
+                </a:cubicBezTo>
+                <a:lnTo>
+                  <a:pt x="7179830" y="1630542"/>
+                </a:lnTo>
+                <a:lnTo>
+                  <a:pt x="7136295" y="1700600"/>
+                </a:lnTo>
+                <a:lnTo>
+                  <a:pt x="7131140" y="1693045"/>
+                </a:lnTo>
+                <a:cubicBezTo>
+                  <a:pt x="6977874" y="1483026"/>
+                  <a:pt x="6788448" y="1305671"/>
+                  <a:pt x="6577499" y="1148230"/>
+                </a:cubicBezTo>
+                <a:cubicBezTo>
+                  <a:pt x="6245452" y="900401"/>
+                  <a:pt x="5878538" y="716408"/>
+                  <a:pt x="5494816" y="563527"/>
+                </a:cubicBezTo>
+                <a:cubicBezTo>
+                  <a:pt x="5452491" y="546487"/>
+                  <a:pt x="5409881" y="530036"/>
+                  <a:pt x="5366967" y="514176"/>
+                </a:cubicBezTo>
+                <a:cubicBezTo>
+                  <a:pt x="5326377" y="499156"/>
+                  <a:pt x="5285430" y="485210"/>
+                  <a:pt x="5244661" y="470725"/>
+                </a:cubicBezTo>
+                <a:cubicBezTo>
+                  <a:pt x="5471517" y="572127"/>
+                  <a:pt x="5691970" y="687263"/>
+                  <a:pt x="5904822" y="815468"/>
+                </a:cubicBezTo>
+                <a:cubicBezTo>
+                  <a:pt x="6336645" y="1080104"/>
+                  <a:pt x="6718758" y="1400351"/>
+                  <a:pt x="7015222" y="1815185"/>
+                </a:cubicBezTo>
+                <a:lnTo>
+                  <a:pt x="7040454" y="1854830"/>
+                </a:lnTo>
+                <a:close/>
+              </a:path>
+            </a:pathLst>
+          </a:custGeom>
+          <a:solidFill>
+            <a:schemeClr val="accent2"/>
+          </a:solidFill>
+          <a:ln w="12700" cap="flat">
+            <a:noFill/>
+            <a:prstDash val="solid"/>
+            <a:miter/>
+          </a:ln>
+        </p:spPr>
+        <p:txBody>
+          <a:bodyPr wrap="square" rtlCol="0" anchor="ctr">
+            <a:noAutofit/>
+          </a:bodyPr>
+          <a:lstStyle/>
+          <a:p>
+            <a:endParaRPr lang="en-US"/>
+          </a:p>
+        </p:txBody>
+      </p:sp>
+      <p:sp>
+        <p:nvSpPr>
+          <p:cNvPr id="2" name="Title 1">
+            <a:extLst>
+              <a:ext uri="{FF2B5EF4-FFF2-40B4-BE49-F238E27FC236}">
+                <a16:creationId xmlns:a16="http://schemas.microsoft.com/office/drawing/2014/main" id="{3FA62233-282F-0A24-0659-AC84653A8C7F}"/>
+              </a:ext>
+            </a:extLst>
+          </p:cNvPr>
+          <p:cNvSpPr>
+            <a:spLocks noGrp="1"/>
+          </p:cNvSpPr>
+          <p:nvPr>
+            <p:ph type="title"/>
+          </p:nvPr>
+        </p:nvSpPr>
+        <p:spPr>
+          <a:xfrm>
+            <a:off x="630934" y="673770"/>
+            <a:ext cx="2733367" cy="2414488"/>
+          </a:xfrm>
+        </p:spPr>
+        <p:txBody>
+          <a:bodyPr anchor="t">
+            <a:normAutofit fontScale="90000"/>
+          </a:bodyPr>
+          <a:lstStyle/>
+          <a:p>
+            <a:r>
+              <a:rPr lang="en-US" altLang="en-US" sz="4800" b="1" dirty="0">
+                <a:latin typeface="Arial" panose="020B0604020202020204" pitchFamily="34" charset="0"/>
+              </a:rPr>
+              <a:t>Recommended Model: Random Forest</a:t>
+            </a:r>
+            <a:br>
+              <a:rPr lang="en-US" altLang="en-US" sz="4800" b="1" dirty="0">
+                <a:latin typeface="Arial" panose="020B0604020202020204" pitchFamily="34" charset="0"/>
+              </a:rPr>
+            </a:br>
+            <a:endParaRPr lang="en-US" sz="4700" dirty="0">
+              <a:solidFill>
+                <a:srgbClr val="FFFFFF"/>
+              </a:solidFill>
+            </a:endParaRPr>
+          </a:p>
+        </p:txBody>
+      </p:sp>
+      <p:sp>
+        <p:nvSpPr>
+          <p:cNvPr id="4" name="Rectangle 1">
+            <a:extLst>
+              <a:ext uri="{FF2B5EF4-FFF2-40B4-BE49-F238E27FC236}">
+                <a16:creationId xmlns:a16="http://schemas.microsoft.com/office/drawing/2014/main" id="{DAE3A7CC-6944-6EB4-099D-C267E5E3FE9A}"/>
+              </a:ext>
+            </a:extLst>
+          </p:cNvPr>
+          <p:cNvSpPr>
+            <a:spLocks noGrp="1" noChangeArrowheads="1"/>
+          </p:cNvSpPr>
+          <p:nvPr>
+            <p:ph idx="1"/>
+          </p:nvPr>
+        </p:nvSpPr>
+        <p:spPr bwMode="auto">
+          <a:xfrm>
+            <a:off x="4571999" y="882315"/>
+            <a:ext cx="3941065" cy="5294647"/>
+          </a:xfrm>
+          <a:prstGeom prst="rect">
+            <a:avLst/>
+          </a:prstGeom>
+          <a:extLst>
+            <a:ext uri="{909E8E84-426E-40DD-AFC4-6F175D3DCCD1}">
+              <a14:hiddenFill xmlns:a14="http://schemas.microsoft.com/office/drawing/2010/main">
+                <a:solidFill>
+                  <a:schemeClr val="accent1"/>
+                </a:solidFill>
+              </a14:hiddenFill>
+            </a:ext>
+            <a:ext uri="{91240B29-F687-4F45-9708-019B960494DF}">
+              <a14:hiddenLine xmlns:a14="http://schemas.microsoft.com/office/drawing/2010/main" w="9525">
+                <a:solidFill>
+                  <a:schemeClr val="tx1"/>
+                </a:solidFill>
+                <a:miter lim="800000"/>
+                <a:headEnd/>
+                <a:tailEnd/>
+              </a14:hiddenLine>
+            </a:ext>
+            <a:ext uri="{AF507438-7753-43E0-B8FC-AC1667EBCBE1}">
+              <a14:hiddenEffects xmlns:a14="http://schemas.microsoft.com/office/drawing/2010/main">
+                <a:effectLst>
+                  <a:outerShdw dist="35921" dir="2700000" algn="ctr" rotWithShape="0">
+                    <a:schemeClr val="bg2"/>
+                  </a:outerShdw>
+                </a:effectLst>
+              </a14:hiddenEffects>
+            </a:ext>
+          </a:extLst>
+        </p:spPr>
+        <p:txBody>
+          <a:bodyPr vert="horz" lIns="91440" tIns="45720" rIns="91440" bIns="45720" numCol="1" anchorCtr="0" compatLnSpc="1">
+            <a:prstTxWarp prst="textNoShape">
+              <a:avLst/>
+            </a:prstTxWarp>
+            <a:normAutofit/>
+          </a:bodyPr>
+          <a:lstStyle/>
+          <a:p>
+            <a:pPr marL="0" marR="0" lvl="0" indent="0" defTabSz="914400" rtl="0" eaLnBrk="0" fontAlgn="base" latinLnBrk="0" hangingPunct="0">
+              <a:lnSpc>
+                <a:spcPct val="90000"/>
+              </a:lnSpc>
+              <a:spcBef>
+                <a:spcPct val="0"/>
+              </a:spcBef>
+              <a:spcAft>
+                <a:spcPts val="600"/>
+              </a:spcAft>
+              <a:buClrTx/>
+              <a:buSzTx/>
+              <a:buFontTx/>
+              <a:buChar char="•"/>
+              <a:tabLst/>
+            </a:pPr>
+            <a:r>
+              <a:rPr kumimoji="0" lang="en-US" altLang="en-US" sz="1900" b="0" i="0" u="none" strike="noStrike" cap="none" normalizeH="0" baseline="0" dirty="0">
+                <a:ln>
+                  <a:noFill/>
+                </a:ln>
+                <a:effectLst/>
+                <a:latin typeface="Arial" panose="020B0604020202020204" pitchFamily="34" charset="0"/>
+              </a:rPr>
+              <a:t>Achieves the </a:t>
+            </a:r>
+            <a:r>
+              <a:rPr kumimoji="0" lang="en-US" altLang="en-US" sz="1900" b="1" i="0" u="none" strike="noStrike" cap="none" normalizeH="0" baseline="0" dirty="0">
+                <a:ln>
+                  <a:noFill/>
+                </a:ln>
+                <a:effectLst/>
+                <a:latin typeface="Arial" panose="020B0604020202020204" pitchFamily="34" charset="0"/>
+              </a:rPr>
+              <a:t>highest precision</a:t>
+            </a:r>
+            <a:r>
+              <a:rPr kumimoji="0" lang="en-US" altLang="en-US" sz="1900" b="0" i="0" u="none" strike="noStrike" cap="none" normalizeH="0" baseline="0" dirty="0">
+                <a:ln>
+                  <a:noFill/>
+                </a:ln>
+                <a:effectLst/>
+                <a:latin typeface="Arial" panose="020B0604020202020204" pitchFamily="34" charset="0"/>
+              </a:rPr>
+              <a:t> (0.90), effectively reducing false positives.</a:t>
+            </a:r>
+          </a:p>
+          <a:p>
+            <a:pPr marL="0" marR="0" lvl="0" indent="0" defTabSz="914400" rtl="0" eaLnBrk="0" fontAlgn="base" latinLnBrk="0" hangingPunct="0">
+              <a:lnSpc>
+                <a:spcPct val="90000"/>
+              </a:lnSpc>
+              <a:spcBef>
+                <a:spcPct val="0"/>
+              </a:spcBef>
+              <a:spcAft>
+                <a:spcPts val="600"/>
+              </a:spcAft>
+              <a:buClrTx/>
+              <a:buSzTx/>
+              <a:buFontTx/>
+              <a:buChar char="•"/>
+              <a:tabLst/>
+            </a:pPr>
+            <a:r>
+              <a:rPr kumimoji="0" lang="en-US" altLang="en-US" sz="1900" b="0" i="0" u="none" strike="noStrike" cap="none" normalizeH="0" baseline="0" dirty="0">
+                <a:ln>
+                  <a:noFill/>
+                </a:ln>
+                <a:effectLst/>
+                <a:latin typeface="Arial" panose="020B0604020202020204" pitchFamily="34" charset="0"/>
+              </a:rPr>
+              <a:t>Delivers a </a:t>
+            </a:r>
+            <a:r>
+              <a:rPr kumimoji="0" lang="en-US" altLang="en-US" sz="1900" b="1" i="0" u="none" strike="noStrike" cap="none" normalizeH="0" baseline="0" dirty="0">
+                <a:ln>
+                  <a:noFill/>
+                </a:ln>
+                <a:effectLst/>
+                <a:latin typeface="Arial" panose="020B0604020202020204" pitchFamily="34" charset="0"/>
+              </a:rPr>
+              <a:t>balanced F1-Score (0.78)</a:t>
+            </a:r>
+            <a:r>
+              <a:rPr kumimoji="0" lang="en-US" altLang="en-US" sz="1900" b="0" i="0" u="none" strike="noStrike" cap="none" normalizeH="0" baseline="0" dirty="0">
+                <a:ln>
+                  <a:noFill/>
+                </a:ln>
+                <a:effectLst/>
+                <a:latin typeface="Arial" panose="020B0604020202020204" pitchFamily="34" charset="0"/>
+              </a:rPr>
+              <a:t> and </a:t>
+            </a:r>
+            <a:r>
+              <a:rPr kumimoji="0" lang="en-US" altLang="en-US" sz="1900" b="1" i="0" u="none" strike="noStrike" cap="none" normalizeH="0" baseline="0" dirty="0">
+                <a:ln>
+                  <a:noFill/>
+                </a:ln>
+                <a:effectLst/>
+                <a:latin typeface="Arial" panose="020B0604020202020204" pitchFamily="34" charset="0"/>
+              </a:rPr>
+              <a:t>strong accuracy (0.94)</a:t>
+            </a:r>
+            <a:r>
+              <a:rPr kumimoji="0" lang="en-US" altLang="en-US" sz="1900" b="0" i="0" u="none" strike="noStrike" cap="none" normalizeH="0" baseline="0" dirty="0">
+                <a:ln>
+                  <a:noFill/>
+                </a:ln>
+                <a:effectLst/>
+                <a:latin typeface="Arial" panose="020B0604020202020204" pitchFamily="34" charset="0"/>
+              </a:rPr>
+              <a:t>.</a:t>
+            </a:r>
+          </a:p>
+          <a:p>
+            <a:pPr marL="0" marR="0" lvl="0" indent="0" defTabSz="914400" rtl="0" eaLnBrk="0" fontAlgn="base" latinLnBrk="0" hangingPunct="0">
+              <a:lnSpc>
+                <a:spcPct val="90000"/>
+              </a:lnSpc>
+              <a:spcBef>
+                <a:spcPct val="0"/>
+              </a:spcBef>
+              <a:spcAft>
+                <a:spcPts val="600"/>
+              </a:spcAft>
+              <a:buClrTx/>
+              <a:buSzTx/>
+              <a:buFontTx/>
+              <a:buChar char="•"/>
+              <a:tabLst/>
+            </a:pPr>
+            <a:r>
+              <a:rPr kumimoji="0" lang="en-US" altLang="en-US" sz="1900" b="1" i="0" u="none" strike="noStrike" cap="none" normalizeH="0" baseline="0" dirty="0">
+                <a:ln>
+                  <a:noFill/>
+                </a:ln>
+                <a:effectLst/>
+                <a:latin typeface="Arial" panose="020B0604020202020204" pitchFamily="34" charset="0"/>
+              </a:rPr>
+              <a:t>Slightly lower recall</a:t>
+            </a:r>
+            <a:r>
+              <a:rPr kumimoji="0" lang="en-US" altLang="en-US" sz="1900" b="0" i="0" u="none" strike="noStrike" cap="none" normalizeH="0" baseline="0" dirty="0">
+                <a:ln>
+                  <a:noFill/>
+                </a:ln>
+                <a:effectLst/>
+                <a:latin typeface="Arial" panose="020B0604020202020204" pitchFamily="34" charset="0"/>
+              </a:rPr>
+              <a:t> than Gradient Boosting but better overall reliability.</a:t>
+            </a:r>
+            <a:endParaRPr lang="en-US" altLang="en-US" sz="1900" dirty="0">
+              <a:latin typeface="Arial" panose="020B0604020202020204" pitchFamily="34" charset="0"/>
+            </a:endParaRPr>
+          </a:p>
+          <a:p>
+            <a:pPr marL="0" marR="0" lvl="0" indent="0" defTabSz="914400" rtl="0" eaLnBrk="0" fontAlgn="base" latinLnBrk="0" hangingPunct="0">
+              <a:lnSpc>
+                <a:spcPct val="90000"/>
+              </a:lnSpc>
+              <a:spcBef>
+                <a:spcPct val="0"/>
+              </a:spcBef>
+              <a:spcAft>
+                <a:spcPts val="600"/>
+              </a:spcAft>
+              <a:buClrTx/>
+              <a:buSzTx/>
+              <a:buFontTx/>
+              <a:buChar char="•"/>
+              <a:tabLst/>
+            </a:pPr>
+            <a:endParaRPr kumimoji="0" lang="en-US" altLang="en-US" sz="1900" b="0" i="0" u="none" strike="noStrike" cap="none" normalizeH="0" baseline="0" dirty="0">
+              <a:ln>
+                <a:noFill/>
+              </a:ln>
+              <a:effectLst/>
+              <a:latin typeface="Arial" panose="020B0604020202020204" pitchFamily="34" charset="0"/>
+            </a:endParaRPr>
+          </a:p>
+          <a:p>
+            <a:pPr marL="0" marR="0" lvl="0" indent="0" defTabSz="914400" rtl="0" eaLnBrk="0" fontAlgn="base" latinLnBrk="0" hangingPunct="0">
+              <a:lnSpc>
+                <a:spcPct val="90000"/>
+              </a:lnSpc>
+              <a:spcBef>
+                <a:spcPct val="0"/>
+              </a:spcBef>
+              <a:spcAft>
+                <a:spcPts val="600"/>
+              </a:spcAft>
+              <a:buClrTx/>
+              <a:buSzTx/>
+              <a:buNone/>
+              <a:tabLst/>
+            </a:pPr>
+            <a:endParaRPr kumimoji="0" lang="en-US" altLang="en-US" sz="1900" b="0" i="0" u="none" strike="noStrike" cap="none" normalizeH="0" baseline="0" dirty="0">
+              <a:ln>
+                <a:noFill/>
+              </a:ln>
+              <a:effectLst/>
+              <a:latin typeface="Arial" panose="020B0604020202020204" pitchFamily="34" charset="0"/>
+            </a:endParaRPr>
+          </a:p>
+          <a:p>
+            <a:pPr marL="0" marR="0" lvl="0" indent="0" defTabSz="914400" rtl="0" eaLnBrk="0" fontAlgn="base" latinLnBrk="0" hangingPunct="0">
+              <a:lnSpc>
+                <a:spcPct val="90000"/>
+              </a:lnSpc>
+              <a:spcBef>
+                <a:spcPct val="0"/>
+              </a:spcBef>
+              <a:spcAft>
+                <a:spcPts val="600"/>
+              </a:spcAft>
+              <a:buClrTx/>
+              <a:buSzTx/>
+              <a:buFontTx/>
+              <a:buNone/>
+              <a:tabLst/>
+            </a:pPr>
+            <a:r>
+              <a:rPr kumimoji="0" lang="en-US" altLang="en-US" sz="1900" b="0" i="0" u="none" strike="noStrike" cap="none" normalizeH="0" baseline="0" dirty="0">
+                <a:ln>
+                  <a:noFill/>
+                </a:ln>
+                <a:effectLst/>
+                <a:latin typeface="Arial" panose="020B0604020202020204" pitchFamily="34" charset="0"/>
+              </a:rPr>
+              <a:t> </a:t>
+            </a:r>
+            <a:r>
+              <a:rPr kumimoji="0" lang="en-US" altLang="en-US" sz="1900" b="1" i="0" u="none" strike="noStrike" cap="none" normalizeH="0" baseline="0" dirty="0">
+                <a:ln>
+                  <a:noFill/>
+                </a:ln>
+                <a:effectLst/>
+                <a:latin typeface="Arial" panose="020B0604020202020204" pitchFamily="34" charset="0"/>
+              </a:rPr>
+              <a:t>Use Random Forest</a:t>
+            </a:r>
+            <a:r>
+              <a:rPr kumimoji="0" lang="en-US" altLang="en-US" sz="1900" b="0" i="0" u="none" strike="noStrike" cap="none" normalizeH="0" baseline="0" dirty="0">
+                <a:ln>
+                  <a:noFill/>
+                </a:ln>
+                <a:effectLst/>
+                <a:latin typeface="Arial" panose="020B0604020202020204" pitchFamily="34" charset="0"/>
+              </a:rPr>
+              <a:t> for final deployment.</a:t>
+            </a:r>
+            <a:br>
+              <a:rPr kumimoji="0" lang="en-US" altLang="en-US" sz="1900" b="0" i="0" u="none" strike="noStrike" cap="none" normalizeH="0" baseline="0" dirty="0">
+                <a:ln>
+                  <a:noFill/>
+                </a:ln>
+                <a:effectLst/>
+                <a:latin typeface="Arial" panose="020B0604020202020204" pitchFamily="34" charset="0"/>
+              </a:rPr>
+            </a:br>
+            <a:r>
+              <a:rPr kumimoji="0" lang="en-US" altLang="en-US" sz="1900" b="1" i="0" u="none" strike="noStrike" cap="none" normalizeH="0" baseline="0" dirty="0">
+                <a:ln>
+                  <a:noFill/>
+                </a:ln>
+                <a:effectLst/>
+                <a:latin typeface="Arial" panose="020B0604020202020204" pitchFamily="34" charset="0"/>
+              </a:rPr>
+              <a:t>Consider Gradient Boosting</a:t>
+            </a:r>
+            <a:r>
+              <a:rPr kumimoji="0" lang="en-US" altLang="en-US" sz="1900" b="0" i="0" u="none" strike="noStrike" cap="none" normalizeH="0" baseline="0" dirty="0">
+                <a:ln>
+                  <a:noFill/>
+                </a:ln>
+                <a:effectLst/>
+                <a:latin typeface="Arial" panose="020B0604020202020204" pitchFamily="34" charset="0"/>
+              </a:rPr>
+              <a:t> when higher recall is more critical (e.g., customer retention campaigns).</a:t>
+            </a:r>
+          </a:p>
+        </p:txBody>
+      </p:sp>
+    </p:spTree>
+    <p:extLst>
+      <p:ext uri="{BB962C8B-B14F-4D97-AF65-F5344CB8AC3E}">
+        <p14:creationId xmlns:p14="http://schemas.microsoft.com/office/powerpoint/2010/main" val="398794288"/>
+      </p:ext>
+    </p:extLst>
+  </p:cSld>
+  <p:clrMapOvr>
+    <a:masterClrMapping/>
+  </p:clrMapOvr>
+</p:sld>
+</file>
+
+<file path=ppt/slides/slide22.xml><?xml version="1.0" encoding="utf-8"?>
+<p:sld xmlns:a="http://schemas.openxmlformats.org/drawingml/2006/main" xmlns:r="http://schemas.openxmlformats.org/officeDocument/2006/relationships" xmlns:p="http://schemas.openxmlformats.org/presentationml/2006/main">
+  <p:cSld>
+    <p:bg>
+      <p:bgPr>
+        <a:solidFill>
+          <a:schemeClr val="bg1"/>
+        </a:solidFill>
+        <a:effectLst/>
+      </p:bgPr>
+    </p:bg>
+    <p:spTree>
+      <p:nvGrpSpPr>
+        <p:cNvPr id="1" name=""/>
+        <p:cNvGrpSpPr/>
+        <p:nvPr/>
+      </p:nvGrpSpPr>
+      <p:grpSpPr>
+        <a:xfrm>
+          <a:off x="0" y="0"/>
+          <a:ext cx="0" cy="0"/>
+          <a:chOff x="0" y="0"/>
+          <a:chExt cx="0" cy="0"/>
+        </a:xfrm>
+      </p:grpSpPr>
+      <p:sp useBgFill="1">
+        <p:nvSpPr>
+          <p:cNvPr id="9" name="Rectangle 8">
+            <a:extLst>
+              <a:ext uri="{FF2B5EF4-FFF2-40B4-BE49-F238E27FC236}">
+                <a16:creationId xmlns:a16="http://schemas.microsoft.com/office/drawing/2014/main" id="{BACC6370-2D7E-4714-9D71-7542949D7D5D}"/>
+              </a:ext>
+              <a:ext uri="{C183D7F6-B498-43B3-948B-1728B52AA6E4}">
+                <adec:decorative xmlns:adec="http://schemas.microsoft.com/office/drawing/2017/decorative" val="1"/>
+              </a:ext>
+            </a:extLst>
+          </p:cNvPr>
+          <p:cNvSpPr>
+            <a:spLocks noGrp="1" noRot="1" noChangeAspect="1" noMove="1" noResize="1" noEditPoints="1" noAdjustHandles="1" noChangeArrowheads="1" noChangeShapeType="1" noTextEdit="1"/>
+          </p:cNvSpPr>
+          <p:nvPr>
+            <p:extLst>
+              <p:ext uri="{386F3935-93C4-4BCD-93E2-E3B085C9AB24}">
+                <p16:designElem xmlns:p16="http://schemas.microsoft.com/office/powerpoint/2015/main" val="1"/>
+              </p:ext>
+            </p:extLst>
+          </p:nvPr>
+        </p:nvSpPr>
+        <p:spPr>
+          <a:xfrm>
+            <a:off x="0" y="0"/>
+            <a:ext cx="9144000" cy="6858000"/>
+          </a:xfrm>
+          <a:prstGeom prst="rect">
+            <a:avLst/>
+          </a:prstGeom>
+          <a:ln w="12700" cap="flat" cmpd="sng" algn="ctr">
+            <a:noFill/>
+            <a:prstDash val="solid"/>
+            <a:miter lim="800000"/>
+          </a:ln>
+          <a:effectLst/>
+          <a:extLst>
+            <a:ext uri="{91240B29-F687-4F45-9708-019B960494DF}">
+              <a14:hiddenLine xmlns:a14="http://schemas.microsoft.com/office/drawing/2010/main" w="12700" cap="flat" cmpd="sng" algn="ctr">
+                <a:solidFill>
+                  <a:schemeClr val="accent1">
+                    <a:shade val="50000"/>
+                  </a:schemeClr>
+                </a:solidFill>
+                <a:prstDash val="solid"/>
+                <a:miter lim="800000"/>
+              </a14:hiddenLine>
+            </a:ext>
+          </a:extLst>
+        </p:spPr>
+        <p:style>
+          <a:lnRef idx="2">
+            <a:schemeClr val="accent1">
+              <a:shade val="50000"/>
+            </a:schemeClr>
+          </a:lnRef>
+          <a:fillRef idx="1">
+            <a:schemeClr val="accent1"/>
+          </a:fillRef>
+          <a:effectRef idx="0">
+            <a:schemeClr val="accent1"/>
+          </a:effectRef>
+          <a:fontRef idx="minor">
+            <a:schemeClr val="lt1"/>
+          </a:fontRef>
+        </p:style>
+        <p:txBody>
+          <a:bodyPr rtlCol="0" anchor="ctr"/>
+          <a:lstStyle/>
+          <a:p>
+            <a:pPr algn="ctr"/>
+            <a:endParaRPr lang="en-US"/>
+          </a:p>
+        </p:txBody>
+      </p:sp>
+      <p:sp>
+        <p:nvSpPr>
+          <p:cNvPr id="11" name="Rectangle 10">
+            <a:extLst>
+              <a:ext uri="{FF2B5EF4-FFF2-40B4-BE49-F238E27FC236}">
+                <a16:creationId xmlns:a16="http://schemas.microsoft.com/office/drawing/2014/main" id="{F68B3F68-107C-434F-AA38-110D5EA91B85}"/>
+              </a:ext>
+              <a:ext uri="{C183D7F6-B498-43B3-948B-1728B52AA6E4}">
+                <adec:decorative xmlns:adec="http://schemas.microsoft.com/office/drawing/2017/decorative" val="1"/>
+              </a:ext>
+            </a:extLst>
+          </p:cNvPr>
+          <p:cNvSpPr>
+            <a:spLocks noGrp="1" noRot="1" noChangeAspect="1" noMove="1" noResize="1" noEditPoints="1" noAdjustHandles="1" noChangeArrowheads="1" noChangeShapeType="1" noTextEdit="1"/>
+          </p:cNvSpPr>
+          <p:nvPr>
+            <p:extLst>
+              <p:ext uri="{386F3935-93C4-4BCD-93E2-E3B085C9AB24}">
+                <p16:designElem xmlns:p16="http://schemas.microsoft.com/office/powerpoint/2015/main" val="1"/>
+              </p:ext>
+            </p:extLst>
+          </p:nvPr>
+        </p:nvSpPr>
+        <p:spPr>
+          <a:xfrm flipH="1">
+            <a:off x="1" y="0"/>
+            <a:ext cx="9143999" cy="1575955"/>
+          </a:xfrm>
+          <a:prstGeom prst="rect">
+            <a:avLst/>
+          </a:prstGeom>
+          <a:gradFill>
+            <a:gsLst>
+              <a:gs pos="0">
+                <a:srgbClr val="000000">
+                  <a:alpha val="96000"/>
+                </a:srgbClr>
+              </a:gs>
+              <a:gs pos="100000">
+                <a:schemeClr val="accent1">
+                  <a:lumMod val="75000"/>
+                </a:schemeClr>
+              </a:gs>
+            </a:gsLst>
+            <a:lin ang="8400000" scaled="0"/>
+          </a:gradFill>
+          <a:ln>
+            <a:noFill/>
+          </a:ln>
+        </p:spPr>
+        <p:style>
+          <a:lnRef idx="2">
+            <a:schemeClr val="accent1">
+              <a:shade val="50000"/>
+            </a:schemeClr>
+          </a:lnRef>
+          <a:fillRef idx="1">
+            <a:schemeClr val="accent1"/>
+          </a:fillRef>
+          <a:effectRef idx="0">
+            <a:schemeClr val="accent1"/>
+          </a:effectRef>
+          <a:fontRef idx="minor">
+            <a:schemeClr val="lt1"/>
+          </a:fontRef>
+        </p:style>
+        <p:txBody>
+          <a:bodyPr rtlCol="0" anchor="ctr"/>
+          <a:lstStyle/>
+          <a:p>
+            <a:pPr algn="ctr"/>
+            <a:endParaRPr lang="en-US"/>
+          </a:p>
+        </p:txBody>
+      </p:sp>
+      <p:sp>
+        <p:nvSpPr>
+          <p:cNvPr id="13" name="Rectangle 12">
+            <a:extLst>
+              <a:ext uri="{FF2B5EF4-FFF2-40B4-BE49-F238E27FC236}">
+                <a16:creationId xmlns:a16="http://schemas.microsoft.com/office/drawing/2014/main" id="{AAD0DBB9-1A4B-4391-81D4-CB19F9AB918A}"/>
+              </a:ext>
+              <a:ext uri="{C183D7F6-B498-43B3-948B-1728B52AA6E4}">
+                <adec:decorative xmlns:adec="http://schemas.microsoft.com/office/drawing/2017/decorative" val="1"/>
+              </a:ext>
+            </a:extLst>
+          </p:cNvPr>
+          <p:cNvSpPr>
+            <a:spLocks noGrp="1" noRot="1" noChangeAspect="1" noMove="1" noResize="1" noEditPoints="1" noAdjustHandles="1" noChangeArrowheads="1" noChangeShapeType="1" noTextEdit="1"/>
+          </p:cNvSpPr>
+          <p:nvPr>
+            <p:extLst>
+              <p:ext uri="{386F3935-93C4-4BCD-93E2-E3B085C9AB24}">
+                <p16:designElem xmlns:p16="http://schemas.microsoft.com/office/powerpoint/2015/main" val="1"/>
+              </p:ext>
+            </p:extLst>
+          </p:nvPr>
+        </p:nvSpPr>
+        <p:spPr>
+          <a:xfrm rot="10800000" flipH="1">
+            <a:off x="6096642" y="0"/>
+            <a:ext cx="3047358" cy="1576412"/>
+          </a:xfrm>
+          <a:prstGeom prst="rect">
+            <a:avLst/>
+          </a:prstGeom>
+          <a:gradFill>
+            <a:gsLst>
+              <a:gs pos="19000">
+                <a:schemeClr val="accent1">
+                  <a:lumMod val="50000"/>
+                  <a:alpha val="68000"/>
+                </a:schemeClr>
+              </a:gs>
+              <a:gs pos="100000">
+                <a:schemeClr val="accent1">
+                  <a:alpha val="79000"/>
+                </a:schemeClr>
+              </a:gs>
+            </a:gsLst>
+            <a:lin ang="19200000" scaled="0"/>
+          </a:gradFill>
+          <a:ln>
+            <a:noFill/>
+          </a:ln>
+        </p:spPr>
+        <p:style>
+          <a:lnRef idx="2">
+            <a:schemeClr val="accent1">
+              <a:shade val="50000"/>
+            </a:schemeClr>
+          </a:lnRef>
+          <a:fillRef idx="1">
+            <a:schemeClr val="accent1"/>
+          </a:fillRef>
+          <a:effectRef idx="0">
+            <a:schemeClr val="accent1"/>
+          </a:effectRef>
+          <a:fontRef idx="minor">
+            <a:schemeClr val="lt1"/>
+          </a:fontRef>
+        </p:style>
+        <p:txBody>
+          <a:bodyPr rtlCol="0" anchor="ctr"/>
+          <a:lstStyle/>
+          <a:p>
+            <a:pPr algn="ctr"/>
+            <a:endParaRPr lang="en-US"/>
+          </a:p>
+        </p:txBody>
+      </p:sp>
+      <p:sp>
+        <p:nvSpPr>
+          <p:cNvPr id="15" name="Rectangle 14">
+            <a:extLst>
+              <a:ext uri="{FF2B5EF4-FFF2-40B4-BE49-F238E27FC236}">
+                <a16:creationId xmlns:a16="http://schemas.microsoft.com/office/drawing/2014/main" id="{063BBA22-50EA-4C4D-BE05-F1CE4E63AA56}"/>
+              </a:ext>
+              <a:ext uri="{C183D7F6-B498-43B3-948B-1728B52AA6E4}">
+                <adec:decorative xmlns:adec="http://schemas.microsoft.com/office/drawing/2017/decorative" val="1"/>
+              </a:ext>
+            </a:extLst>
+          </p:cNvPr>
+          <p:cNvSpPr>
+            <a:spLocks noGrp="1" noRot="1" noChangeAspect="1" noMove="1" noResize="1" noEditPoints="1" noAdjustHandles="1" noChangeArrowheads="1" noChangeShapeType="1" noTextEdit="1"/>
+          </p:cNvSpPr>
+          <p:nvPr>
+            <p:extLst>
+              <p:ext uri="{386F3935-93C4-4BCD-93E2-E3B085C9AB24}">
+                <p16:designElem xmlns:p16="http://schemas.microsoft.com/office/powerpoint/2015/main" val="1"/>
+              </p:ext>
+            </p:extLst>
+          </p:nvPr>
+        </p:nvSpPr>
+        <p:spPr>
+          <a:xfrm rot="5400000">
+            <a:off x="3783777" y="-3783778"/>
+            <a:ext cx="1576446" cy="9144002"/>
+          </a:xfrm>
+          <a:prstGeom prst="rect">
+            <a:avLst/>
+          </a:prstGeom>
+          <a:gradFill>
+            <a:gsLst>
+              <a:gs pos="23000">
+                <a:schemeClr val="accent1">
+                  <a:alpha val="0"/>
+                </a:schemeClr>
+              </a:gs>
+              <a:gs pos="99000">
+                <a:srgbClr val="000000">
+                  <a:alpha val="74000"/>
+                </a:srgbClr>
+              </a:gs>
+            </a:gsLst>
+            <a:lin ang="20400000" scaled="0"/>
+          </a:gradFill>
+          <a:ln>
+            <a:noFill/>
+          </a:ln>
+        </p:spPr>
+        <p:style>
+          <a:lnRef idx="2">
+            <a:schemeClr val="accent1">
+              <a:shade val="50000"/>
+            </a:schemeClr>
+          </a:lnRef>
+          <a:fillRef idx="1">
+            <a:schemeClr val="accent1"/>
+          </a:fillRef>
+          <a:effectRef idx="0">
+            <a:schemeClr val="accent1"/>
+          </a:effectRef>
+          <a:fontRef idx="minor">
+            <a:schemeClr val="lt1"/>
+          </a:fontRef>
+        </p:style>
+        <p:txBody>
+          <a:bodyPr rtlCol="0" anchor="ctr"/>
+          <a:lstStyle/>
+          <a:p>
+            <a:pPr algn="ctr"/>
+            <a:endParaRPr lang="en-US" dirty="0"/>
+          </a:p>
+        </p:txBody>
+      </p:sp>
+      <p:sp>
+        <p:nvSpPr>
+          <p:cNvPr id="2" name="Title 1"/>
+          <p:cNvSpPr>
+            <a:spLocks noGrp="1"/>
+          </p:cNvSpPr>
+          <p:nvPr>
+            <p:ph type="title"/>
+          </p:nvPr>
+        </p:nvSpPr>
+        <p:spPr>
+          <a:xfrm>
+            <a:off x="1028697" y="348865"/>
+            <a:ext cx="7533018" cy="877729"/>
+          </a:xfrm>
+        </p:spPr>
+        <p:txBody>
+          <a:bodyPr anchor="ctr">
+            <a:normAutofit/>
+          </a:bodyPr>
+          <a:lstStyle/>
+          <a:p>
+            <a:r>
+              <a:rPr lang="en-US" sz="3500">
+                <a:solidFill>
+                  <a:srgbClr val="FFFFFF"/>
+                </a:solidFill>
+              </a:rPr>
+              <a:t>Confusion Matrix &amp; Insights</a:t>
+            </a:r>
+          </a:p>
+        </p:txBody>
+      </p:sp>
+      <p:graphicFrame>
+        <p:nvGraphicFramePr>
+          <p:cNvPr id="5" name="Content Placeholder 2">
+            <a:extLst>
+              <a:ext uri="{FF2B5EF4-FFF2-40B4-BE49-F238E27FC236}">
+                <a16:creationId xmlns:a16="http://schemas.microsoft.com/office/drawing/2014/main" id="{C6119A2C-ED7F-F966-C9B7-7899C80A3E14}"/>
+              </a:ext>
+            </a:extLst>
+          </p:cNvPr>
+          <p:cNvGraphicFramePr>
+            <a:graphicFrameLocks noGrp="1"/>
+          </p:cNvGraphicFramePr>
+          <p:nvPr>
+            <p:ph idx="1"/>
+            <p:extLst>
+              <p:ext uri="{D42A27DB-BD31-4B8C-83A1-F6EECF244321}">
+                <p14:modId xmlns:p14="http://schemas.microsoft.com/office/powerpoint/2010/main" val="1269891072"/>
+              </p:ext>
+            </p:extLst>
+          </p:nvPr>
+        </p:nvGraphicFramePr>
+        <p:xfrm>
+          <a:off x="483042" y="2112579"/>
+          <a:ext cx="8195871" cy="4192805"/>
+        </p:xfrm>
+        <a:graphic>
+          <a:graphicData uri="http://schemas.openxmlformats.org/drawingml/2006/diagram">
+            <dgm:relIds xmlns:dgm="http://schemas.openxmlformats.org/drawingml/2006/diagram" xmlns:r="http://schemas.openxmlformats.org/officeDocument/2006/relationships" r:dm="rId2" r:lo="rId3" r:qs="rId4" r:cs="rId5"/>
+          </a:graphicData>
+        </a:graphic>
+      </p:graphicFrame>
+    </p:spTree>
+  </p:cSld>
+  <p:clrMapOvr>
+    <a:masterClrMapping/>
+  </p:clrMapOvr>
+</p:sld>
+</file>
+
+<file path=ppt/slides/slide23.xml><?xml version="1.0" encoding="utf-8"?>
+<p:sld xmlns:a="http://schemas.openxmlformats.org/drawingml/2006/main" xmlns:r="http://schemas.openxmlformats.org/officeDocument/2006/relationships" xmlns:p="http://schemas.openxmlformats.org/presentationml/2006/main">
+  <p:cSld>
+    <p:bg>
+      <p:bgPr>
+        <a:solidFill>
+          <a:schemeClr val="bg1"/>
+        </a:solidFill>
+        <a:effectLst/>
+      </p:bgPr>
+    </p:bg>
+    <p:spTree>
+      <p:nvGrpSpPr>
+        <p:cNvPr id="1" name=""/>
+        <p:cNvGrpSpPr/>
+        <p:nvPr/>
+      </p:nvGrpSpPr>
+      <p:grpSpPr>
+        <a:xfrm>
+          <a:off x="0" y="0"/>
+          <a:ext cx="0" cy="0"/>
+          <a:chOff x="0" y="0"/>
+          <a:chExt cx="0" cy="0"/>
+        </a:xfrm>
+      </p:grpSpPr>
+      <p:sp useBgFill="1">
+        <p:nvSpPr>
+          <p:cNvPr id="8" name="Rectangle 7">
+            <a:extLst>
+              <a:ext uri="{FF2B5EF4-FFF2-40B4-BE49-F238E27FC236}">
+                <a16:creationId xmlns:a16="http://schemas.microsoft.com/office/drawing/2014/main" id="{E92FEB64-6EEA-4759-B4A4-BD2C1E660BA8}"/>
+              </a:ext>
+              <a:ext uri="{C183D7F6-B498-43B3-948B-1728B52AA6E4}">
+                <adec:decorative xmlns:adec="http://schemas.microsoft.com/office/drawing/2017/decorative" val="1"/>
+              </a:ext>
+            </a:extLst>
+          </p:cNvPr>
+          <p:cNvSpPr>
+            <a:spLocks noGrp="1" noRot="1" noChangeAspect="1" noMove="1" noResize="1" noEditPoints="1" noAdjustHandles="1" noChangeArrowheads="1" noChangeShapeType="1" noTextEdit="1"/>
+          </p:cNvSpPr>
+          <p:nvPr>
+            <p:extLst>
+              <p:ext uri="{386F3935-93C4-4BCD-93E2-E3B085C9AB24}">
+                <p16:designElem xmlns:p16="http://schemas.microsoft.com/office/powerpoint/2015/main" val="1"/>
+              </p:ext>
+            </p:extLst>
+          </p:nvPr>
+        </p:nvSpPr>
+        <p:spPr>
+          <a:xfrm>
+            <a:off x="2286" y="0"/>
+            <a:ext cx="9141714" cy="6858000"/>
+          </a:xfrm>
+          <a:prstGeom prst="rect">
+            <a:avLst/>
+          </a:prstGeom>
+          <a:ln>
+            <a:noFill/>
+          </a:ln>
+        </p:spPr>
+        <p:style>
+          <a:lnRef idx="2">
+            <a:schemeClr val="accent1">
+              <a:shade val="50000"/>
+            </a:schemeClr>
+          </a:lnRef>
+          <a:fillRef idx="1">
+            <a:schemeClr val="accent1"/>
+          </a:fillRef>
+          <a:effectRef idx="0">
+            <a:schemeClr val="accent1"/>
+          </a:effectRef>
+          <a:fontRef idx="minor">
+            <a:schemeClr val="lt1"/>
+          </a:fontRef>
+        </p:style>
+        <p:txBody>
+          <a:bodyPr rtlCol="0" anchor="ctr"/>
+          <a:lstStyle/>
+          <a:p>
+            <a:pPr algn="ctr"/>
+            <a:endParaRPr lang="en-US"/>
+          </a:p>
+        </p:txBody>
+      </p:sp>
+      <p:sp>
+        <p:nvSpPr>
+          <p:cNvPr id="10" name="Oval 9">
+            <a:extLst>
+              <a:ext uri="{FF2B5EF4-FFF2-40B4-BE49-F238E27FC236}">
+                <a16:creationId xmlns:a16="http://schemas.microsoft.com/office/drawing/2014/main" id="{B10BB131-AC8E-4A8E-A5D1-36260F720C3B}"/>
+              </a:ext>
+              <a:ext uri="{C183D7F6-B498-43B3-948B-1728B52AA6E4}">
+                <adec:decorative xmlns:adec="http://schemas.microsoft.com/office/drawing/2017/decorative" val="1"/>
+              </a:ext>
+            </a:extLst>
+          </p:cNvPr>
+          <p:cNvSpPr>
+            <a:spLocks noGrp="1" noRot="1" noChangeAspect="1" noMove="1" noResize="1" noEditPoints="1" noAdjustHandles="1" noChangeArrowheads="1" noChangeShapeType="1" noTextEdit="1"/>
+          </p:cNvSpPr>
+          <p:nvPr>
+            <p:extLst>
+              <p:ext uri="{386F3935-93C4-4BCD-93E2-E3B085C9AB24}">
+                <p16:designElem xmlns:p16="http://schemas.microsoft.com/office/powerpoint/2015/main" val="1"/>
+              </p:ext>
+            </p:extLst>
+          </p:nvPr>
+        </p:nvSpPr>
+        <p:spPr>
+          <a:xfrm>
+            <a:off x="530544" y="847600"/>
+            <a:ext cx="3464954" cy="4619938"/>
+          </a:xfrm>
+          <a:prstGeom prst="ellipse">
+            <a:avLst/>
+          </a:prstGeom>
+          <a:solidFill>
+            <a:schemeClr val="accent2"/>
+          </a:solidFill>
+          <a:ln>
+            <a:noFill/>
+          </a:ln>
+        </p:spPr>
+        <p:style>
+          <a:lnRef idx="2">
+            <a:schemeClr val="accent1">
+              <a:shade val="50000"/>
+            </a:schemeClr>
+          </a:lnRef>
+          <a:fillRef idx="1">
+            <a:schemeClr val="accent1"/>
+          </a:fillRef>
+          <a:effectRef idx="0">
+            <a:schemeClr val="accent1"/>
+          </a:effectRef>
+          <a:fontRef idx="minor">
+            <a:schemeClr val="lt1"/>
+          </a:fontRef>
+        </p:style>
+        <p:txBody>
+          <a:bodyPr rtlCol="0" anchor="ctr"/>
+          <a:lstStyle/>
+          <a:p>
+            <a:pPr algn="ctr"/>
+            <a:endParaRPr lang="en-US"/>
+          </a:p>
+        </p:txBody>
+      </p:sp>
+      <p:sp>
+        <p:nvSpPr>
+          <p:cNvPr id="2" name="Title 1">
+            <a:extLst>
+              <a:ext uri="{FF2B5EF4-FFF2-40B4-BE49-F238E27FC236}">
+                <a16:creationId xmlns:a16="http://schemas.microsoft.com/office/drawing/2014/main" id="{41257691-A7A0-F504-13E1-99975EF22C67}"/>
+              </a:ext>
+            </a:extLst>
+          </p:cNvPr>
+          <p:cNvSpPr>
+            <a:spLocks noGrp="1"/>
+          </p:cNvSpPr>
+          <p:nvPr>
+            <p:ph type="title"/>
+          </p:nvPr>
+        </p:nvSpPr>
+        <p:spPr>
+          <a:xfrm>
+            <a:off x="1041958" y="1233241"/>
+            <a:ext cx="2430380" cy="4064628"/>
+          </a:xfrm>
+        </p:spPr>
+        <p:txBody>
+          <a:bodyPr>
+            <a:normAutofit/>
+          </a:bodyPr>
+          <a:lstStyle/>
+          <a:p>
+            <a:r>
+              <a:rPr lang="en-US" sz="3700">
+                <a:solidFill>
+                  <a:srgbClr val="FFFFFF"/>
+                </a:solidFill>
+              </a:rPr>
+              <a:t>Conclusion</a:t>
+            </a:r>
+          </a:p>
+        </p:txBody>
+      </p:sp>
+      <p:sp>
+        <p:nvSpPr>
+          <p:cNvPr id="12" name="Freeform: Shape 11">
+            <a:extLst>
+              <a:ext uri="{FF2B5EF4-FFF2-40B4-BE49-F238E27FC236}">
+                <a16:creationId xmlns:a16="http://schemas.microsoft.com/office/drawing/2014/main" id="{14847E93-7DC1-4D4B-8829-B19AA7137C50}"/>
+              </a:ext>
+              <a:ext uri="{C183D7F6-B498-43B3-948B-1728B52AA6E4}">
+                <adec:decorative xmlns:adec="http://schemas.microsoft.com/office/drawing/2017/decorative" val="1"/>
+              </a:ext>
+            </a:extLst>
+          </p:cNvPr>
+          <p:cNvSpPr>
+            <a:spLocks noGrp="1" noRot="1" noChangeAspect="1" noMove="1" noResize="1" noEditPoints="1" noAdjustHandles="1" noChangeArrowheads="1" noChangeShapeType="1" noTextEdit="1"/>
+          </p:cNvSpPr>
+          <p:nvPr>
+            <p:extLst>
+              <p:ext uri="{386F3935-93C4-4BCD-93E2-E3B085C9AB24}">
+                <p16:designElem xmlns:p16="http://schemas.microsoft.com/office/powerpoint/2015/main" val="1"/>
+              </p:ext>
+            </p:extLst>
+          </p:nvPr>
+        </p:nvSpPr>
+        <p:spPr>
+          <a:xfrm flipH="1">
+            <a:off x="397896" y="0"/>
+            <a:ext cx="866357" cy="591009"/>
+          </a:xfrm>
+          <a:custGeom>
+            <a:avLst/>
+            <a:gdLst>
+              <a:gd name="connsiteX0" fmla="*/ 1355 w 1155142"/>
+              <a:gd name="connsiteY0" fmla="*/ 0 h 591009"/>
+              <a:gd name="connsiteX1" fmla="*/ 1153787 w 1155142"/>
+              <a:gd name="connsiteY1" fmla="*/ 0 h 591009"/>
+              <a:gd name="connsiteX2" fmla="*/ 1155142 w 1155142"/>
+              <a:gd name="connsiteY2" fmla="*/ 13438 h 591009"/>
+              <a:gd name="connsiteX3" fmla="*/ 577571 w 1155142"/>
+              <a:gd name="connsiteY3" fmla="*/ 591009 h 591009"/>
+              <a:gd name="connsiteX4" fmla="*/ 0 w 1155142"/>
+              <a:gd name="connsiteY4" fmla="*/ 13438 h 591009"/>
+            </a:gdLst>
+            <a:ahLst/>
+            <a:cxnLst>
+              <a:cxn ang="0">
+                <a:pos x="connsiteX0" y="connsiteY0"/>
+              </a:cxn>
+              <a:cxn ang="0">
+                <a:pos x="connsiteX1" y="connsiteY1"/>
+              </a:cxn>
+              <a:cxn ang="0">
+                <a:pos x="connsiteX2" y="connsiteY2"/>
+              </a:cxn>
+              <a:cxn ang="0">
+                <a:pos x="connsiteX3" y="connsiteY3"/>
+              </a:cxn>
+              <a:cxn ang="0">
+                <a:pos x="connsiteX4" y="connsiteY4"/>
+              </a:cxn>
+            </a:cxnLst>
+            <a:rect l="l" t="t" r="r" b="b"/>
+            <a:pathLst>
+              <a:path w="1155142" h="591009">
+                <a:moveTo>
+                  <a:pt x="1355" y="0"/>
+                </a:moveTo>
+                <a:lnTo>
+                  <a:pt x="1153787" y="0"/>
+                </a:lnTo>
+                <a:lnTo>
+                  <a:pt x="1155142" y="13438"/>
+                </a:lnTo>
+                <a:cubicBezTo>
+                  <a:pt x="1155142" y="332422"/>
+                  <a:pt x="896555" y="591009"/>
+                  <a:pt x="577571" y="591009"/>
+                </a:cubicBezTo>
+                <a:cubicBezTo>
+                  <a:pt x="258587" y="591009"/>
+                  <a:pt x="0" y="332422"/>
+                  <a:pt x="0" y="13438"/>
+                </a:cubicBezTo>
+                <a:close/>
+              </a:path>
+            </a:pathLst>
+          </a:custGeom>
+          <a:solidFill>
+            <a:schemeClr val="accent5"/>
+          </a:solidFill>
+          <a:ln>
+            <a:noFill/>
+          </a:ln>
+        </p:spPr>
+        <p:style>
+          <a:lnRef idx="2">
+            <a:schemeClr val="accent1">
+              <a:shade val="50000"/>
+            </a:schemeClr>
+          </a:lnRef>
+          <a:fillRef idx="1">
+            <a:schemeClr val="accent1"/>
+          </a:fillRef>
+          <a:effectRef idx="0">
+            <a:schemeClr val="accent1"/>
+          </a:effectRef>
+          <a:fontRef idx="minor">
+            <a:schemeClr val="lt1"/>
+          </a:fontRef>
+        </p:style>
+        <p:txBody>
+          <a:bodyPr wrap="square" rtlCol="0" anchor="ctr">
+            <a:noAutofit/>
+          </a:bodyPr>
+          <a:lstStyle/>
+          <a:p>
+            <a:pPr algn="ctr"/>
+            <a:endParaRPr lang="en-US"/>
+          </a:p>
+        </p:txBody>
+      </p:sp>
+      <p:sp>
+        <p:nvSpPr>
+          <p:cNvPr id="14" name="Freeform: Shape 13">
+            <a:extLst>
+              <a:ext uri="{FF2B5EF4-FFF2-40B4-BE49-F238E27FC236}">
+                <a16:creationId xmlns:a16="http://schemas.microsoft.com/office/drawing/2014/main" id="{5566D6E1-03A1-4D73-A4E0-35D74D568A04}"/>
+              </a:ext>
+              <a:ext uri="{C183D7F6-B498-43B3-948B-1728B52AA6E4}">
+                <adec:decorative xmlns:adec="http://schemas.microsoft.com/office/drawing/2017/decorative" val="1"/>
+              </a:ext>
+            </a:extLst>
+          </p:cNvPr>
+          <p:cNvSpPr>
+            <a:spLocks noGrp="1" noRot="1" noChangeAspect="1" noMove="1" noResize="1" noEditPoints="1" noAdjustHandles="1" noChangeArrowheads="1" noChangeShapeType="1" noTextEdit="1"/>
+          </p:cNvSpPr>
+          <p:nvPr>
+            <p:extLst>
+              <p:ext uri="{386F3935-93C4-4BCD-93E2-E3B085C9AB24}">
+                <p16:designElem xmlns:p16="http://schemas.microsoft.com/office/powerpoint/2015/main" val="1"/>
+              </p:ext>
+            </p:extLst>
+          </p:nvPr>
+        </p:nvSpPr>
+        <p:spPr>
+          <a:xfrm flipH="1">
+            <a:off x="2971133" y="-1"/>
+            <a:ext cx="1303051" cy="959536"/>
+          </a:xfrm>
+          <a:custGeom>
+            <a:avLst/>
+            <a:gdLst>
+              <a:gd name="connsiteX0" fmla="*/ 0 w 1737401"/>
+              <a:gd name="connsiteY0" fmla="*/ 0 h 959536"/>
+              <a:gd name="connsiteX1" fmla="*/ 123825 w 1737401"/>
+              <a:gd name="connsiteY1" fmla="*/ 0 h 959536"/>
+              <a:gd name="connsiteX2" fmla="*/ 123825 w 1737401"/>
+              <a:gd name="connsiteY2" fmla="*/ 790277 h 959536"/>
+              <a:gd name="connsiteX3" fmla="*/ 1490095 w 1737401"/>
+              <a:gd name="connsiteY3" fmla="*/ 0 h 959536"/>
+              <a:gd name="connsiteX4" fmla="*/ 1737401 w 1737401"/>
+              <a:gd name="connsiteY4" fmla="*/ 0 h 959536"/>
+              <a:gd name="connsiteX5" fmla="*/ 92869 w 1737401"/>
+              <a:gd name="connsiteY5" fmla="*/ 951249 h 959536"/>
+              <a:gd name="connsiteX6" fmla="*/ 61913 w 1737401"/>
+              <a:gd name="connsiteY6" fmla="*/ 959536 h 959536"/>
+              <a:gd name="connsiteX7" fmla="*/ 0 w 1737401"/>
+              <a:gd name="connsiteY7" fmla="*/ 897624 h 959536"/>
+            </a:gdLst>
+            <a:ahLst/>
+            <a:cxnLst>
+              <a:cxn ang="0">
+                <a:pos x="connsiteX0" y="connsiteY0"/>
+              </a:cxn>
+              <a:cxn ang="0">
+                <a:pos x="connsiteX1" y="connsiteY1"/>
+              </a:cxn>
+              <a:cxn ang="0">
+                <a:pos x="connsiteX2" y="connsiteY2"/>
+              </a:cxn>
+              <a:cxn ang="0">
+                <a:pos x="connsiteX3" y="connsiteY3"/>
+              </a:cxn>
+              <a:cxn ang="0">
+                <a:pos x="connsiteX4" y="connsiteY4"/>
+              </a:cxn>
+              <a:cxn ang="0">
+                <a:pos x="connsiteX5" y="connsiteY5"/>
+              </a:cxn>
+              <a:cxn ang="0">
+                <a:pos x="connsiteX6" y="connsiteY6"/>
+              </a:cxn>
+              <a:cxn ang="0">
+                <a:pos x="connsiteX7" y="connsiteY7"/>
+              </a:cxn>
+            </a:cxnLst>
+            <a:rect l="l" t="t" r="r" b="b"/>
+            <a:pathLst>
+              <a:path w="1737401" h="959536">
+                <a:moveTo>
+                  <a:pt x="0" y="0"/>
+                </a:moveTo>
+                <a:lnTo>
+                  <a:pt x="123825" y="0"/>
+                </a:lnTo>
+                <a:lnTo>
+                  <a:pt x="123825" y="790277"/>
+                </a:lnTo>
+                <a:lnTo>
+                  <a:pt x="1490095" y="0"/>
+                </a:lnTo>
+                <a:lnTo>
+                  <a:pt x="1737401" y="0"/>
+                </a:lnTo>
+                <a:lnTo>
+                  <a:pt x="92869" y="951249"/>
+                </a:lnTo>
+                <a:cubicBezTo>
+                  <a:pt x="83458" y="956688"/>
+                  <a:pt x="72780" y="959546"/>
+                  <a:pt x="61913" y="959536"/>
+                </a:cubicBezTo>
+                <a:cubicBezTo>
+                  <a:pt x="27719" y="959536"/>
+                  <a:pt x="0" y="931818"/>
+                  <a:pt x="0" y="897624"/>
+                </a:cubicBezTo>
+                <a:close/>
+              </a:path>
+            </a:pathLst>
+          </a:custGeom>
+          <a:solidFill>
+            <a:schemeClr val="accent6"/>
+          </a:solidFill>
+          <a:ln w="9525" cap="flat">
+            <a:noFill/>
+            <a:prstDash val="solid"/>
+            <a:miter/>
+          </a:ln>
+        </p:spPr>
+        <p:txBody>
+          <a:bodyPr rtlCol="0" anchor="ctr"/>
+          <a:lstStyle/>
+          <a:p>
+            <a:endParaRPr lang="en-US"/>
+          </a:p>
+        </p:txBody>
+      </p:sp>
+      <p:sp>
+        <p:nvSpPr>
+          <p:cNvPr id="16" name="Freeform: Shape 15">
+            <a:extLst>
+              <a:ext uri="{FF2B5EF4-FFF2-40B4-BE49-F238E27FC236}">
+                <a16:creationId xmlns:a16="http://schemas.microsoft.com/office/drawing/2014/main" id="{9F835A99-04AC-494A-A572-AFE8413CC938}"/>
+              </a:ext>
+              <a:ext uri="{C183D7F6-B498-43B3-948B-1728B52AA6E4}">
+                <adec:decorative xmlns:adec="http://schemas.microsoft.com/office/drawing/2017/decorative" val="1"/>
+              </a:ext>
+            </a:extLst>
+          </p:cNvPr>
+          <p:cNvSpPr>
+            <a:spLocks noGrp="1" noRot="1" noChangeAspect="1" noMove="1" noResize="1" noEditPoints="1" noAdjustHandles="1" noChangeArrowheads="1" noChangeShapeType="1" noTextEdit="1"/>
+          </p:cNvSpPr>
+          <p:nvPr>
+            <p:extLst>
+              <p:ext uri="{386F3935-93C4-4BCD-93E2-E3B085C9AB24}">
+                <p16:designElem xmlns:p16="http://schemas.microsoft.com/office/powerpoint/2015/main" val="1"/>
+              </p:ext>
+            </p:extLst>
+          </p:nvPr>
+        </p:nvSpPr>
+        <p:spPr>
+          <a:xfrm flipH="1">
+            <a:off x="0" y="2936831"/>
+            <a:ext cx="119805" cy="552996"/>
+          </a:xfrm>
+          <a:custGeom>
+            <a:avLst/>
+            <a:gdLst>
+              <a:gd name="connsiteX0" fmla="*/ 159741 w 159741"/>
+              <a:gd name="connsiteY0" fmla="*/ 0 h 552996"/>
+              <a:gd name="connsiteX1" fmla="*/ 159741 w 159741"/>
+              <a:gd name="connsiteY1" fmla="*/ 552996 h 552996"/>
+              <a:gd name="connsiteX2" fmla="*/ 141849 w 159741"/>
+              <a:gd name="connsiteY2" fmla="*/ 543285 h 552996"/>
+              <a:gd name="connsiteX3" fmla="*/ 0 w 159741"/>
+              <a:gd name="connsiteY3" fmla="*/ 276498 h 552996"/>
+              <a:gd name="connsiteX4" fmla="*/ 141849 w 159741"/>
+              <a:gd name="connsiteY4" fmla="*/ 9711 h 552996"/>
+            </a:gdLst>
+            <a:ahLst/>
+            <a:cxnLst>
+              <a:cxn ang="0">
+                <a:pos x="connsiteX0" y="connsiteY0"/>
+              </a:cxn>
+              <a:cxn ang="0">
+                <a:pos x="connsiteX1" y="connsiteY1"/>
+              </a:cxn>
+              <a:cxn ang="0">
+                <a:pos x="connsiteX2" y="connsiteY2"/>
+              </a:cxn>
+              <a:cxn ang="0">
+                <a:pos x="connsiteX3" y="connsiteY3"/>
+              </a:cxn>
+              <a:cxn ang="0">
+                <a:pos x="connsiteX4" y="connsiteY4"/>
+              </a:cxn>
+            </a:cxnLst>
+            <a:rect l="l" t="t" r="r" b="b"/>
+            <a:pathLst>
+              <a:path w="159741" h="552996">
+                <a:moveTo>
+                  <a:pt x="159741" y="0"/>
+                </a:moveTo>
+                <a:lnTo>
+                  <a:pt x="159741" y="552996"/>
+                </a:lnTo>
+                <a:lnTo>
+                  <a:pt x="141849" y="543285"/>
+                </a:lnTo>
+                <a:cubicBezTo>
+                  <a:pt x="56268" y="485467"/>
+                  <a:pt x="0" y="387554"/>
+                  <a:pt x="0" y="276498"/>
+                </a:cubicBezTo>
+                <a:cubicBezTo>
+                  <a:pt x="0" y="165443"/>
+                  <a:pt x="56268" y="67529"/>
+                  <a:pt x="141849" y="9711"/>
+                </a:cubicBezTo>
+                <a:close/>
+              </a:path>
+            </a:pathLst>
+          </a:custGeom>
+          <a:solidFill>
+            <a:schemeClr val="accent4"/>
+          </a:solidFill>
+          <a:ln w="127000">
+            <a:noFill/>
+          </a:ln>
+        </p:spPr>
+        <p:style>
+          <a:lnRef idx="2">
+            <a:schemeClr val="accent1">
+              <a:shade val="50000"/>
+            </a:schemeClr>
+          </a:lnRef>
+          <a:fillRef idx="1">
+            <a:schemeClr val="accent1"/>
+          </a:fillRef>
+          <a:effectRef idx="0">
+            <a:schemeClr val="accent1"/>
+          </a:effectRef>
+          <a:fontRef idx="minor">
+            <a:schemeClr val="lt1"/>
+          </a:fontRef>
+        </p:style>
+        <p:txBody>
+          <a:bodyPr wrap="square" rtlCol="0" anchor="ctr">
+            <a:noAutofit/>
+          </a:bodyPr>
+          <a:lstStyle/>
+          <a:p>
+            <a:pPr algn="ctr"/>
+            <a:endParaRPr lang="en-US"/>
+          </a:p>
+        </p:txBody>
+      </p:sp>
+      <p:sp>
+        <p:nvSpPr>
+          <p:cNvPr id="3" name="Content Placeholder 2">
+            <a:extLst>
+              <a:ext uri="{FF2B5EF4-FFF2-40B4-BE49-F238E27FC236}">
+                <a16:creationId xmlns:a16="http://schemas.microsoft.com/office/drawing/2014/main" id="{4B4EA615-9272-8BCC-CA4A-3268D7BA4C45}"/>
+              </a:ext>
+            </a:extLst>
+          </p:cNvPr>
+          <p:cNvSpPr>
+            <a:spLocks noGrp="1"/>
+          </p:cNvSpPr>
+          <p:nvPr>
+            <p:ph idx="1"/>
+          </p:nvPr>
+        </p:nvSpPr>
+        <p:spPr>
+          <a:xfrm>
+            <a:off x="4572000" y="820880"/>
+            <a:ext cx="3943349" cy="4889350"/>
+          </a:xfrm>
+        </p:spPr>
+        <p:txBody>
+          <a:bodyPr anchor="t">
+            <a:normAutofit/>
+          </a:bodyPr>
+          <a:lstStyle/>
+          <a:p>
+            <a:r>
+              <a:rPr lang="en-US" dirty="0"/>
+              <a:t>Final Model: Random Forest</a:t>
+            </a:r>
+          </a:p>
+          <a:p>
+            <a:r>
+              <a:rPr lang="en-US" dirty="0"/>
+              <a:t>High precision: fewer false positives</a:t>
+            </a:r>
+          </a:p>
+          <a:p>
+            <a:r>
+              <a:rPr lang="en-US" dirty="0"/>
+              <a:t>Supports proactive customer retention</a:t>
+            </a:r>
+          </a:p>
+        </p:txBody>
+      </p:sp>
+      <p:sp>
+        <p:nvSpPr>
+          <p:cNvPr id="18" name="Freeform: Shape 17">
+            <a:extLst>
+              <a:ext uri="{FF2B5EF4-FFF2-40B4-BE49-F238E27FC236}">
+                <a16:creationId xmlns:a16="http://schemas.microsoft.com/office/drawing/2014/main" id="{7B786209-1B0B-4CA9-9BDD-F7327066A84D}"/>
+              </a:ext>
+              <a:ext uri="{C183D7F6-B498-43B3-948B-1728B52AA6E4}">
+                <adec:decorative xmlns:adec="http://schemas.microsoft.com/office/drawing/2017/decorative" val="1"/>
+              </a:ext>
+            </a:extLst>
+          </p:cNvPr>
+          <p:cNvSpPr>
+            <a:spLocks noGrp="1" noRot="1" noChangeAspect="1" noMove="1" noResize="1" noEditPoints="1" noAdjustHandles="1" noChangeArrowheads="1" noChangeShapeType="1" noTextEdit="1"/>
+          </p:cNvSpPr>
+          <p:nvPr>
+            <p:extLst>
+              <p:ext uri="{386F3935-93C4-4BCD-93E2-E3B085C9AB24}">
+                <p16:designElem xmlns:p16="http://schemas.microsoft.com/office/powerpoint/2015/main" val="1"/>
+              </p:ext>
+            </p:extLst>
+          </p:nvPr>
+        </p:nvSpPr>
+        <p:spPr>
+          <a:xfrm flipH="1">
+            <a:off x="0" y="5835649"/>
+            <a:ext cx="1161135" cy="1022351"/>
+          </a:xfrm>
+          <a:custGeom>
+            <a:avLst/>
+            <a:gdLst>
+              <a:gd name="connsiteX0" fmla="*/ 61913 w 1548180"/>
+              <a:gd name="connsiteY0" fmla="*/ 0 h 1022351"/>
+              <a:gd name="connsiteX1" fmla="*/ 1548180 w 1548180"/>
+              <a:gd name="connsiteY1" fmla="*/ 0 h 1022351"/>
+              <a:gd name="connsiteX2" fmla="*/ 1548180 w 1548180"/>
+              <a:gd name="connsiteY2" fmla="*/ 123825 h 1022351"/>
+              <a:gd name="connsiteX3" fmla="*/ 123825 w 1548180"/>
+              <a:gd name="connsiteY3" fmla="*/ 123825 h 1022351"/>
+              <a:gd name="connsiteX4" fmla="*/ 123825 w 1548180"/>
+              <a:gd name="connsiteY4" fmla="*/ 1022351 h 1022351"/>
+              <a:gd name="connsiteX5" fmla="*/ 0 w 1548180"/>
+              <a:gd name="connsiteY5" fmla="*/ 1022351 h 1022351"/>
+              <a:gd name="connsiteX6" fmla="*/ 0 w 1548180"/>
+              <a:gd name="connsiteY6" fmla="*/ 61913 h 1022351"/>
+              <a:gd name="connsiteX7" fmla="*/ 61913 w 1548180"/>
+              <a:gd name="connsiteY7" fmla="*/ 0 h 1022351"/>
+            </a:gdLst>
+            <a:ahLst/>
+            <a:cxnLst>
+              <a:cxn ang="0">
+                <a:pos x="connsiteX0" y="connsiteY0"/>
+              </a:cxn>
+              <a:cxn ang="0">
+                <a:pos x="connsiteX1" y="connsiteY1"/>
+              </a:cxn>
+              <a:cxn ang="0">
+                <a:pos x="connsiteX2" y="connsiteY2"/>
+              </a:cxn>
+              <a:cxn ang="0">
+                <a:pos x="connsiteX3" y="connsiteY3"/>
+              </a:cxn>
+              <a:cxn ang="0">
+                <a:pos x="connsiteX4" y="connsiteY4"/>
+              </a:cxn>
+              <a:cxn ang="0">
+                <a:pos x="connsiteX5" y="connsiteY5"/>
+              </a:cxn>
+              <a:cxn ang="0">
+                <a:pos x="connsiteX6" y="connsiteY6"/>
+              </a:cxn>
+              <a:cxn ang="0">
+                <a:pos x="connsiteX7" y="connsiteY7"/>
+              </a:cxn>
+            </a:cxnLst>
+            <a:rect l="l" t="t" r="r" b="b"/>
+            <a:pathLst>
+              <a:path w="1548180" h="1022351">
+                <a:moveTo>
+                  <a:pt x="61913" y="0"/>
+                </a:moveTo>
+                <a:lnTo>
+                  <a:pt x="1548180" y="0"/>
+                </a:lnTo>
+                <a:lnTo>
+                  <a:pt x="1548180" y="123825"/>
+                </a:lnTo>
+                <a:lnTo>
+                  <a:pt x="123825" y="123825"/>
+                </a:lnTo>
+                <a:lnTo>
+                  <a:pt x="123825" y="1022351"/>
+                </a:lnTo>
+                <a:lnTo>
+                  <a:pt x="0" y="1022351"/>
+                </a:lnTo>
+                <a:lnTo>
+                  <a:pt x="0" y="61913"/>
+                </a:lnTo>
+                <a:cubicBezTo>
+                  <a:pt x="0" y="27719"/>
+                  <a:pt x="27719" y="0"/>
+                  <a:pt x="61913" y="0"/>
+                </a:cubicBezTo>
+                <a:close/>
+              </a:path>
+            </a:pathLst>
+          </a:custGeom>
+          <a:solidFill>
+            <a:schemeClr val="accent6"/>
+          </a:solidFill>
+          <a:ln w="9525" cap="flat">
+            <a:noFill/>
+            <a:prstDash val="solid"/>
+            <a:miter/>
+          </a:ln>
+        </p:spPr>
+        <p:txBody>
+          <a:bodyPr rtlCol="0" anchor="ctr"/>
+          <a:lstStyle/>
+          <a:p>
+            <a:endParaRPr lang="en-US"/>
+          </a:p>
+        </p:txBody>
+      </p:sp>
+      <p:sp>
+        <p:nvSpPr>
+          <p:cNvPr id="20" name="Freeform: Shape 19">
+            <a:extLst>
+              <a:ext uri="{FF2B5EF4-FFF2-40B4-BE49-F238E27FC236}">
+                <a16:creationId xmlns:a16="http://schemas.microsoft.com/office/drawing/2014/main" id="{2D2964BB-484D-45AE-AD66-D407D0629652}"/>
+              </a:ext>
+              <a:ext uri="{C183D7F6-B498-43B3-948B-1728B52AA6E4}">
+                <adec:decorative xmlns:adec="http://schemas.microsoft.com/office/drawing/2017/decorative" val="1"/>
+              </a:ext>
+            </a:extLst>
+          </p:cNvPr>
+          <p:cNvSpPr>
+            <a:spLocks noGrp="1" noRot="1" noChangeAspect="1" noMove="1" noResize="1" noEditPoints="1" noAdjustHandles="1" noChangeArrowheads="1" noChangeShapeType="1" noTextEdit="1"/>
+          </p:cNvSpPr>
+          <p:nvPr>
+            <p:extLst>
+              <p:ext uri="{386F3935-93C4-4BCD-93E2-E3B085C9AB24}">
+                <p16:designElem xmlns:p16="http://schemas.microsoft.com/office/powerpoint/2015/main" val="1"/>
+              </p:ext>
+            </p:extLst>
+          </p:nvPr>
+        </p:nvSpPr>
+        <p:spPr>
+          <a:xfrm flipH="1">
+            <a:off x="2553792" y="5717905"/>
+            <a:ext cx="1328706" cy="1140095"/>
+          </a:xfrm>
+          <a:custGeom>
+            <a:avLst/>
+            <a:gdLst>
+              <a:gd name="connsiteX0" fmla="*/ 1561721 w 1771609"/>
+              <a:gd name="connsiteY0" fmla="*/ 763041 h 1140095"/>
+              <a:gd name="connsiteX1" fmla="*/ 1623024 w 1771609"/>
+              <a:gd name="connsiteY1" fmla="*/ 792810 h 1140095"/>
+              <a:gd name="connsiteX2" fmla="*/ 1711735 w 1771609"/>
+              <a:gd name="connsiteY2" fmla="*/ 970132 h 1140095"/>
+              <a:gd name="connsiteX3" fmla="*/ 1771609 w 1771609"/>
+              <a:gd name="connsiteY3" fmla="*/ 1140095 h 1140095"/>
+              <a:gd name="connsiteX4" fmla="*/ 1637225 w 1771609"/>
+              <a:gd name="connsiteY4" fmla="*/ 1140095 h 1140095"/>
+              <a:gd name="connsiteX5" fmla="*/ 1594820 w 1771609"/>
+              <a:gd name="connsiteY5" fmla="*/ 1019711 h 1140095"/>
+              <a:gd name="connsiteX6" fmla="*/ 1513200 w 1771609"/>
+              <a:gd name="connsiteY6" fmla="*/ 856627 h 1140095"/>
+              <a:gd name="connsiteX7" fmla="*/ 1538499 w 1771609"/>
+              <a:gd name="connsiteY7" fmla="*/ 770415 h 1140095"/>
+              <a:gd name="connsiteX8" fmla="*/ 1561721 w 1771609"/>
+              <a:gd name="connsiteY8" fmla="*/ 763041 h 1140095"/>
+              <a:gd name="connsiteX9" fmla="*/ 933455 w 1771609"/>
+              <a:gd name="connsiteY9" fmla="*/ 161309 h 1140095"/>
+              <a:gd name="connsiteX10" fmla="*/ 957797 w 1771609"/>
+              <a:gd name="connsiteY10" fmla="*/ 167970 h 1140095"/>
+              <a:gd name="connsiteX11" fmla="*/ 1286982 w 1771609"/>
+              <a:gd name="connsiteY11" fmla="*/ 387616 h 1140095"/>
+              <a:gd name="connsiteX12" fmla="*/ 1293725 w 1771609"/>
+              <a:gd name="connsiteY12" fmla="*/ 477075 h 1140095"/>
+              <a:gd name="connsiteX13" fmla="*/ 1245453 w 1771609"/>
+              <a:gd name="connsiteY13" fmla="*/ 499154 h 1140095"/>
+              <a:gd name="connsiteX14" fmla="*/ 1245167 w 1771609"/>
+              <a:gd name="connsiteY14" fmla="*/ 499154 h 1140095"/>
+              <a:gd name="connsiteX15" fmla="*/ 1203638 w 1771609"/>
+              <a:gd name="connsiteY15" fmla="*/ 484104 h 1140095"/>
+              <a:gd name="connsiteX16" fmla="*/ 900647 w 1771609"/>
+              <a:gd name="connsiteY16" fmla="*/ 281508 h 1140095"/>
+              <a:gd name="connsiteX17" fmla="*/ 872454 w 1771609"/>
+              <a:gd name="connsiteY17" fmla="*/ 196164 h 1140095"/>
+              <a:gd name="connsiteX18" fmla="*/ 933455 w 1771609"/>
+              <a:gd name="connsiteY18" fmla="*/ 161309 h 1140095"/>
+              <a:gd name="connsiteX19" fmla="*/ 256260 w 1771609"/>
+              <a:gd name="connsiteY19" fmla="*/ 29 h 1140095"/>
+              <a:gd name="connsiteX20" fmla="*/ 454020 w 1771609"/>
+              <a:gd name="connsiteY20" fmla="*/ 13474 h 1140095"/>
+              <a:gd name="connsiteX21" fmla="*/ 509236 w 1771609"/>
+              <a:gd name="connsiteY21" fmla="*/ 84182 h 1140095"/>
+              <a:gd name="connsiteX22" fmla="*/ 445829 w 1771609"/>
+              <a:gd name="connsiteY22" fmla="*/ 139871 h 1140095"/>
+              <a:gd name="connsiteX23" fmla="*/ 437447 w 1771609"/>
+              <a:gd name="connsiteY23" fmla="*/ 139395 h 1140095"/>
+              <a:gd name="connsiteX24" fmla="*/ 73211 w 1771609"/>
+              <a:gd name="connsiteY24" fmla="*/ 137204 h 1140095"/>
+              <a:gd name="connsiteX25" fmla="*/ 749 w 1771609"/>
+              <a:gd name="connsiteY25" fmla="*/ 84082 h 1140095"/>
+              <a:gd name="connsiteX26" fmla="*/ 53871 w 1771609"/>
+              <a:gd name="connsiteY26" fmla="*/ 11621 h 1140095"/>
+              <a:gd name="connsiteX27" fmla="*/ 58352 w 1771609"/>
+              <a:gd name="connsiteY27" fmla="*/ 11093 h 1140095"/>
+              <a:gd name="connsiteX28" fmla="*/ 256260 w 1771609"/>
+              <a:gd name="connsiteY28" fmla="*/ 29 h 1140095"/>
+            </a:gdLst>
+            <a:ahLst/>
+            <a:cxnLst>
+              <a:cxn ang="0">
+                <a:pos x="connsiteX0" y="connsiteY0"/>
+              </a:cxn>
+              <a:cxn ang="0">
+                <a:pos x="connsiteX1" y="connsiteY1"/>
+              </a:cxn>
+              <a:cxn ang="0">
+                <a:pos x="connsiteX2" y="connsiteY2"/>
+              </a:cxn>
+              <a:cxn ang="0">
+                <a:pos x="connsiteX3" y="connsiteY3"/>
+              </a:cxn>
+              <a:cxn ang="0">
+                <a:pos x="connsiteX4" y="connsiteY4"/>
+              </a:cxn>
+              <a:cxn ang="0">
+                <a:pos x="connsiteX5" y="connsiteY5"/>
+              </a:cxn>
+              <a:cxn ang="0">
+                <a:pos x="connsiteX6" y="connsiteY6"/>
+              </a:cxn>
+              <a:cxn ang="0">
+                <a:pos x="connsiteX7" y="connsiteY7"/>
+              </a:cxn>
+              <a:cxn ang="0">
+                <a:pos x="connsiteX8" y="connsiteY8"/>
+              </a:cxn>
+              <a:cxn ang="0">
+                <a:pos x="connsiteX9" y="connsiteY9"/>
+              </a:cxn>
+              <a:cxn ang="0">
+                <a:pos x="connsiteX10" y="connsiteY10"/>
+              </a:cxn>
+              <a:cxn ang="0">
+                <a:pos x="connsiteX11" y="connsiteY11"/>
+              </a:cxn>
+              <a:cxn ang="0">
+                <a:pos x="connsiteX12" y="connsiteY12"/>
+              </a:cxn>
+              <a:cxn ang="0">
+                <a:pos x="connsiteX13" y="connsiteY13"/>
+              </a:cxn>
+              <a:cxn ang="0">
+                <a:pos x="connsiteX14" y="connsiteY14"/>
+              </a:cxn>
+              <a:cxn ang="0">
+                <a:pos x="connsiteX15" y="connsiteY15"/>
+              </a:cxn>
+              <a:cxn ang="0">
+                <a:pos x="connsiteX16" y="connsiteY16"/>
+              </a:cxn>
+              <a:cxn ang="0">
+                <a:pos x="connsiteX17" y="connsiteY17"/>
+              </a:cxn>
+              <a:cxn ang="0">
+                <a:pos x="connsiteX18" y="connsiteY18"/>
+              </a:cxn>
+              <a:cxn ang="0">
+                <a:pos x="connsiteX19" y="connsiteY19"/>
+              </a:cxn>
+              <a:cxn ang="0">
+                <a:pos x="connsiteX20" y="connsiteY20"/>
+              </a:cxn>
+              <a:cxn ang="0">
+                <a:pos x="connsiteX21" y="connsiteY21"/>
+              </a:cxn>
+              <a:cxn ang="0">
+                <a:pos x="connsiteX22" y="connsiteY22"/>
+              </a:cxn>
+              <a:cxn ang="0">
+                <a:pos x="connsiteX23" y="connsiteY23"/>
+              </a:cxn>
+              <a:cxn ang="0">
+                <a:pos x="connsiteX24" y="connsiteY24"/>
+              </a:cxn>
+              <a:cxn ang="0">
+                <a:pos x="connsiteX25" y="connsiteY25"/>
+              </a:cxn>
+              <a:cxn ang="0">
+                <a:pos x="connsiteX26" y="connsiteY26"/>
+              </a:cxn>
+              <a:cxn ang="0">
+                <a:pos x="connsiteX27" y="connsiteY27"/>
+              </a:cxn>
+              <a:cxn ang="0">
+                <a:pos x="connsiteX28" y="connsiteY28"/>
+              </a:cxn>
+            </a:cxnLst>
+            <a:rect l="l" t="t" r="r" b="b"/>
+            <a:pathLst>
+              <a:path w="1771609" h="1140095">
+                <a:moveTo>
+                  <a:pt x="1561721" y="763041"/>
+                </a:moveTo>
+                <a:cubicBezTo>
+                  <a:pt x="1585506" y="760324"/>
+                  <a:pt x="1609722" y="771249"/>
+                  <a:pt x="1623024" y="792810"/>
+                </a:cubicBezTo>
+                <a:cubicBezTo>
+                  <a:pt x="1656300" y="850065"/>
+                  <a:pt x="1685920" y="909291"/>
+                  <a:pt x="1711735" y="970132"/>
+                </a:cubicBezTo>
+                <a:lnTo>
+                  <a:pt x="1771609" y="1140095"/>
+                </a:lnTo>
+                <a:lnTo>
+                  <a:pt x="1637225" y="1140095"/>
+                </a:lnTo>
+                <a:lnTo>
+                  <a:pt x="1594820" y="1019711"/>
+                </a:lnTo>
+                <a:cubicBezTo>
+                  <a:pt x="1571072" y="963753"/>
+                  <a:pt x="1543818" y="909282"/>
+                  <a:pt x="1513200" y="856627"/>
+                </a:cubicBezTo>
+                <a:cubicBezTo>
+                  <a:pt x="1496379" y="825834"/>
+                  <a:pt x="1507704" y="787236"/>
+                  <a:pt x="1538499" y="770415"/>
+                </a:cubicBezTo>
+                <a:cubicBezTo>
+                  <a:pt x="1545912" y="766367"/>
+                  <a:pt x="1553792" y="763946"/>
+                  <a:pt x="1561721" y="763041"/>
+                </a:cubicBezTo>
+                <a:close/>
+                <a:moveTo>
+                  <a:pt x="933455" y="161309"/>
+                </a:moveTo>
+                <a:cubicBezTo>
+                  <a:pt x="941693" y="161855"/>
+                  <a:pt x="949959" y="164025"/>
+                  <a:pt x="957797" y="167970"/>
+                </a:cubicBezTo>
+                <a:cubicBezTo>
+                  <a:pt x="1076184" y="227289"/>
+                  <a:pt x="1186759" y="301068"/>
+                  <a:pt x="1286982" y="387616"/>
+                </a:cubicBezTo>
+                <a:cubicBezTo>
+                  <a:pt x="1313547" y="410457"/>
+                  <a:pt x="1316566" y="450510"/>
+                  <a:pt x="1293725" y="477075"/>
+                </a:cubicBezTo>
+                <a:cubicBezTo>
+                  <a:pt x="1281638" y="491137"/>
+                  <a:pt x="1263998" y="499204"/>
+                  <a:pt x="1245453" y="499154"/>
+                </a:cubicBezTo>
+                <a:lnTo>
+                  <a:pt x="1245167" y="499154"/>
+                </a:lnTo>
+                <a:cubicBezTo>
+                  <a:pt x="1229965" y="499301"/>
+                  <a:pt x="1215220" y="493956"/>
+                  <a:pt x="1203638" y="484104"/>
+                </a:cubicBezTo>
+                <a:cubicBezTo>
+                  <a:pt x="1111407" y="404300"/>
+                  <a:pt x="1009633" y="336248"/>
+                  <a:pt x="900647" y="281508"/>
+                </a:cubicBezTo>
+                <a:cubicBezTo>
+                  <a:pt x="869295" y="265726"/>
+                  <a:pt x="856672" y="227516"/>
+                  <a:pt x="872454" y="196164"/>
+                </a:cubicBezTo>
+                <a:cubicBezTo>
+                  <a:pt x="884290" y="172650"/>
+                  <a:pt x="908742" y="159670"/>
+                  <a:pt x="933455" y="161309"/>
+                </a:cubicBezTo>
+                <a:close/>
+                <a:moveTo>
+                  <a:pt x="256260" y="29"/>
+                </a:moveTo>
+                <a:cubicBezTo>
+                  <a:pt x="322331" y="427"/>
+                  <a:pt x="388378" y="4909"/>
+                  <a:pt x="454020" y="13474"/>
+                </a:cubicBezTo>
+                <a:cubicBezTo>
+                  <a:pt x="488793" y="17752"/>
+                  <a:pt x="513514" y="49409"/>
+                  <a:pt x="509236" y="84182"/>
+                </a:cubicBezTo>
+                <a:cubicBezTo>
+                  <a:pt x="505303" y="116151"/>
+                  <a:pt x="478038" y="140098"/>
+                  <a:pt x="445829" y="139871"/>
+                </a:cubicBezTo>
+                <a:cubicBezTo>
+                  <a:pt x="443027" y="139899"/>
+                  <a:pt x="440227" y="139740"/>
+                  <a:pt x="437447" y="139395"/>
+                </a:cubicBezTo>
+                <a:cubicBezTo>
+                  <a:pt x="316592" y="123615"/>
+                  <a:pt x="194247" y="122878"/>
+                  <a:pt x="73211" y="137204"/>
+                </a:cubicBezTo>
+                <a:cubicBezTo>
+                  <a:pt x="38532" y="142545"/>
+                  <a:pt x="6090" y="118762"/>
+                  <a:pt x="749" y="84082"/>
+                </a:cubicBezTo>
+                <a:cubicBezTo>
+                  <a:pt x="-4591" y="49403"/>
+                  <a:pt x="19192" y="16961"/>
+                  <a:pt x="53871" y="11621"/>
+                </a:cubicBezTo>
+                <a:cubicBezTo>
+                  <a:pt x="55358" y="11392"/>
+                  <a:pt x="56852" y="11216"/>
+                  <a:pt x="58352" y="11093"/>
+                </a:cubicBezTo>
+                <a:cubicBezTo>
+                  <a:pt x="124093" y="3319"/>
+                  <a:pt x="190189" y="-369"/>
+                  <a:pt x="256260" y="29"/>
+                </a:cubicBezTo>
+                <a:close/>
+              </a:path>
+            </a:pathLst>
+          </a:custGeom>
+          <a:solidFill>
+            <a:schemeClr val="accent4"/>
+          </a:solidFill>
+          <a:ln w="9525" cap="flat">
+            <a:noFill/>
+            <a:prstDash val="solid"/>
+            <a:miter/>
+          </a:ln>
+        </p:spPr>
+        <p:txBody>
+          <a:bodyPr rtlCol="0" anchor="ctr"/>
+          <a:lstStyle/>
+          <a:p>
+            <a:endParaRPr lang="en-US"/>
+          </a:p>
+        </p:txBody>
+      </p:sp>
+      <p:sp>
+        <p:nvSpPr>
+          <p:cNvPr id="22" name="Freeform: Shape 21">
+            <a:extLst>
+              <a:ext uri="{FF2B5EF4-FFF2-40B4-BE49-F238E27FC236}">
+                <a16:creationId xmlns:a16="http://schemas.microsoft.com/office/drawing/2014/main" id="{6691AC69-A76E-4DAB-B565-468B6B87ACF3}"/>
+              </a:ext>
+              <a:ext uri="{C183D7F6-B498-43B3-948B-1728B52AA6E4}">
+                <adec:decorative xmlns:adec="http://schemas.microsoft.com/office/drawing/2017/decorative" val="1"/>
+              </a:ext>
+            </a:extLst>
+          </p:cNvPr>
+          <p:cNvSpPr>
+            <a:spLocks noGrp="1" noRot="1" noChangeAspect="1" noMove="1" noResize="1" noEditPoints="1" noAdjustHandles="1" noChangeArrowheads="1" noChangeShapeType="1" noTextEdit="1"/>
+          </p:cNvSpPr>
+          <p:nvPr>
+            <p:extLst>
+              <p:ext uri="{386F3935-93C4-4BCD-93E2-E3B085C9AB24}">
+                <p16:designElem xmlns:p16="http://schemas.microsoft.com/office/powerpoint/2015/main" val="1"/>
+              </p:ext>
+            </p:extLst>
+          </p:nvPr>
+        </p:nvSpPr>
+        <p:spPr>
+          <a:xfrm flipH="1">
+            <a:off x="3099729" y="6258755"/>
+            <a:ext cx="1174455" cy="599245"/>
+          </a:xfrm>
+          <a:custGeom>
+            <a:avLst/>
+            <a:gdLst>
+              <a:gd name="connsiteX0" fmla="*/ 782970 w 1565940"/>
+              <a:gd name="connsiteY0" fmla="*/ 0 h 599245"/>
+              <a:gd name="connsiteX1" fmla="*/ 1528042 w 1565940"/>
+              <a:gd name="connsiteY1" fmla="*/ 480469 h 599245"/>
+              <a:gd name="connsiteX2" fmla="*/ 1565940 w 1565940"/>
+              <a:gd name="connsiteY2" fmla="*/ 599245 h 599245"/>
+              <a:gd name="connsiteX3" fmla="*/ 0 w 1565940"/>
+              <a:gd name="connsiteY3" fmla="*/ 599245 h 599245"/>
+              <a:gd name="connsiteX4" fmla="*/ 37898 w 1565940"/>
+              <a:gd name="connsiteY4" fmla="*/ 480469 h 599245"/>
+              <a:gd name="connsiteX5" fmla="*/ 782970 w 1565940"/>
+              <a:gd name="connsiteY5" fmla="*/ 0 h 599245"/>
+            </a:gdLst>
+            <a:ahLst/>
+            <a:cxnLst>
+              <a:cxn ang="0">
+                <a:pos x="connsiteX0" y="connsiteY0"/>
+              </a:cxn>
+              <a:cxn ang="0">
+                <a:pos x="connsiteX1" y="connsiteY1"/>
+              </a:cxn>
+              <a:cxn ang="0">
+                <a:pos x="connsiteX2" y="connsiteY2"/>
+              </a:cxn>
+              <a:cxn ang="0">
+                <a:pos x="connsiteX3" y="connsiteY3"/>
+              </a:cxn>
+              <a:cxn ang="0">
+                <a:pos x="connsiteX4" y="connsiteY4"/>
+              </a:cxn>
+              <a:cxn ang="0">
+                <a:pos x="connsiteX5" y="connsiteY5"/>
+              </a:cxn>
+            </a:cxnLst>
+            <a:rect l="l" t="t" r="r" b="b"/>
+            <a:pathLst>
+              <a:path w="1565940" h="599245">
+                <a:moveTo>
+                  <a:pt x="782970" y="0"/>
+                </a:moveTo>
+                <a:cubicBezTo>
+                  <a:pt x="1117910" y="0"/>
+                  <a:pt x="1405287" y="198118"/>
+                  <a:pt x="1528042" y="480469"/>
+                </a:cubicBezTo>
+                <a:lnTo>
+                  <a:pt x="1565940" y="599245"/>
+                </a:lnTo>
+                <a:lnTo>
+                  <a:pt x="0" y="599245"/>
+                </a:lnTo>
+                <a:lnTo>
+                  <a:pt x="37898" y="480469"/>
+                </a:lnTo>
+                <a:cubicBezTo>
+                  <a:pt x="160653" y="198118"/>
+                  <a:pt x="448030" y="0"/>
+                  <a:pt x="782970" y="0"/>
+                </a:cubicBezTo>
+                <a:close/>
+              </a:path>
+            </a:pathLst>
+          </a:custGeom>
+          <a:solidFill>
+            <a:schemeClr val="accent2"/>
+          </a:solidFill>
+          <a:ln>
+            <a:noFill/>
+          </a:ln>
+        </p:spPr>
+        <p:style>
+          <a:lnRef idx="2">
+            <a:schemeClr val="accent1">
+              <a:shade val="50000"/>
+            </a:schemeClr>
+          </a:lnRef>
+          <a:fillRef idx="1">
+            <a:schemeClr val="accent1"/>
+          </a:fillRef>
+          <a:effectRef idx="0">
+            <a:schemeClr val="accent1"/>
+          </a:effectRef>
+          <a:fontRef idx="minor">
+            <a:schemeClr val="lt1"/>
+          </a:fontRef>
+        </p:style>
+        <p:txBody>
+          <a:bodyPr wrap="square" rtlCol="0" anchor="ctr">
+            <a:noAutofit/>
+          </a:bodyPr>
+          <a:lstStyle/>
+          <a:p>
+            <a:pPr algn="ctr"/>
+            <a:endParaRPr lang="en-US" dirty="0"/>
+          </a:p>
+        </p:txBody>
+      </p:sp>
+    </p:spTree>
+    <p:extLst>
+      <p:ext uri="{BB962C8B-B14F-4D97-AF65-F5344CB8AC3E}">
+        <p14:creationId xmlns:p14="http://schemas.microsoft.com/office/powerpoint/2010/main" val="3289346370"/>
+      </p:ext>
+    </p:extLst>
+  </p:cSld>
+  <p:clrMapOvr>
+    <a:masterClrMapping/>
+  </p:clrMapOvr>
+</p:sld>
+</file>
+
+<file path=ppt/slides/slide24.xml><?xml version="1.0" encoding="utf-8"?>
+<p:sld xmlns:a="http://schemas.openxmlformats.org/drawingml/2006/main" xmlns:r="http://schemas.openxmlformats.org/officeDocument/2006/relationships" xmlns:p="http://schemas.openxmlformats.org/presentationml/2006/main">
+  <p:cSld>
+    <p:bg>
+      <p:bgPr>
+        <a:solidFill>
+          <a:schemeClr val="bg1">
+            <a:tint val="95000"/>
+            <a:satMod val="170000"/>
+          </a:schemeClr>
+        </a:solidFill>
+        <a:effectLst/>
+      </p:bgPr>
+    </p:bg>
+    <p:spTree>
+      <p:nvGrpSpPr>
+        <p:cNvPr id="1" name=""/>
+        <p:cNvGrpSpPr/>
+        <p:nvPr/>
+      </p:nvGrpSpPr>
+      <p:grpSpPr>
+        <a:xfrm>
+          <a:off x="0" y="0"/>
+          <a:ext cx="0" cy="0"/>
+          <a:chOff x="0" y="0"/>
+          <a:chExt cx="0" cy="0"/>
+        </a:xfrm>
+      </p:grpSpPr>
+      <p:sp>
+        <p:nvSpPr>
+          <p:cNvPr id="2" name="Title 1">
+            <a:extLst>
+              <a:ext uri="{FF2B5EF4-FFF2-40B4-BE49-F238E27FC236}">
+                <a16:creationId xmlns:a16="http://schemas.microsoft.com/office/drawing/2014/main" id="{9F26FA08-BE3C-1737-BFA7-AC5DEB8D3707}"/>
+              </a:ext>
+            </a:extLst>
+          </p:cNvPr>
+          <p:cNvSpPr>
+            <a:spLocks noGrp="1"/>
+          </p:cNvSpPr>
+          <p:nvPr>
+            <p:ph type="title"/>
+          </p:nvPr>
+        </p:nvSpPr>
+        <p:spPr>
+          <a:xfrm>
+            <a:off x="363212" y="1326724"/>
+            <a:ext cx="3985902" cy="994172"/>
+          </a:xfrm>
+        </p:spPr>
+        <p:txBody>
+          <a:bodyPr>
+            <a:normAutofit/>
+          </a:bodyPr>
+          <a:lstStyle/>
+          <a:p>
+            <a:pPr>
+              <a:lnSpc>
+                <a:spcPct val="90000"/>
+              </a:lnSpc>
+            </a:pPr>
+            <a:r>
+              <a:rPr lang="en-US" sz="3100"/>
+              <a:t>Future Improvements</a:t>
+            </a:r>
+          </a:p>
+        </p:txBody>
+      </p:sp>
+      <p:sp>
+        <p:nvSpPr>
+          <p:cNvPr id="24" name="Content Placeholder 2">
+            <a:extLst>
+              <a:ext uri="{FF2B5EF4-FFF2-40B4-BE49-F238E27FC236}">
+                <a16:creationId xmlns:a16="http://schemas.microsoft.com/office/drawing/2014/main" id="{D88B802F-4CFB-E746-A62F-CB6998E190D5}"/>
+              </a:ext>
+            </a:extLst>
+          </p:cNvPr>
+          <p:cNvSpPr>
+            <a:spLocks noGrp="1"/>
+          </p:cNvSpPr>
+          <p:nvPr>
+            <p:ph idx="1"/>
+          </p:nvPr>
+        </p:nvSpPr>
+        <p:spPr>
+          <a:xfrm>
+            <a:off x="363212" y="2433494"/>
+            <a:ext cx="3985907" cy="2881456"/>
+          </a:xfrm>
+        </p:spPr>
+        <p:txBody>
+          <a:bodyPr anchor="t">
+            <a:normAutofit lnSpcReduction="10000"/>
+          </a:bodyPr>
+          <a:lstStyle/>
+          <a:p>
+            <a:pPr>
+              <a:lnSpc>
+                <a:spcPct val="150000"/>
+              </a:lnSpc>
+            </a:pPr>
+            <a:r>
+              <a:rPr lang="en-US" sz="2400"/>
+              <a:t>Try SMOTE or class weights</a:t>
+            </a:r>
+          </a:p>
+          <a:p>
+            <a:pPr>
+              <a:lnSpc>
+                <a:spcPct val="150000"/>
+              </a:lnSpc>
+            </a:pPr>
+            <a:r>
+              <a:rPr lang="en-US" sz="2400"/>
+              <a:t>Explore SHAP for model explainability</a:t>
+            </a:r>
+          </a:p>
+          <a:p>
+            <a:pPr>
+              <a:lnSpc>
+                <a:spcPct val="150000"/>
+              </a:lnSpc>
+            </a:pPr>
+            <a:r>
+              <a:rPr lang="en-US" sz="2400"/>
+              <a:t>Deploy with Flask or Streamlit</a:t>
+            </a:r>
+          </a:p>
+          <a:p>
+            <a:pPr>
+              <a:lnSpc>
+                <a:spcPct val="150000"/>
+              </a:lnSpc>
+            </a:pPr>
+            <a:endParaRPr lang="en-US" sz="2400"/>
+          </a:p>
+        </p:txBody>
+      </p:sp>
+      <p:sp>
+        <p:nvSpPr>
+          <p:cNvPr id="25" name="Freeform: Shape 24">
+            <a:extLst>
+              <a:ext uri="{FF2B5EF4-FFF2-40B4-BE49-F238E27FC236}">
+                <a16:creationId xmlns:a16="http://schemas.microsoft.com/office/drawing/2014/main" id="{CF62D2A7-8207-488C-9F46-316BA81A16C8}"/>
+              </a:ext>
+              <a:ext uri="{C183D7F6-B498-43B3-948B-1728B52AA6E4}">
+                <adec:decorative xmlns:adec="http://schemas.microsoft.com/office/drawing/2017/decorative" val="1"/>
+              </a:ext>
+            </a:extLst>
+          </p:cNvPr>
+          <p:cNvSpPr>
+            <a:spLocks noGrp="1" noRot="1" noChangeAspect="1" noMove="1" noResize="1" noEditPoints="1" noAdjustHandles="1" noChangeArrowheads="1" noChangeShapeType="1" noTextEdit="1"/>
+          </p:cNvSpPr>
+          <p:nvPr>
+            <p:extLst>
+              <p:ext uri="{386F3935-93C4-4BCD-93E2-E3B085C9AB24}">
+                <p16:designElem xmlns:p16="http://schemas.microsoft.com/office/powerpoint/2015/main" val="1"/>
+              </p:ext>
+            </p:extLst>
+          </p:nvPr>
+        </p:nvSpPr>
+        <p:spPr>
+          <a:xfrm flipH="1">
+            <a:off x="4419600" y="0"/>
+            <a:ext cx="4724400" cy="4919011"/>
+          </a:xfrm>
+          <a:custGeom>
+            <a:avLst/>
+            <a:gdLst>
+              <a:gd name="connsiteX0" fmla="*/ 0 w 5609220"/>
+              <a:gd name="connsiteY0" fmla="*/ 0 h 5840278"/>
+              <a:gd name="connsiteX1" fmla="*/ 4637091 w 5609220"/>
+              <a:gd name="connsiteY1" fmla="*/ 0 h 5840278"/>
+              <a:gd name="connsiteX2" fmla="*/ 4822569 w 5609220"/>
+              <a:gd name="connsiteY2" fmla="*/ 204077 h 5840278"/>
+              <a:gd name="connsiteX3" fmla="*/ 5609220 w 5609220"/>
+              <a:gd name="connsiteY3" fmla="*/ 2395363 h 5840278"/>
+              <a:gd name="connsiteX4" fmla="*/ 2164305 w 5609220"/>
+              <a:gd name="connsiteY4" fmla="*/ 5840278 h 5840278"/>
+              <a:gd name="connsiteX5" fmla="*/ 238220 w 5609220"/>
+              <a:gd name="connsiteY5" fmla="*/ 5251941 h 5840278"/>
+              <a:gd name="connsiteX6" fmla="*/ 0 w 5609220"/>
+              <a:gd name="connsiteY6" fmla="*/ 5073803 h 5840278"/>
+            </a:gdLst>
+            <a:ahLst/>
+            <a:cxnLst>
+              <a:cxn ang="0">
+                <a:pos x="connsiteX0" y="connsiteY0"/>
+              </a:cxn>
+              <a:cxn ang="0">
+                <a:pos x="connsiteX1" y="connsiteY1"/>
+              </a:cxn>
+              <a:cxn ang="0">
+                <a:pos x="connsiteX2" y="connsiteY2"/>
+              </a:cxn>
+              <a:cxn ang="0">
+                <a:pos x="connsiteX3" y="connsiteY3"/>
+              </a:cxn>
+              <a:cxn ang="0">
+                <a:pos x="connsiteX4" y="connsiteY4"/>
+              </a:cxn>
+              <a:cxn ang="0">
+                <a:pos x="connsiteX5" y="connsiteY5"/>
+              </a:cxn>
+              <a:cxn ang="0">
+                <a:pos x="connsiteX6" y="connsiteY6"/>
+              </a:cxn>
+            </a:cxnLst>
+            <a:rect l="l" t="t" r="r" b="b"/>
+            <a:pathLst>
+              <a:path w="5609220" h="5840278">
+                <a:moveTo>
+                  <a:pt x="0" y="0"/>
+                </a:moveTo>
+                <a:lnTo>
+                  <a:pt x="4637091" y="0"/>
+                </a:lnTo>
+                <a:lnTo>
+                  <a:pt x="4822569" y="204077"/>
+                </a:lnTo>
+                <a:cubicBezTo>
+                  <a:pt x="5314007" y="799562"/>
+                  <a:pt x="5609220" y="1562987"/>
+                  <a:pt x="5609220" y="2395363"/>
+                </a:cubicBezTo>
+                <a:cubicBezTo>
+                  <a:pt x="5609220" y="4297937"/>
+                  <a:pt x="4066879" y="5840278"/>
+                  <a:pt x="2164305" y="5840278"/>
+                </a:cubicBezTo>
+                <a:cubicBezTo>
+                  <a:pt x="1450840" y="5840278"/>
+                  <a:pt x="788032" y="5623387"/>
+                  <a:pt x="238220" y="5251941"/>
+                </a:cubicBezTo>
+                <a:lnTo>
+                  <a:pt x="0" y="5073803"/>
+                </a:lnTo>
+                <a:close/>
+              </a:path>
+            </a:pathLst>
+          </a:custGeom>
+          <a:solidFill>
+            <a:srgbClr val="FFFFFF">
+              <a:alpha val="80000"/>
+            </a:srgbClr>
+          </a:solidFill>
+          <a:ln>
+            <a:noFill/>
+          </a:ln>
+        </p:spPr>
+        <p:style>
+          <a:lnRef idx="2">
+            <a:schemeClr val="accent1">
+              <a:shade val="50000"/>
+            </a:schemeClr>
+          </a:lnRef>
+          <a:fillRef idx="1">
+            <a:schemeClr val="accent1"/>
+          </a:fillRef>
+          <a:effectRef idx="0">
+            <a:schemeClr val="accent1"/>
+          </a:effectRef>
+          <a:fontRef idx="minor">
+            <a:schemeClr val="lt1"/>
+          </a:fontRef>
+        </p:style>
+        <p:txBody>
+          <a:bodyPr rtlCol="0" anchor="ctr"/>
+          <a:lstStyle/>
+          <a:p>
+            <a:pPr algn="ctr" defTabSz="685800">
+              <a:defRPr/>
+            </a:pPr>
+            <a:endParaRPr lang="en-US" sz="1350">
+              <a:solidFill>
+                <a:prstClr val="white"/>
+              </a:solidFill>
+              <a:latin typeface="Calibri" panose="020F0502020204030204"/>
+            </a:endParaRPr>
+          </a:p>
+        </p:txBody>
+      </p:sp>
+      <p:sp>
+        <p:nvSpPr>
+          <p:cNvPr id="26" name="Freeform: Shape 25">
+            <a:extLst>
+              <a:ext uri="{FF2B5EF4-FFF2-40B4-BE49-F238E27FC236}">
+                <a16:creationId xmlns:a16="http://schemas.microsoft.com/office/drawing/2014/main" id="{52AC6D7F-F068-4E11-BB06-F601D89BB980}"/>
+              </a:ext>
+              <a:ext uri="{C183D7F6-B498-43B3-948B-1728B52AA6E4}">
+                <adec:decorative xmlns:adec="http://schemas.microsoft.com/office/drawing/2017/decorative" val="1"/>
+              </a:ext>
+            </a:extLst>
+          </p:cNvPr>
+          <p:cNvSpPr>
+            <a:spLocks noGrp="1" noRot="1" noChangeAspect="1" noMove="1" noResize="1" noEditPoints="1" noAdjustHandles="1" noChangeArrowheads="1" noChangeShapeType="1" noTextEdit="1"/>
+          </p:cNvSpPr>
+          <p:nvPr>
+            <p:extLst>
+              <p:ext uri="{386F3935-93C4-4BCD-93E2-E3B085C9AB24}">
+                <p16:designElem xmlns:p16="http://schemas.microsoft.com/office/powerpoint/2015/main" val="1"/>
+              </p:ext>
+            </p:extLst>
+          </p:nvPr>
+        </p:nvSpPr>
+        <p:spPr>
+          <a:xfrm>
+            <a:off x="4560561" y="1505"/>
+            <a:ext cx="4583439" cy="4762908"/>
+          </a:xfrm>
+          <a:custGeom>
+            <a:avLst/>
+            <a:gdLst>
+              <a:gd name="connsiteX0" fmla="*/ 1041368 w 5441859"/>
+              <a:gd name="connsiteY0" fmla="*/ 0 h 5654940"/>
+              <a:gd name="connsiteX1" fmla="*/ 5441859 w 5441859"/>
+              <a:gd name="connsiteY1" fmla="*/ 0 h 5654940"/>
+              <a:gd name="connsiteX2" fmla="*/ 5441859 w 5441859"/>
+              <a:gd name="connsiteY2" fmla="*/ 4820612 h 5654940"/>
+              <a:gd name="connsiteX3" fmla="*/ 5285166 w 5441859"/>
+              <a:gd name="connsiteY3" fmla="*/ 4957981 h 5654940"/>
+              <a:gd name="connsiteX4" fmla="*/ 3267719 w 5441859"/>
+              <a:gd name="connsiteY4" fmla="*/ 5654940 h 5654940"/>
+              <a:gd name="connsiteX5" fmla="*/ 0 w 5441859"/>
+              <a:gd name="connsiteY5" fmla="*/ 2387221 h 5654940"/>
+              <a:gd name="connsiteX6" fmla="*/ 957093 w 5441859"/>
+              <a:gd name="connsiteY6" fmla="*/ 76595 h 5654940"/>
+            </a:gdLst>
+            <a:ahLst/>
+            <a:cxnLst>
+              <a:cxn ang="0">
+                <a:pos x="connsiteX0" y="connsiteY0"/>
+              </a:cxn>
+              <a:cxn ang="0">
+                <a:pos x="connsiteX1" y="connsiteY1"/>
+              </a:cxn>
+              <a:cxn ang="0">
+                <a:pos x="connsiteX2" y="connsiteY2"/>
+              </a:cxn>
+              <a:cxn ang="0">
+                <a:pos x="connsiteX3" y="connsiteY3"/>
+              </a:cxn>
+              <a:cxn ang="0">
+                <a:pos x="connsiteX4" y="connsiteY4"/>
+              </a:cxn>
+              <a:cxn ang="0">
+                <a:pos x="connsiteX5" y="connsiteY5"/>
+              </a:cxn>
+              <a:cxn ang="0">
+                <a:pos x="connsiteX6" y="connsiteY6"/>
+              </a:cxn>
+            </a:cxnLst>
+            <a:rect l="l" t="t" r="r" b="b"/>
+            <a:pathLst>
+              <a:path w="5441859" h="5654940">
+                <a:moveTo>
+                  <a:pt x="1041368" y="0"/>
+                </a:moveTo>
+                <a:lnTo>
+                  <a:pt x="5441859" y="0"/>
+                </a:lnTo>
+                <a:lnTo>
+                  <a:pt x="5441859" y="4820612"/>
+                </a:lnTo>
+                <a:lnTo>
+                  <a:pt x="5285166" y="4957981"/>
+                </a:lnTo>
+                <a:cubicBezTo>
+                  <a:pt x="4729628" y="5394557"/>
+                  <a:pt x="4029081" y="5654940"/>
+                  <a:pt x="3267719" y="5654940"/>
+                </a:cubicBezTo>
+                <a:cubicBezTo>
+                  <a:pt x="1463008" y="5654940"/>
+                  <a:pt x="0" y="4191932"/>
+                  <a:pt x="0" y="2387221"/>
+                </a:cubicBezTo>
+                <a:cubicBezTo>
+                  <a:pt x="0" y="1484866"/>
+                  <a:pt x="365752" y="667936"/>
+                  <a:pt x="957093" y="76595"/>
+                </a:cubicBezTo>
+                <a:close/>
+              </a:path>
+            </a:pathLst>
+          </a:custGeom>
+          <a:solidFill>
+            <a:schemeClr val="tx1"/>
+          </a:solidFill>
+          <a:ln>
+            <a:noFill/>
+          </a:ln>
+        </p:spPr>
+        <p:style>
+          <a:lnRef idx="2">
+            <a:schemeClr val="accent1">
+              <a:shade val="50000"/>
+            </a:schemeClr>
+          </a:lnRef>
+          <a:fillRef idx="1">
+            <a:schemeClr val="accent1"/>
+          </a:fillRef>
+          <a:effectRef idx="0">
+            <a:schemeClr val="accent1"/>
+          </a:effectRef>
+          <a:fontRef idx="minor">
+            <a:schemeClr val="lt1"/>
+          </a:fontRef>
+        </p:style>
+        <p:txBody>
+          <a:bodyPr rtlCol="0" anchor="ctr"/>
+          <a:lstStyle/>
+          <a:p>
+            <a:pPr algn="ctr" defTabSz="685800">
+              <a:defRPr/>
+            </a:pPr>
+            <a:endParaRPr lang="en-US" sz="1350">
+              <a:solidFill>
+                <a:prstClr val="white"/>
+              </a:solidFill>
+              <a:latin typeface="Calibri" panose="020F0502020204030204"/>
+            </a:endParaRPr>
+          </a:p>
+        </p:txBody>
+      </p:sp>
+      <p:pic>
+        <p:nvPicPr>
+          <p:cNvPr id="27" name="Graphic 26" descr="Flask">
+            <a:extLst>
+              <a:ext uri="{FF2B5EF4-FFF2-40B4-BE49-F238E27FC236}">
+                <a16:creationId xmlns:a16="http://schemas.microsoft.com/office/drawing/2014/main" id="{59888ACE-8B15-AFB1-3E89-371DB3C52035}"/>
+              </a:ext>
+            </a:extLst>
+          </p:cNvPr>
+          <p:cNvPicPr>
+            <a:picLocks noChangeAspect="1"/>
+          </p:cNvPicPr>
+          <p:nvPr/>
+        </p:nvPicPr>
+        <p:blipFill>
+          <a:blip r:embed="rId2">
+            <a:extLst>
+              <a:ext uri="{28A0092B-C50C-407E-A947-70E740481C1C}">
+                <a14:useLocalDpi xmlns:a14="http://schemas.microsoft.com/office/drawing/2010/main" val="0"/>
+              </a:ext>
+              <a:ext uri="{96DAC541-7B7A-43D3-8B79-37D633B846F1}">
+                <asvg:svgBlip xmlns:asvg="http://schemas.microsoft.com/office/drawing/2016/SVG/main" r:embed="rId3"/>
+              </a:ext>
+            </a:extLst>
+          </a:blip>
+          <a:stretch>
+            <a:fillRect/>
+          </a:stretch>
+        </p:blipFill>
+        <p:spPr>
+          <a:xfrm>
+            <a:off x="5562767" y="485518"/>
+            <a:ext cx="3197870" cy="3197870"/>
+          </a:xfrm>
+          <a:prstGeom prst="rect">
+            <a:avLst/>
+          </a:prstGeom>
+        </p:spPr>
+      </p:pic>
+    </p:spTree>
+    <p:extLst>
+      <p:ext uri="{BB962C8B-B14F-4D97-AF65-F5344CB8AC3E}">
+        <p14:creationId xmlns:p14="http://schemas.microsoft.com/office/powerpoint/2010/main" val="1250814776"/>
+      </p:ext>
+    </p:extLst>
+  </p:cSld>
+  <p:clrMapOvr>
+    <a:overrideClrMapping bg1="dk1" tx1="lt1" bg2="dk2" tx2="lt2" accent1="accent1" accent2="accent2" accent3="accent3" accent4="accent4" accent5="accent5" accent6="accent6" hlink="hlink" folHlink="folHlink"/>
+  </p:clrMapOvr>
+</p:sld>
+</file>
+
+<file path=ppt/slides/slide25.xml><?xml version="1.0" encoding="utf-8"?>
+<p:sld xmlns:a="http://schemas.openxmlformats.org/drawingml/2006/main" xmlns:r="http://schemas.openxmlformats.org/officeDocument/2006/relationships" xmlns:p="http://schemas.openxmlformats.org/presentationml/2006/main">
+  <p:cSld>
+    <p:bg>
+      <p:bgPr>
+        <a:solidFill>
+          <a:schemeClr val="bg1"/>
+        </a:solidFill>
+        <a:effectLst/>
+      </p:bgPr>
+    </p:bg>
+    <p:spTree>
+      <p:nvGrpSpPr>
+        <p:cNvPr id="1" name=""/>
+        <p:cNvGrpSpPr/>
+        <p:nvPr/>
+      </p:nvGrpSpPr>
+      <p:grpSpPr>
+        <a:xfrm>
+          <a:off x="0" y="0"/>
+          <a:ext cx="0" cy="0"/>
+          <a:chOff x="0" y="0"/>
+          <a:chExt cx="0" cy="0"/>
+        </a:xfrm>
+      </p:grpSpPr>
+      <p:sp useBgFill="1">
+        <p:nvSpPr>
+          <p:cNvPr id="29" name="Rectangle 28">
+            <a:extLst>
+              <a:ext uri="{FF2B5EF4-FFF2-40B4-BE49-F238E27FC236}">
+                <a16:creationId xmlns:a16="http://schemas.microsoft.com/office/drawing/2014/main" id="{E51BA4DF-2BD4-4EC2-B1DB-B27C8AC71864}"/>
+              </a:ext>
+              <a:ext uri="{C183D7F6-B498-43B3-948B-1728B52AA6E4}">
+                <adec:decorative xmlns:adec="http://schemas.microsoft.com/office/drawing/2017/decorative" val="1"/>
+              </a:ext>
+            </a:extLst>
+          </p:cNvPr>
+          <p:cNvSpPr>
+            <a:spLocks noGrp="1" noRot="1" noChangeAspect="1" noMove="1" noResize="1" noEditPoints="1" noAdjustHandles="1" noChangeArrowheads="1" noChangeShapeType="1" noTextEdit="1"/>
+          </p:cNvSpPr>
+          <p:nvPr>
+            <p:extLst>
+              <p:ext uri="{386F3935-93C4-4BCD-93E2-E3B085C9AB24}">
+                <p16:designElem xmlns:p16="http://schemas.microsoft.com/office/powerpoint/2015/main" val="1"/>
+              </p:ext>
+            </p:extLst>
+          </p:nvPr>
+        </p:nvSpPr>
+        <p:spPr>
+          <a:xfrm>
+            <a:off x="0" y="0"/>
+            <a:ext cx="9141713" cy="6858000"/>
+          </a:xfrm>
+          <a:prstGeom prst="rect">
+            <a:avLst/>
+          </a:prstGeom>
+          <a:ln>
+            <a:noFill/>
+          </a:ln>
+        </p:spPr>
+        <p:style>
+          <a:lnRef idx="2">
+            <a:schemeClr val="accent1">
+              <a:shade val="50000"/>
+            </a:schemeClr>
+          </a:lnRef>
+          <a:fillRef idx="1">
+            <a:schemeClr val="accent1"/>
+          </a:fillRef>
+          <a:effectRef idx="0">
+            <a:schemeClr val="accent1"/>
+          </a:effectRef>
+          <a:fontRef idx="minor">
+            <a:schemeClr val="lt1"/>
+          </a:fontRef>
+        </p:style>
+        <p:txBody>
+          <a:bodyPr rtlCol="0" anchor="ctr"/>
+          <a:lstStyle/>
+          <a:p>
+            <a:pPr algn="ctr"/>
+            <a:endParaRPr lang="en-US"/>
+          </a:p>
+        </p:txBody>
+      </p:sp>
+      <p:sp>
+        <p:nvSpPr>
+          <p:cNvPr id="2" name="Title 1"/>
+          <p:cNvSpPr>
+            <a:spLocks noGrp="1"/>
+          </p:cNvSpPr>
+          <p:nvPr>
+            <p:ph type="title"/>
+          </p:nvPr>
+        </p:nvSpPr>
+        <p:spPr>
+          <a:xfrm>
+            <a:off x="3415299" y="548464"/>
+            <a:ext cx="5098906" cy="1675623"/>
+          </a:xfrm>
+        </p:spPr>
+        <p:txBody>
+          <a:bodyPr anchor="b">
+            <a:normAutofit/>
+          </a:bodyPr>
+          <a:lstStyle/>
+          <a:p>
+            <a:r>
+              <a:rPr lang="en-US" sz="3500"/>
+              <a:t>Recommendations</a:t>
+            </a:r>
+          </a:p>
+        </p:txBody>
+      </p:sp>
+      <p:pic>
+        <p:nvPicPr>
+          <p:cNvPr id="25" name="Picture 24" descr="A blurry image of a blue and green light&#10;&#10;AI-generated content may be incorrect.">
+            <a:extLst>
+              <a:ext uri="{FF2B5EF4-FFF2-40B4-BE49-F238E27FC236}">
+                <a16:creationId xmlns:a16="http://schemas.microsoft.com/office/drawing/2014/main" id="{3F54BF5E-817C-0A3C-EB9E-7E33C2D39B86}"/>
+              </a:ext>
+            </a:extLst>
+          </p:cNvPr>
+          <p:cNvPicPr>
+            <a:picLocks noChangeAspect="1"/>
+          </p:cNvPicPr>
+          <p:nvPr/>
+        </p:nvPicPr>
+        <p:blipFill>
+          <a:blip r:embed="rId2"/>
+          <a:srcRect l="20456" r="49025"/>
+          <a:stretch>
+            <a:fillRect/>
+          </a:stretch>
+        </p:blipFill>
+        <p:spPr>
+          <a:xfrm>
+            <a:off x="20" y="10"/>
+            <a:ext cx="3147352" cy="6857990"/>
+          </a:xfrm>
+          <a:prstGeom prst="rect">
+            <a:avLst/>
+          </a:prstGeom>
+          <a:effectLst/>
+        </p:spPr>
+      </p:pic>
+      <p:graphicFrame>
+        <p:nvGraphicFramePr>
+          <p:cNvPr id="23" name="Content Placeholder 2">
+            <a:extLst>
+              <a:ext uri="{FF2B5EF4-FFF2-40B4-BE49-F238E27FC236}">
+                <a16:creationId xmlns:a16="http://schemas.microsoft.com/office/drawing/2014/main" id="{63F84435-B5CB-B5F2-1CBB-D08BE79A6BB1}"/>
+              </a:ext>
+            </a:extLst>
+          </p:cNvPr>
+          <p:cNvGraphicFramePr>
+            <a:graphicFrameLocks noGrp="1"/>
+          </p:cNvGraphicFramePr>
+          <p:nvPr>
+            <p:ph idx="1"/>
+            <p:extLst>
+              <p:ext uri="{D42A27DB-BD31-4B8C-83A1-F6EECF244321}">
+                <p14:modId xmlns:p14="http://schemas.microsoft.com/office/powerpoint/2010/main" val="3223398683"/>
+              </p:ext>
+            </p:extLst>
+          </p:nvPr>
+        </p:nvGraphicFramePr>
+        <p:xfrm>
+          <a:off x="3415300" y="2409830"/>
+          <a:ext cx="5098904" cy="3705217"/>
+        </p:xfrm>
+        <a:graphic>
+          <a:graphicData uri="http://schemas.openxmlformats.org/drawingml/2006/diagram">
+            <dgm:relIds xmlns:dgm="http://schemas.openxmlformats.org/drawingml/2006/diagram" xmlns:r="http://schemas.openxmlformats.org/officeDocument/2006/relationships" r:dm="rId3" r:lo="rId4" r:qs="rId5" r:cs="rId6"/>
+          </a:graphicData>
+        </a:graphic>
+      </p:graphicFrame>
+    </p:spTree>
+  </p:cSld>
+  <p:clrMapOvr>
+    <a:masterClrMapping/>
+  </p:clrMapOvr>
+</p:sld>
+</file>
+
+<file path=ppt/slides/slide26.xml><?xml version="1.0" encoding="utf-8"?>
+<p:sld xmlns:a="http://schemas.openxmlformats.org/drawingml/2006/main" xmlns:r="http://schemas.openxmlformats.org/officeDocument/2006/relationships" xmlns:p="http://schemas.openxmlformats.org/presentationml/2006/main">
+  <p:cSld>
+    <p:bg>
+      <p:bgPr>
+        <a:solidFill>
+          <a:schemeClr val="bg1"/>
+        </a:solidFill>
+        <a:effectLst/>
+      </p:bgPr>
+    </p:bg>
+    <p:spTree>
+      <p:nvGrpSpPr>
+        <p:cNvPr id="1" name=""/>
+        <p:cNvGrpSpPr/>
+        <p:nvPr/>
+      </p:nvGrpSpPr>
+      <p:grpSpPr>
+        <a:xfrm>
+          <a:off x="0" y="0"/>
+          <a:ext cx="0" cy="0"/>
+          <a:chOff x="0" y="0"/>
+          <a:chExt cx="0" cy="0"/>
+        </a:xfrm>
+      </p:grpSpPr>
+      <p:sp useBgFill="1">
+        <p:nvSpPr>
+          <p:cNvPr id="9" name="Rectangle 8">
+            <a:extLst>
+              <a:ext uri="{FF2B5EF4-FFF2-40B4-BE49-F238E27FC236}">
+                <a16:creationId xmlns:a16="http://schemas.microsoft.com/office/drawing/2014/main" id="{04812C46-200A-4DEB-A05E-3ED6C68C2387}"/>
+              </a:ext>
+              <a:ext uri="{C183D7F6-B498-43B3-948B-1728B52AA6E4}">
+                <adec:decorative xmlns:adec="http://schemas.microsoft.com/office/drawing/2017/decorative" val="1"/>
+              </a:ext>
+            </a:extLst>
+          </p:cNvPr>
+          <p:cNvSpPr>
+            <a:spLocks noGrp="1" noRot="1" noChangeAspect="1" noMove="1" noResize="1" noEditPoints="1" noAdjustHandles="1" noChangeArrowheads="1" noChangeShapeType="1" noTextEdit="1"/>
+          </p:cNvSpPr>
+          <p:nvPr>
+            <p:extLst>
+              <p:ext uri="{386F3935-93C4-4BCD-93E2-E3B085C9AB24}">
+                <p16:designElem xmlns:p16="http://schemas.microsoft.com/office/powerpoint/2015/main" val="1"/>
+              </p:ext>
+            </p:extLst>
+          </p:nvPr>
+        </p:nvSpPr>
+        <p:spPr>
+          <a:xfrm>
+            <a:off x="0" y="0"/>
+            <a:ext cx="9141713" cy="6858000"/>
+          </a:xfrm>
+          <a:prstGeom prst="rect">
+            <a:avLst/>
+          </a:prstGeom>
+          <a:ln>
+            <a:noFill/>
+          </a:ln>
+        </p:spPr>
+        <p:style>
+          <a:lnRef idx="2">
+            <a:schemeClr val="accent1">
+              <a:shade val="50000"/>
+            </a:schemeClr>
+          </a:lnRef>
+          <a:fillRef idx="1">
+            <a:schemeClr val="accent1"/>
+          </a:fillRef>
+          <a:effectRef idx="0">
+            <a:schemeClr val="accent1"/>
+          </a:effectRef>
+          <a:fontRef idx="minor">
+            <a:schemeClr val="lt1"/>
+          </a:fontRef>
+        </p:style>
+        <p:txBody>
+          <a:bodyPr rtlCol="0" anchor="ctr"/>
+          <a:lstStyle/>
+          <a:p>
+            <a:pPr algn="ctr"/>
+            <a:endParaRPr lang="en-US"/>
+          </a:p>
+        </p:txBody>
+      </p:sp>
+      <p:pic>
+        <p:nvPicPr>
+          <p:cNvPr id="5" name="Picture 4" descr="Different colored question marks">
+            <a:extLst>
+              <a:ext uri="{FF2B5EF4-FFF2-40B4-BE49-F238E27FC236}">
+                <a16:creationId xmlns:a16="http://schemas.microsoft.com/office/drawing/2014/main" id="{C0198FF4-5BC8-5355-FEF2-0829EE590C1C}"/>
+              </a:ext>
+            </a:extLst>
+          </p:cNvPr>
+          <p:cNvPicPr>
+            <a:picLocks noChangeAspect="1"/>
+          </p:cNvPicPr>
+          <p:nvPr/>
+        </p:nvPicPr>
+        <p:blipFill>
+          <a:blip r:embed="rId2"/>
+          <a:srcRect l="18565" r="21951"/>
+          <a:stretch>
+            <a:fillRect/>
+          </a:stretch>
+        </p:blipFill>
+        <p:spPr>
+          <a:xfrm>
+            <a:off x="20" y="10"/>
+            <a:ext cx="7252212" cy="6857990"/>
+          </a:xfrm>
+          <a:prstGeom prst="rect">
+            <a:avLst/>
+          </a:prstGeom>
+        </p:spPr>
+      </p:pic>
+      <p:sp>
+        <p:nvSpPr>
+          <p:cNvPr id="11" name="Rectangle 10">
+            <a:extLst>
+              <a:ext uri="{FF2B5EF4-FFF2-40B4-BE49-F238E27FC236}">
+                <a16:creationId xmlns:a16="http://schemas.microsoft.com/office/drawing/2014/main" id="{D1EA859B-E555-4109-94F3-6700E046E008}"/>
+              </a:ext>
+              <a:ext uri="{C183D7F6-B498-43B3-948B-1728B52AA6E4}">
+                <adec:decorative xmlns:adec="http://schemas.microsoft.com/office/drawing/2017/decorative" val="1"/>
+              </a:ext>
+            </a:extLst>
+          </p:cNvPr>
+          <p:cNvSpPr>
+            <a:spLocks noGrp="1" noRot="1" noChangeAspect="1" noMove="1" noResize="1" noEditPoints="1" noAdjustHandles="1" noChangeArrowheads="1" noChangeShapeType="1" noTextEdit="1"/>
+          </p:cNvSpPr>
+          <p:nvPr>
+            <p:extLst>
+              <p:ext uri="{386F3935-93C4-4BCD-93E2-E3B085C9AB24}">
+                <p16:designElem xmlns:p16="http://schemas.microsoft.com/office/powerpoint/2015/main" val="1"/>
+              </p:ext>
+            </p:extLst>
+          </p:nvPr>
+        </p:nvSpPr>
+        <p:spPr>
+          <a:xfrm flipH="1">
+            <a:off x="3843764" y="0"/>
+            <a:ext cx="5300233" cy="6858000"/>
+          </a:xfrm>
+          <a:prstGeom prst="rect">
+            <a:avLst/>
+          </a:prstGeom>
+          <a:gradFill>
+            <a:gsLst>
+              <a:gs pos="48000">
+                <a:schemeClr val="bg1"/>
+              </a:gs>
+              <a:gs pos="35000">
+                <a:schemeClr val="bg1">
+                  <a:alpha val="77000"/>
+                </a:schemeClr>
+              </a:gs>
+              <a:gs pos="19000">
+                <a:schemeClr val="bg1">
+                  <a:alpha val="38000"/>
+                </a:schemeClr>
+              </a:gs>
+              <a:gs pos="0">
+                <a:schemeClr val="bg1">
+                  <a:alpha val="0"/>
+                </a:schemeClr>
+              </a:gs>
+              <a:gs pos="100000">
+                <a:schemeClr val="bg1"/>
+              </a:gs>
+            </a:gsLst>
+            <a:lin ang="10800000" scaled="0"/>
+          </a:gradFill>
+          <a:ln>
+            <a:noFill/>
+          </a:ln>
+        </p:spPr>
+        <p:style>
+          <a:lnRef idx="2">
+            <a:schemeClr val="accent1">
+              <a:shade val="50000"/>
+            </a:schemeClr>
+          </a:lnRef>
+          <a:fillRef idx="1">
+            <a:schemeClr val="accent1"/>
+          </a:fillRef>
+          <a:effectRef idx="0">
+            <a:schemeClr val="accent1"/>
+          </a:effectRef>
+          <a:fontRef idx="minor">
+            <a:schemeClr val="lt1"/>
+          </a:fontRef>
+        </p:style>
+        <p:txBody>
+          <a:bodyPr rtlCol="0" anchor="ctr"/>
+          <a:lstStyle/>
+          <a:p>
+            <a:pPr algn="ctr"/>
+            <a:endParaRPr lang="en-US" dirty="0"/>
+          </a:p>
+        </p:txBody>
+      </p:sp>
+      <p:sp>
+        <p:nvSpPr>
+          <p:cNvPr id="3" name="Content Placeholder 2">
+            <a:extLst>
+              <a:ext uri="{FF2B5EF4-FFF2-40B4-BE49-F238E27FC236}">
+                <a16:creationId xmlns:a16="http://schemas.microsoft.com/office/drawing/2014/main" id="{BCECE0B0-4452-C296-FA14-418BED1F6727}"/>
+              </a:ext>
+            </a:extLst>
+          </p:cNvPr>
+          <p:cNvSpPr>
+            <a:spLocks noGrp="1"/>
+          </p:cNvSpPr>
+          <p:nvPr>
+            <p:ph idx="1"/>
+          </p:nvPr>
+        </p:nvSpPr>
+        <p:spPr>
+          <a:xfrm>
+            <a:off x="5648707" y="2434201"/>
+            <a:ext cx="2866642" cy="3742762"/>
+          </a:xfrm>
+        </p:spPr>
+        <p:txBody>
+          <a:bodyPr>
+            <a:normAutofit/>
+          </a:bodyPr>
+          <a:lstStyle/>
+          <a:p>
+            <a:pPr marL="0" indent="0">
+              <a:buNone/>
+            </a:pPr>
+            <a:r>
+              <a:rPr lang="en-US" sz="4000" b="1" dirty="0"/>
+              <a:t>Q&amp;A</a:t>
+            </a:r>
+          </a:p>
+          <a:p>
+            <a:pPr marL="0" indent="0">
+              <a:buNone/>
+            </a:pPr>
+            <a:endParaRPr lang="en-US" sz="4000" b="1" dirty="0"/>
+          </a:p>
+          <a:p>
+            <a:pPr marL="0" indent="0">
+              <a:buNone/>
+            </a:pPr>
+            <a:r>
+              <a:rPr lang="en-US" sz="4000" b="1" dirty="0"/>
+              <a:t>    Thank you! Any questions?</a:t>
+            </a:r>
+            <a:endParaRPr lang="en-US" sz="4000" dirty="0"/>
+          </a:p>
+          <a:p>
+            <a:endParaRPr lang="en-US" sz="1700" dirty="0"/>
+          </a:p>
+        </p:txBody>
+      </p:sp>
+    </p:spTree>
+    <p:extLst>
+      <p:ext uri="{BB962C8B-B14F-4D97-AF65-F5344CB8AC3E}">
+        <p14:creationId xmlns:p14="http://schemas.microsoft.com/office/powerpoint/2010/main" val="2837417402"/>
       </p:ext>
     </p:extLst>
   </p:cSld>
